--- a/YUV_2xy_scaler/06_doc/rgb2YCbCr.pptx
+++ b/YUV_2xy_scaler/06_doc/rgb2YCbCr.pptx
@@ -244,7 +244,7 @@
           <a:p>
             <a:fld id="{CAAF5406-DA70-40DC-8A78-C64B2AD7F6E8}" type="datetimeFigureOut">
               <a:rPr lang="zh-CN" altLang="en-US" smtClean="0"/>
-              <a:t>2022/7/3</a:t>
+              <a:t>2022/7/14</a:t>
             </a:fld>
             <a:endParaRPr lang="zh-CN" altLang="en-US"/>
           </a:p>
@@ -414,7 +414,7 @@
           <a:p>
             <a:fld id="{CAAF5406-DA70-40DC-8A78-C64B2AD7F6E8}" type="datetimeFigureOut">
               <a:rPr lang="zh-CN" altLang="en-US" smtClean="0"/>
-              <a:t>2022/7/3</a:t>
+              <a:t>2022/7/14</a:t>
             </a:fld>
             <a:endParaRPr lang="zh-CN" altLang="en-US"/>
           </a:p>
@@ -594,7 +594,7 @@
           <a:p>
             <a:fld id="{CAAF5406-DA70-40DC-8A78-C64B2AD7F6E8}" type="datetimeFigureOut">
               <a:rPr lang="zh-CN" altLang="en-US" smtClean="0"/>
-              <a:t>2022/7/3</a:t>
+              <a:t>2022/7/14</a:t>
             </a:fld>
             <a:endParaRPr lang="zh-CN" altLang="en-US"/>
           </a:p>
@@ -764,7 +764,7 @@
           <a:p>
             <a:fld id="{CAAF5406-DA70-40DC-8A78-C64B2AD7F6E8}" type="datetimeFigureOut">
               <a:rPr lang="zh-CN" altLang="en-US" smtClean="0"/>
-              <a:t>2022/7/3</a:t>
+              <a:t>2022/7/14</a:t>
             </a:fld>
             <a:endParaRPr lang="zh-CN" altLang="en-US"/>
           </a:p>
@@ -1010,7 +1010,7 @@
           <a:p>
             <a:fld id="{CAAF5406-DA70-40DC-8A78-C64B2AD7F6E8}" type="datetimeFigureOut">
               <a:rPr lang="zh-CN" altLang="en-US" smtClean="0"/>
-              <a:t>2022/7/3</a:t>
+              <a:t>2022/7/14</a:t>
             </a:fld>
             <a:endParaRPr lang="zh-CN" altLang="en-US"/>
           </a:p>
@@ -1242,7 +1242,7 @@
           <a:p>
             <a:fld id="{CAAF5406-DA70-40DC-8A78-C64B2AD7F6E8}" type="datetimeFigureOut">
               <a:rPr lang="zh-CN" altLang="en-US" smtClean="0"/>
-              <a:t>2022/7/3</a:t>
+              <a:t>2022/7/14</a:t>
             </a:fld>
             <a:endParaRPr lang="zh-CN" altLang="en-US"/>
           </a:p>
@@ -1609,7 +1609,7 @@
           <a:p>
             <a:fld id="{CAAF5406-DA70-40DC-8A78-C64B2AD7F6E8}" type="datetimeFigureOut">
               <a:rPr lang="zh-CN" altLang="en-US" smtClean="0"/>
-              <a:t>2022/7/3</a:t>
+              <a:t>2022/7/14</a:t>
             </a:fld>
             <a:endParaRPr lang="zh-CN" altLang="en-US"/>
           </a:p>
@@ -1727,7 +1727,7 @@
           <a:p>
             <a:fld id="{CAAF5406-DA70-40DC-8A78-C64B2AD7F6E8}" type="datetimeFigureOut">
               <a:rPr lang="zh-CN" altLang="en-US" smtClean="0"/>
-              <a:t>2022/7/3</a:t>
+              <a:t>2022/7/14</a:t>
             </a:fld>
             <a:endParaRPr lang="zh-CN" altLang="en-US"/>
           </a:p>
@@ -1822,7 +1822,7 @@
           <a:p>
             <a:fld id="{CAAF5406-DA70-40DC-8A78-C64B2AD7F6E8}" type="datetimeFigureOut">
               <a:rPr lang="zh-CN" altLang="en-US" smtClean="0"/>
-              <a:t>2022/7/3</a:t>
+              <a:t>2022/7/14</a:t>
             </a:fld>
             <a:endParaRPr lang="zh-CN" altLang="en-US"/>
           </a:p>
@@ -2099,7 +2099,7 @@
           <a:p>
             <a:fld id="{CAAF5406-DA70-40DC-8A78-C64B2AD7F6E8}" type="datetimeFigureOut">
               <a:rPr lang="zh-CN" altLang="en-US" smtClean="0"/>
-              <a:t>2022/7/3</a:t>
+              <a:t>2022/7/14</a:t>
             </a:fld>
             <a:endParaRPr lang="zh-CN" altLang="en-US"/>
           </a:p>
@@ -2356,7 +2356,7 @@
           <a:p>
             <a:fld id="{CAAF5406-DA70-40DC-8A78-C64B2AD7F6E8}" type="datetimeFigureOut">
               <a:rPr lang="zh-CN" altLang="en-US" smtClean="0"/>
-              <a:t>2022/7/3</a:t>
+              <a:t>2022/7/14</a:t>
             </a:fld>
             <a:endParaRPr lang="zh-CN" altLang="en-US"/>
           </a:p>
@@ -2569,7 +2569,7 @@
           <a:p>
             <a:fld id="{CAAF5406-DA70-40DC-8A78-C64B2AD7F6E8}" type="datetimeFigureOut">
               <a:rPr lang="zh-CN" altLang="en-US" smtClean="0"/>
-              <a:t>2022/7/3</a:t>
+              <a:t>2022/7/14</a:t>
             </a:fld>
             <a:endParaRPr lang="zh-CN" altLang="en-US"/>
           </a:p>
@@ -3023,6 +3023,6861 @@
           </a:p>
         </p:txBody>
       </p:sp>
+      <p:graphicFrame>
+        <p:nvGraphicFramePr>
+          <p:cNvPr id="3" name="表格 3">
+            <a:extLst>
+              <a:ext uri="{FF2B5EF4-FFF2-40B4-BE49-F238E27FC236}">
+                <a16:creationId xmlns:a16="http://schemas.microsoft.com/office/drawing/2014/main" id="{68FD1B97-4E44-AF95-E52A-85DB76A522B6}"/>
+              </a:ext>
+            </a:extLst>
+          </p:cNvPr>
+          <p:cNvGraphicFramePr>
+            <a:graphicFrameLocks noGrp="1"/>
+          </p:cNvGraphicFramePr>
+          <p:nvPr>
+            <p:extLst>
+              <p:ext uri="{D42A27DB-BD31-4B8C-83A1-F6EECF244321}">
+                <p14:modId xmlns:p14="http://schemas.microsoft.com/office/powerpoint/2010/main" val="1143081155"/>
+              </p:ext>
+            </p:extLst>
+          </p:nvPr>
+        </p:nvGraphicFramePr>
+        <p:xfrm>
+          <a:off x="4488442" y="1026408"/>
+          <a:ext cx="2077725" cy="1594485"/>
+        </p:xfrm>
+        <a:graphic>
+          <a:graphicData uri="http://schemas.openxmlformats.org/drawingml/2006/table">
+            <a:tbl>
+              <a:tblPr firstRow="1" bandRow="1">
+                <a:tableStyleId>{5940675A-B579-460E-94D1-54222C63F5DA}</a:tableStyleId>
+              </a:tblPr>
+              <a:tblGrid>
+                <a:gridCol w="692575">
+                  <a:extLst>
+                    <a:ext uri="{9D8B030D-6E8A-4147-A177-3AD203B41FA5}">
+                      <a16:colId xmlns:a16="http://schemas.microsoft.com/office/drawing/2014/main" val="3434207525"/>
+                    </a:ext>
+                  </a:extLst>
+                </a:gridCol>
+                <a:gridCol w="692575">
+                  <a:extLst>
+                    <a:ext uri="{9D8B030D-6E8A-4147-A177-3AD203B41FA5}">
+                      <a16:colId xmlns:a16="http://schemas.microsoft.com/office/drawing/2014/main" val="2629455426"/>
+                    </a:ext>
+                  </a:extLst>
+                </a:gridCol>
+                <a:gridCol w="692575">
+                  <a:extLst>
+                    <a:ext uri="{9D8B030D-6E8A-4147-A177-3AD203B41FA5}">
+                      <a16:colId xmlns:a16="http://schemas.microsoft.com/office/drawing/2014/main" val="1384085199"/>
+                    </a:ext>
+                  </a:extLst>
+                </a:gridCol>
+              </a:tblGrid>
+              <a:tr h="0">
+                <a:tc>
+                  <a:txBody>
+                    <a:bodyPr/>
+                    <a:lstStyle/>
+                    <a:p>
+                      <a:pPr algn="ctr" fontAlgn="b"/>
+                      <a:r>
+                        <a:rPr lang="en-US" sz="1100" b="1" i="0" u="none" strike="noStrike" dirty="0">
+                          <a:solidFill>
+                            <a:srgbClr val="000000"/>
+                          </a:solidFill>
+                          <a:effectLst/>
+                          <a:latin typeface="等线" panose="02010600030101010101" pitchFamily="2" charset="-122"/>
+                          <a:ea typeface="等线" panose="02010600030101010101" pitchFamily="2" charset="-122"/>
+                        </a:rPr>
+                        <a:t>V00</a:t>
+                      </a:r>
+                    </a:p>
+                  </a:txBody>
+                  <a:tcPr marL="9525" marR="9525" marT="9525" marB="0" anchor="b">
+                    <a:solidFill>
+                      <a:schemeClr val="accent6">
+                        <a:lumMod val="20000"/>
+                        <a:lumOff val="80000"/>
+                      </a:schemeClr>
+                    </a:solidFill>
+                  </a:tcPr>
+                </a:tc>
+                <a:tc>
+                  <a:txBody>
+                    <a:bodyPr/>
+                    <a:lstStyle/>
+                    <a:p>
+                      <a:pPr algn="ctr" fontAlgn="b"/>
+                      <a:r>
+                        <a:rPr lang="en-US" sz="1100" b="1" i="0" u="none" strike="noStrike">
+                          <a:solidFill>
+                            <a:srgbClr val="000000"/>
+                          </a:solidFill>
+                          <a:effectLst/>
+                          <a:latin typeface="等线" panose="02010600030101010101" pitchFamily="2" charset="-122"/>
+                          <a:ea typeface="等线" panose="02010600030101010101" pitchFamily="2" charset="-122"/>
+                        </a:rPr>
+                        <a:t>V01</a:t>
+                      </a:r>
+                    </a:p>
+                  </a:txBody>
+                  <a:tcPr marL="9525" marR="9525" marT="9525" marB="0" anchor="b">
+                    <a:solidFill>
+                      <a:schemeClr val="accent6">
+                        <a:lumMod val="20000"/>
+                        <a:lumOff val="80000"/>
+                      </a:schemeClr>
+                    </a:solidFill>
+                  </a:tcPr>
+                </a:tc>
+                <a:tc>
+                  <a:txBody>
+                    <a:bodyPr/>
+                    <a:lstStyle/>
+                    <a:p>
+                      <a:pPr algn="ctr" fontAlgn="b"/>
+                      <a:r>
+                        <a:rPr lang="en-US" sz="1100" b="1" i="0" u="none" strike="noStrike" dirty="0">
+                          <a:solidFill>
+                            <a:srgbClr val="000000"/>
+                          </a:solidFill>
+                          <a:effectLst/>
+                          <a:latin typeface="等线" panose="02010600030101010101" pitchFamily="2" charset="-122"/>
+                          <a:ea typeface="等线" panose="02010600030101010101" pitchFamily="2" charset="-122"/>
+                        </a:rPr>
+                        <a:t>V02</a:t>
+                      </a:r>
+                    </a:p>
+                  </a:txBody>
+                  <a:tcPr marL="9525" marR="9525" marT="9525" marB="0" anchor="b">
+                    <a:solidFill>
+                      <a:schemeClr val="accent6">
+                        <a:lumMod val="20000"/>
+                        <a:lumOff val="80000"/>
+                      </a:schemeClr>
+                    </a:solidFill>
+                  </a:tcPr>
+                </a:tc>
+                <a:extLst>
+                  <a:ext uri="{0D108BD9-81ED-4DB2-BD59-A6C34878D82A}">
+                    <a16:rowId xmlns:a16="http://schemas.microsoft.com/office/drawing/2014/main" val="3592941212"/>
+                  </a:ext>
+                </a:extLst>
+              </a:tr>
+              <a:tr h="114687">
+                <a:tc>
+                  <a:txBody>
+                    <a:bodyPr/>
+                    <a:lstStyle/>
+                    <a:p>
+                      <a:pPr algn="ctr" fontAlgn="b"/>
+                      <a:r>
+                        <a:rPr lang="en-US" sz="1100" b="1" i="0" u="none" strike="noStrike">
+                          <a:solidFill>
+                            <a:srgbClr val="000000"/>
+                          </a:solidFill>
+                          <a:effectLst/>
+                          <a:latin typeface="等线" panose="02010600030101010101" pitchFamily="2" charset="-122"/>
+                          <a:ea typeface="等线" panose="02010600030101010101" pitchFamily="2" charset="-122"/>
+                        </a:rPr>
+                        <a:t>U00</a:t>
+                      </a:r>
+                    </a:p>
+                  </a:txBody>
+                  <a:tcPr marL="9525" marR="9525" marT="9525" marB="0" anchor="b">
+                    <a:solidFill>
+                      <a:schemeClr val="accent6">
+                        <a:lumMod val="20000"/>
+                        <a:lumOff val="80000"/>
+                      </a:schemeClr>
+                    </a:solidFill>
+                  </a:tcPr>
+                </a:tc>
+                <a:tc>
+                  <a:txBody>
+                    <a:bodyPr/>
+                    <a:lstStyle/>
+                    <a:p>
+                      <a:pPr algn="ctr" fontAlgn="b"/>
+                      <a:r>
+                        <a:rPr lang="en-US" sz="1100" b="1" i="0" u="none" strike="noStrike" dirty="0">
+                          <a:solidFill>
+                            <a:srgbClr val="000000"/>
+                          </a:solidFill>
+                          <a:effectLst/>
+                          <a:latin typeface="等线" panose="02010600030101010101" pitchFamily="2" charset="-122"/>
+                          <a:ea typeface="等线" panose="02010600030101010101" pitchFamily="2" charset="-122"/>
+                        </a:rPr>
+                        <a:t>U01</a:t>
+                      </a:r>
+                    </a:p>
+                  </a:txBody>
+                  <a:tcPr marL="9525" marR="9525" marT="9525" marB="0" anchor="b">
+                    <a:solidFill>
+                      <a:schemeClr val="accent6">
+                        <a:lumMod val="20000"/>
+                        <a:lumOff val="80000"/>
+                      </a:schemeClr>
+                    </a:solidFill>
+                  </a:tcPr>
+                </a:tc>
+                <a:tc>
+                  <a:txBody>
+                    <a:bodyPr/>
+                    <a:lstStyle/>
+                    <a:p>
+                      <a:pPr algn="ctr" fontAlgn="b"/>
+                      <a:r>
+                        <a:rPr lang="en-US" sz="1100" b="1" i="0" u="none" strike="noStrike">
+                          <a:solidFill>
+                            <a:srgbClr val="000000"/>
+                          </a:solidFill>
+                          <a:effectLst/>
+                          <a:latin typeface="等线" panose="02010600030101010101" pitchFamily="2" charset="-122"/>
+                          <a:ea typeface="等线" panose="02010600030101010101" pitchFamily="2" charset="-122"/>
+                        </a:rPr>
+                        <a:t>U02</a:t>
+                      </a:r>
+                    </a:p>
+                  </a:txBody>
+                  <a:tcPr marL="9525" marR="9525" marT="9525" marB="0" anchor="b">
+                    <a:solidFill>
+                      <a:schemeClr val="accent6">
+                        <a:lumMod val="20000"/>
+                        <a:lumOff val="80000"/>
+                      </a:schemeClr>
+                    </a:solidFill>
+                  </a:tcPr>
+                </a:tc>
+                <a:extLst>
+                  <a:ext uri="{0D108BD9-81ED-4DB2-BD59-A6C34878D82A}">
+                    <a16:rowId xmlns:a16="http://schemas.microsoft.com/office/drawing/2014/main" val="2093937555"/>
+                  </a:ext>
+                </a:extLst>
+              </a:tr>
+              <a:tr h="114687">
+                <a:tc>
+                  <a:txBody>
+                    <a:bodyPr/>
+                    <a:lstStyle/>
+                    <a:p>
+                      <a:pPr algn="ctr" fontAlgn="b"/>
+                      <a:r>
+                        <a:rPr lang="en-US" sz="1100" b="1" i="0" u="none" strike="noStrike" dirty="0">
+                          <a:solidFill>
+                            <a:srgbClr val="000000"/>
+                          </a:solidFill>
+                          <a:effectLst/>
+                          <a:latin typeface="等线" panose="02010600030101010101" pitchFamily="2" charset="-122"/>
+                          <a:ea typeface="等线" panose="02010600030101010101" pitchFamily="2" charset="-122"/>
+                        </a:rPr>
+                        <a:t>Y00</a:t>
+                      </a:r>
+                    </a:p>
+                  </a:txBody>
+                  <a:tcPr marL="9525" marR="9525" marT="9525" marB="0" anchor="b">
+                    <a:solidFill>
+                      <a:schemeClr val="accent6">
+                        <a:lumMod val="20000"/>
+                        <a:lumOff val="80000"/>
+                      </a:schemeClr>
+                    </a:solidFill>
+                  </a:tcPr>
+                </a:tc>
+                <a:tc>
+                  <a:txBody>
+                    <a:bodyPr/>
+                    <a:lstStyle/>
+                    <a:p>
+                      <a:pPr algn="ctr" fontAlgn="b"/>
+                      <a:r>
+                        <a:rPr lang="en-US" sz="1100" b="1" i="0" u="none" strike="noStrike">
+                          <a:solidFill>
+                            <a:srgbClr val="000000"/>
+                          </a:solidFill>
+                          <a:effectLst/>
+                          <a:latin typeface="等线" panose="02010600030101010101" pitchFamily="2" charset="-122"/>
+                          <a:ea typeface="等线" panose="02010600030101010101" pitchFamily="2" charset="-122"/>
+                        </a:rPr>
+                        <a:t>Y01</a:t>
+                      </a:r>
+                    </a:p>
+                  </a:txBody>
+                  <a:tcPr marL="9525" marR="9525" marT="9525" marB="0" anchor="b">
+                    <a:solidFill>
+                      <a:schemeClr val="accent6">
+                        <a:lumMod val="20000"/>
+                        <a:lumOff val="80000"/>
+                      </a:schemeClr>
+                    </a:solidFill>
+                  </a:tcPr>
+                </a:tc>
+                <a:tc>
+                  <a:txBody>
+                    <a:bodyPr/>
+                    <a:lstStyle/>
+                    <a:p>
+                      <a:pPr algn="ctr" fontAlgn="b"/>
+                      <a:r>
+                        <a:rPr lang="en-US" sz="1100" b="1" i="0" u="none" strike="noStrike" dirty="0">
+                          <a:solidFill>
+                            <a:srgbClr val="000000"/>
+                          </a:solidFill>
+                          <a:effectLst/>
+                          <a:latin typeface="等线" panose="02010600030101010101" pitchFamily="2" charset="-122"/>
+                          <a:ea typeface="等线" panose="02010600030101010101" pitchFamily="2" charset="-122"/>
+                        </a:rPr>
+                        <a:t>Y02</a:t>
+                      </a:r>
+                    </a:p>
+                  </a:txBody>
+                  <a:tcPr marL="9525" marR="9525" marT="9525" marB="0" anchor="b">
+                    <a:solidFill>
+                      <a:schemeClr val="accent6">
+                        <a:lumMod val="20000"/>
+                        <a:lumOff val="80000"/>
+                      </a:schemeClr>
+                    </a:solidFill>
+                  </a:tcPr>
+                </a:tc>
+                <a:extLst>
+                  <a:ext uri="{0D108BD9-81ED-4DB2-BD59-A6C34878D82A}">
+                    <a16:rowId xmlns:a16="http://schemas.microsoft.com/office/drawing/2014/main" val="4132582323"/>
+                  </a:ext>
+                </a:extLst>
+              </a:tr>
+              <a:tr h="114687">
+                <a:tc>
+                  <a:txBody>
+                    <a:bodyPr/>
+                    <a:lstStyle/>
+                    <a:p>
+                      <a:pPr algn="ctr" fontAlgn="b"/>
+                      <a:r>
+                        <a:rPr lang="en-US" sz="1100" b="1" i="0" u="none" strike="noStrike" dirty="0">
+                          <a:solidFill>
+                            <a:srgbClr val="000000"/>
+                          </a:solidFill>
+                          <a:effectLst/>
+                          <a:latin typeface="等线" panose="02010600030101010101" pitchFamily="2" charset="-122"/>
+                          <a:ea typeface="等线" panose="02010600030101010101" pitchFamily="2" charset="-122"/>
+                        </a:rPr>
+                        <a:t>V10</a:t>
+                      </a:r>
+                    </a:p>
+                  </a:txBody>
+                  <a:tcPr marL="9525" marR="9525" marT="9525" marB="0" anchor="b">
+                    <a:solidFill>
+                      <a:schemeClr val="accent5">
+                        <a:lumMod val="20000"/>
+                        <a:lumOff val="80000"/>
+                      </a:schemeClr>
+                    </a:solidFill>
+                  </a:tcPr>
+                </a:tc>
+                <a:tc>
+                  <a:txBody>
+                    <a:bodyPr/>
+                    <a:lstStyle/>
+                    <a:p>
+                      <a:pPr algn="ctr" fontAlgn="b"/>
+                      <a:r>
+                        <a:rPr lang="en-US" sz="1100" b="1" i="0" u="none" strike="noStrike" dirty="0">
+                          <a:solidFill>
+                            <a:srgbClr val="000000"/>
+                          </a:solidFill>
+                          <a:effectLst/>
+                          <a:latin typeface="等线" panose="02010600030101010101" pitchFamily="2" charset="-122"/>
+                          <a:ea typeface="等线" panose="02010600030101010101" pitchFamily="2" charset="-122"/>
+                        </a:rPr>
+                        <a:t>V11</a:t>
+                      </a:r>
+                    </a:p>
+                  </a:txBody>
+                  <a:tcPr marL="9525" marR="9525" marT="9525" marB="0" anchor="b">
+                    <a:solidFill>
+                      <a:schemeClr val="accent5">
+                        <a:lumMod val="20000"/>
+                        <a:lumOff val="80000"/>
+                      </a:schemeClr>
+                    </a:solidFill>
+                  </a:tcPr>
+                </a:tc>
+                <a:tc>
+                  <a:txBody>
+                    <a:bodyPr/>
+                    <a:lstStyle/>
+                    <a:p>
+                      <a:pPr algn="ctr" fontAlgn="b"/>
+                      <a:r>
+                        <a:rPr lang="en-US" sz="1100" b="1" i="0" u="none" strike="noStrike">
+                          <a:solidFill>
+                            <a:srgbClr val="000000"/>
+                          </a:solidFill>
+                          <a:effectLst/>
+                          <a:latin typeface="等线" panose="02010600030101010101" pitchFamily="2" charset="-122"/>
+                          <a:ea typeface="等线" panose="02010600030101010101" pitchFamily="2" charset="-122"/>
+                        </a:rPr>
+                        <a:t>V12</a:t>
+                      </a:r>
+                    </a:p>
+                  </a:txBody>
+                  <a:tcPr marL="9525" marR="9525" marT="9525" marB="0" anchor="b">
+                    <a:solidFill>
+                      <a:schemeClr val="accent5">
+                        <a:lumMod val="20000"/>
+                        <a:lumOff val="80000"/>
+                      </a:schemeClr>
+                    </a:solidFill>
+                  </a:tcPr>
+                </a:tc>
+                <a:extLst>
+                  <a:ext uri="{0D108BD9-81ED-4DB2-BD59-A6C34878D82A}">
+                    <a16:rowId xmlns:a16="http://schemas.microsoft.com/office/drawing/2014/main" val="838568068"/>
+                  </a:ext>
+                </a:extLst>
+              </a:tr>
+              <a:tr h="114687">
+                <a:tc>
+                  <a:txBody>
+                    <a:bodyPr/>
+                    <a:lstStyle/>
+                    <a:p>
+                      <a:pPr algn="ctr" fontAlgn="b"/>
+                      <a:r>
+                        <a:rPr lang="en-US" sz="1100" b="1" i="0" u="none" strike="noStrike">
+                          <a:solidFill>
+                            <a:srgbClr val="000000"/>
+                          </a:solidFill>
+                          <a:effectLst/>
+                          <a:latin typeface="等线" panose="02010600030101010101" pitchFamily="2" charset="-122"/>
+                          <a:ea typeface="等线" panose="02010600030101010101" pitchFamily="2" charset="-122"/>
+                        </a:rPr>
+                        <a:t>U10</a:t>
+                      </a:r>
+                    </a:p>
+                  </a:txBody>
+                  <a:tcPr marL="9525" marR="9525" marT="9525" marB="0" anchor="b">
+                    <a:solidFill>
+                      <a:schemeClr val="accent5">
+                        <a:lumMod val="20000"/>
+                        <a:lumOff val="80000"/>
+                      </a:schemeClr>
+                    </a:solidFill>
+                  </a:tcPr>
+                </a:tc>
+                <a:tc>
+                  <a:txBody>
+                    <a:bodyPr/>
+                    <a:lstStyle/>
+                    <a:p>
+                      <a:pPr algn="ctr" fontAlgn="b"/>
+                      <a:r>
+                        <a:rPr lang="en-US" sz="1100" b="1" i="0" u="none" strike="noStrike" dirty="0">
+                          <a:solidFill>
+                            <a:srgbClr val="000000"/>
+                          </a:solidFill>
+                          <a:effectLst/>
+                          <a:latin typeface="等线" panose="02010600030101010101" pitchFamily="2" charset="-122"/>
+                          <a:ea typeface="等线" panose="02010600030101010101" pitchFamily="2" charset="-122"/>
+                        </a:rPr>
+                        <a:t>U11</a:t>
+                      </a:r>
+                    </a:p>
+                  </a:txBody>
+                  <a:tcPr marL="9525" marR="9525" marT="9525" marB="0" anchor="b">
+                    <a:solidFill>
+                      <a:schemeClr val="accent5">
+                        <a:lumMod val="20000"/>
+                        <a:lumOff val="80000"/>
+                      </a:schemeClr>
+                    </a:solidFill>
+                  </a:tcPr>
+                </a:tc>
+                <a:tc>
+                  <a:txBody>
+                    <a:bodyPr/>
+                    <a:lstStyle/>
+                    <a:p>
+                      <a:pPr algn="ctr" fontAlgn="b"/>
+                      <a:r>
+                        <a:rPr lang="en-US" sz="1100" b="1" i="0" u="none" strike="noStrike" dirty="0">
+                          <a:solidFill>
+                            <a:srgbClr val="000000"/>
+                          </a:solidFill>
+                          <a:effectLst/>
+                          <a:latin typeface="等线" panose="02010600030101010101" pitchFamily="2" charset="-122"/>
+                          <a:ea typeface="等线" panose="02010600030101010101" pitchFamily="2" charset="-122"/>
+                        </a:rPr>
+                        <a:t>U12</a:t>
+                      </a:r>
+                    </a:p>
+                  </a:txBody>
+                  <a:tcPr marL="9525" marR="9525" marT="9525" marB="0" anchor="b">
+                    <a:solidFill>
+                      <a:schemeClr val="accent5">
+                        <a:lumMod val="20000"/>
+                        <a:lumOff val="80000"/>
+                      </a:schemeClr>
+                    </a:solidFill>
+                  </a:tcPr>
+                </a:tc>
+                <a:extLst>
+                  <a:ext uri="{0D108BD9-81ED-4DB2-BD59-A6C34878D82A}">
+                    <a16:rowId xmlns:a16="http://schemas.microsoft.com/office/drawing/2014/main" val="1979325715"/>
+                  </a:ext>
+                </a:extLst>
+              </a:tr>
+              <a:tr h="114687">
+                <a:tc>
+                  <a:txBody>
+                    <a:bodyPr/>
+                    <a:lstStyle/>
+                    <a:p>
+                      <a:pPr algn="ctr" fontAlgn="b"/>
+                      <a:r>
+                        <a:rPr lang="en-US" sz="1100" b="1" i="0" u="none" strike="noStrike">
+                          <a:solidFill>
+                            <a:srgbClr val="000000"/>
+                          </a:solidFill>
+                          <a:effectLst/>
+                          <a:latin typeface="等线" panose="02010600030101010101" pitchFamily="2" charset="-122"/>
+                          <a:ea typeface="等线" panose="02010600030101010101" pitchFamily="2" charset="-122"/>
+                        </a:rPr>
+                        <a:t>Y10</a:t>
+                      </a:r>
+                    </a:p>
+                  </a:txBody>
+                  <a:tcPr marL="9525" marR="9525" marT="9525" marB="0" anchor="b">
+                    <a:solidFill>
+                      <a:schemeClr val="accent5">
+                        <a:lumMod val="20000"/>
+                        <a:lumOff val="80000"/>
+                      </a:schemeClr>
+                    </a:solidFill>
+                  </a:tcPr>
+                </a:tc>
+                <a:tc>
+                  <a:txBody>
+                    <a:bodyPr/>
+                    <a:lstStyle/>
+                    <a:p>
+                      <a:pPr algn="ctr" fontAlgn="b"/>
+                      <a:r>
+                        <a:rPr lang="en-US" sz="1100" b="1" i="0" u="none" strike="noStrike">
+                          <a:solidFill>
+                            <a:srgbClr val="000000"/>
+                          </a:solidFill>
+                          <a:effectLst/>
+                          <a:latin typeface="等线" panose="02010600030101010101" pitchFamily="2" charset="-122"/>
+                          <a:ea typeface="等线" panose="02010600030101010101" pitchFamily="2" charset="-122"/>
+                        </a:rPr>
+                        <a:t>Y11</a:t>
+                      </a:r>
+                    </a:p>
+                  </a:txBody>
+                  <a:tcPr marL="9525" marR="9525" marT="9525" marB="0" anchor="b">
+                    <a:solidFill>
+                      <a:schemeClr val="accent5">
+                        <a:lumMod val="20000"/>
+                        <a:lumOff val="80000"/>
+                      </a:schemeClr>
+                    </a:solidFill>
+                  </a:tcPr>
+                </a:tc>
+                <a:tc>
+                  <a:txBody>
+                    <a:bodyPr/>
+                    <a:lstStyle/>
+                    <a:p>
+                      <a:pPr algn="ctr" fontAlgn="b"/>
+                      <a:r>
+                        <a:rPr lang="en-US" sz="1100" b="1" i="0" u="none" strike="noStrike" dirty="0">
+                          <a:solidFill>
+                            <a:srgbClr val="000000"/>
+                          </a:solidFill>
+                          <a:effectLst/>
+                          <a:latin typeface="等线" panose="02010600030101010101" pitchFamily="2" charset="-122"/>
+                          <a:ea typeface="等线" panose="02010600030101010101" pitchFamily="2" charset="-122"/>
+                        </a:rPr>
+                        <a:t>Y12</a:t>
+                      </a:r>
+                    </a:p>
+                  </a:txBody>
+                  <a:tcPr marL="9525" marR="9525" marT="9525" marB="0" anchor="b">
+                    <a:solidFill>
+                      <a:schemeClr val="accent5">
+                        <a:lumMod val="20000"/>
+                        <a:lumOff val="80000"/>
+                      </a:schemeClr>
+                    </a:solidFill>
+                  </a:tcPr>
+                </a:tc>
+                <a:extLst>
+                  <a:ext uri="{0D108BD9-81ED-4DB2-BD59-A6C34878D82A}">
+                    <a16:rowId xmlns:a16="http://schemas.microsoft.com/office/drawing/2014/main" val="1477661103"/>
+                  </a:ext>
+                </a:extLst>
+              </a:tr>
+              <a:tr h="114687">
+                <a:tc>
+                  <a:txBody>
+                    <a:bodyPr/>
+                    <a:lstStyle/>
+                    <a:p>
+                      <a:pPr algn="ctr" fontAlgn="b"/>
+                      <a:r>
+                        <a:rPr lang="en-US" sz="1100" b="1" i="0" u="none" strike="noStrike" dirty="0">
+                          <a:solidFill>
+                            <a:srgbClr val="000000"/>
+                          </a:solidFill>
+                          <a:effectLst/>
+                          <a:latin typeface="等线" panose="02010600030101010101" pitchFamily="2" charset="-122"/>
+                          <a:ea typeface="等线" panose="02010600030101010101" pitchFamily="2" charset="-122"/>
+                        </a:rPr>
+                        <a:t>V20</a:t>
+                      </a:r>
+                    </a:p>
+                  </a:txBody>
+                  <a:tcPr marL="9525" marR="9525" marT="9525" marB="0" anchor="b">
+                    <a:solidFill>
+                      <a:schemeClr val="accent4">
+                        <a:lumMod val="20000"/>
+                        <a:lumOff val="80000"/>
+                      </a:schemeClr>
+                    </a:solidFill>
+                  </a:tcPr>
+                </a:tc>
+                <a:tc>
+                  <a:txBody>
+                    <a:bodyPr/>
+                    <a:lstStyle/>
+                    <a:p>
+                      <a:pPr algn="ctr" fontAlgn="b"/>
+                      <a:r>
+                        <a:rPr lang="en-US" sz="1100" b="1" i="0" u="none" strike="noStrike" dirty="0">
+                          <a:solidFill>
+                            <a:srgbClr val="000000"/>
+                          </a:solidFill>
+                          <a:effectLst/>
+                          <a:latin typeface="等线" panose="02010600030101010101" pitchFamily="2" charset="-122"/>
+                          <a:ea typeface="等线" panose="02010600030101010101" pitchFamily="2" charset="-122"/>
+                        </a:rPr>
+                        <a:t>V21</a:t>
+                      </a:r>
+                    </a:p>
+                  </a:txBody>
+                  <a:tcPr marL="9525" marR="9525" marT="9525" marB="0" anchor="b">
+                    <a:solidFill>
+                      <a:schemeClr val="accent4">
+                        <a:lumMod val="20000"/>
+                        <a:lumOff val="80000"/>
+                      </a:schemeClr>
+                    </a:solidFill>
+                  </a:tcPr>
+                </a:tc>
+                <a:tc>
+                  <a:txBody>
+                    <a:bodyPr/>
+                    <a:lstStyle/>
+                    <a:p>
+                      <a:pPr algn="ctr" fontAlgn="b"/>
+                      <a:r>
+                        <a:rPr lang="en-US" sz="1100" b="1" i="0" u="none" strike="noStrike">
+                          <a:solidFill>
+                            <a:srgbClr val="000000"/>
+                          </a:solidFill>
+                          <a:effectLst/>
+                          <a:latin typeface="等线" panose="02010600030101010101" pitchFamily="2" charset="-122"/>
+                          <a:ea typeface="等线" panose="02010600030101010101" pitchFamily="2" charset="-122"/>
+                        </a:rPr>
+                        <a:t>V22</a:t>
+                      </a:r>
+                    </a:p>
+                  </a:txBody>
+                  <a:tcPr marL="9525" marR="9525" marT="9525" marB="0" anchor="b">
+                    <a:solidFill>
+                      <a:schemeClr val="accent4">
+                        <a:lumMod val="20000"/>
+                        <a:lumOff val="80000"/>
+                      </a:schemeClr>
+                    </a:solidFill>
+                  </a:tcPr>
+                </a:tc>
+                <a:extLst>
+                  <a:ext uri="{0D108BD9-81ED-4DB2-BD59-A6C34878D82A}">
+                    <a16:rowId xmlns:a16="http://schemas.microsoft.com/office/drawing/2014/main" val="2132111027"/>
+                  </a:ext>
+                </a:extLst>
+              </a:tr>
+              <a:tr h="114687">
+                <a:tc>
+                  <a:txBody>
+                    <a:bodyPr/>
+                    <a:lstStyle/>
+                    <a:p>
+                      <a:pPr algn="ctr" fontAlgn="b"/>
+                      <a:r>
+                        <a:rPr lang="en-US" sz="1100" b="1" i="0" u="none" strike="noStrike">
+                          <a:solidFill>
+                            <a:srgbClr val="000000"/>
+                          </a:solidFill>
+                          <a:effectLst/>
+                          <a:latin typeface="等线" panose="02010600030101010101" pitchFamily="2" charset="-122"/>
+                          <a:ea typeface="等线" panose="02010600030101010101" pitchFamily="2" charset="-122"/>
+                        </a:rPr>
+                        <a:t>U20</a:t>
+                      </a:r>
+                    </a:p>
+                  </a:txBody>
+                  <a:tcPr marL="9525" marR="9525" marT="9525" marB="0" anchor="b">
+                    <a:solidFill>
+                      <a:schemeClr val="accent4">
+                        <a:lumMod val="20000"/>
+                        <a:lumOff val="80000"/>
+                      </a:schemeClr>
+                    </a:solidFill>
+                  </a:tcPr>
+                </a:tc>
+                <a:tc>
+                  <a:txBody>
+                    <a:bodyPr/>
+                    <a:lstStyle/>
+                    <a:p>
+                      <a:pPr algn="ctr" fontAlgn="b"/>
+                      <a:r>
+                        <a:rPr lang="en-US" sz="1100" b="1" i="0" u="none" strike="noStrike" dirty="0">
+                          <a:solidFill>
+                            <a:srgbClr val="000000"/>
+                          </a:solidFill>
+                          <a:effectLst/>
+                          <a:latin typeface="等线" panose="02010600030101010101" pitchFamily="2" charset="-122"/>
+                          <a:ea typeface="等线" panose="02010600030101010101" pitchFamily="2" charset="-122"/>
+                        </a:rPr>
+                        <a:t>U21</a:t>
+                      </a:r>
+                    </a:p>
+                  </a:txBody>
+                  <a:tcPr marL="9525" marR="9525" marT="9525" marB="0" anchor="b">
+                    <a:solidFill>
+                      <a:schemeClr val="accent4">
+                        <a:lumMod val="20000"/>
+                        <a:lumOff val="80000"/>
+                      </a:schemeClr>
+                    </a:solidFill>
+                  </a:tcPr>
+                </a:tc>
+                <a:tc>
+                  <a:txBody>
+                    <a:bodyPr/>
+                    <a:lstStyle/>
+                    <a:p>
+                      <a:pPr algn="ctr" fontAlgn="b"/>
+                      <a:r>
+                        <a:rPr lang="en-US" sz="1100" b="1" i="0" u="none" strike="noStrike" dirty="0">
+                          <a:solidFill>
+                            <a:srgbClr val="000000"/>
+                          </a:solidFill>
+                          <a:effectLst/>
+                          <a:latin typeface="等线" panose="02010600030101010101" pitchFamily="2" charset="-122"/>
+                          <a:ea typeface="等线" panose="02010600030101010101" pitchFamily="2" charset="-122"/>
+                        </a:rPr>
+                        <a:t>U22</a:t>
+                      </a:r>
+                    </a:p>
+                  </a:txBody>
+                  <a:tcPr marL="9525" marR="9525" marT="9525" marB="0" anchor="b">
+                    <a:solidFill>
+                      <a:schemeClr val="accent4">
+                        <a:lumMod val="20000"/>
+                        <a:lumOff val="80000"/>
+                      </a:schemeClr>
+                    </a:solidFill>
+                  </a:tcPr>
+                </a:tc>
+                <a:extLst>
+                  <a:ext uri="{0D108BD9-81ED-4DB2-BD59-A6C34878D82A}">
+                    <a16:rowId xmlns:a16="http://schemas.microsoft.com/office/drawing/2014/main" val="2710735296"/>
+                  </a:ext>
+                </a:extLst>
+              </a:tr>
+              <a:tr h="114687">
+                <a:tc>
+                  <a:txBody>
+                    <a:bodyPr/>
+                    <a:lstStyle/>
+                    <a:p>
+                      <a:pPr algn="ctr" fontAlgn="b"/>
+                      <a:r>
+                        <a:rPr lang="en-US" sz="1100" b="1" i="0" u="none" strike="noStrike">
+                          <a:solidFill>
+                            <a:srgbClr val="000000"/>
+                          </a:solidFill>
+                          <a:effectLst/>
+                          <a:latin typeface="等线" panose="02010600030101010101" pitchFamily="2" charset="-122"/>
+                          <a:ea typeface="等线" panose="02010600030101010101" pitchFamily="2" charset="-122"/>
+                        </a:rPr>
+                        <a:t>Y20</a:t>
+                      </a:r>
+                    </a:p>
+                  </a:txBody>
+                  <a:tcPr marL="9525" marR="9525" marT="9525" marB="0" anchor="b">
+                    <a:solidFill>
+                      <a:schemeClr val="accent4">
+                        <a:lumMod val="20000"/>
+                        <a:lumOff val="80000"/>
+                      </a:schemeClr>
+                    </a:solidFill>
+                  </a:tcPr>
+                </a:tc>
+                <a:tc>
+                  <a:txBody>
+                    <a:bodyPr/>
+                    <a:lstStyle/>
+                    <a:p>
+                      <a:pPr algn="ctr" fontAlgn="b"/>
+                      <a:r>
+                        <a:rPr lang="en-US" sz="1100" b="1" i="0" u="none" strike="noStrike">
+                          <a:solidFill>
+                            <a:srgbClr val="000000"/>
+                          </a:solidFill>
+                          <a:effectLst/>
+                          <a:latin typeface="等线" panose="02010600030101010101" pitchFamily="2" charset="-122"/>
+                          <a:ea typeface="等线" panose="02010600030101010101" pitchFamily="2" charset="-122"/>
+                        </a:rPr>
+                        <a:t>Y21</a:t>
+                      </a:r>
+                    </a:p>
+                  </a:txBody>
+                  <a:tcPr marL="9525" marR="9525" marT="9525" marB="0" anchor="b">
+                    <a:solidFill>
+                      <a:schemeClr val="accent4">
+                        <a:lumMod val="20000"/>
+                        <a:lumOff val="80000"/>
+                      </a:schemeClr>
+                    </a:solidFill>
+                  </a:tcPr>
+                </a:tc>
+                <a:tc>
+                  <a:txBody>
+                    <a:bodyPr/>
+                    <a:lstStyle/>
+                    <a:p>
+                      <a:pPr algn="ctr" fontAlgn="b"/>
+                      <a:r>
+                        <a:rPr lang="en-US" sz="1100" b="1" i="0" u="none" strike="noStrike" dirty="0">
+                          <a:solidFill>
+                            <a:srgbClr val="000000"/>
+                          </a:solidFill>
+                          <a:effectLst/>
+                          <a:latin typeface="等线" panose="02010600030101010101" pitchFamily="2" charset="-122"/>
+                          <a:ea typeface="等线" panose="02010600030101010101" pitchFamily="2" charset="-122"/>
+                        </a:rPr>
+                        <a:t>Y22</a:t>
+                      </a:r>
+                    </a:p>
+                  </a:txBody>
+                  <a:tcPr marL="9525" marR="9525" marT="9525" marB="0" anchor="b">
+                    <a:solidFill>
+                      <a:schemeClr val="accent4">
+                        <a:lumMod val="20000"/>
+                        <a:lumOff val="80000"/>
+                      </a:schemeClr>
+                    </a:solidFill>
+                  </a:tcPr>
+                </a:tc>
+                <a:extLst>
+                  <a:ext uri="{0D108BD9-81ED-4DB2-BD59-A6C34878D82A}">
+                    <a16:rowId xmlns:a16="http://schemas.microsoft.com/office/drawing/2014/main" val="3338863819"/>
+                  </a:ext>
+                </a:extLst>
+              </a:tr>
+            </a:tbl>
+          </a:graphicData>
+        </a:graphic>
+      </p:graphicFrame>
+      <p:graphicFrame>
+        <p:nvGraphicFramePr>
+          <p:cNvPr id="5" name="表格 5">
+            <a:extLst>
+              <a:ext uri="{FF2B5EF4-FFF2-40B4-BE49-F238E27FC236}">
+                <a16:creationId xmlns:a16="http://schemas.microsoft.com/office/drawing/2014/main" id="{04177CBA-9C08-C093-D697-2A83A2155E44}"/>
+              </a:ext>
+            </a:extLst>
+          </p:cNvPr>
+          <p:cNvGraphicFramePr>
+            <a:graphicFrameLocks noGrp="1"/>
+          </p:cNvGraphicFramePr>
+          <p:nvPr>
+            <p:extLst>
+              <p:ext uri="{D42A27DB-BD31-4B8C-83A1-F6EECF244321}">
+                <p14:modId xmlns:p14="http://schemas.microsoft.com/office/powerpoint/2010/main" val="1808138866"/>
+              </p:ext>
+            </p:extLst>
+          </p:nvPr>
+        </p:nvGraphicFramePr>
+        <p:xfrm>
+          <a:off x="4488442" y="2972594"/>
+          <a:ext cx="10793712" cy="2125980"/>
+        </p:xfrm>
+        <a:graphic>
+          <a:graphicData uri="http://schemas.openxmlformats.org/drawingml/2006/table">
+            <a:tbl>
+              <a:tblPr firstRow="1" bandRow="1">
+                <a:tableStyleId>{5940675A-B579-460E-94D1-54222C63F5DA}</a:tableStyleId>
+              </a:tblPr>
+              <a:tblGrid>
+                <a:gridCol w="1798952">
+                  <a:extLst>
+                    <a:ext uri="{9D8B030D-6E8A-4147-A177-3AD203B41FA5}">
+                      <a16:colId xmlns:a16="http://schemas.microsoft.com/office/drawing/2014/main" val="2049248261"/>
+                    </a:ext>
+                  </a:extLst>
+                </a:gridCol>
+                <a:gridCol w="1798952">
+                  <a:extLst>
+                    <a:ext uri="{9D8B030D-6E8A-4147-A177-3AD203B41FA5}">
+                      <a16:colId xmlns:a16="http://schemas.microsoft.com/office/drawing/2014/main" val="1989680851"/>
+                    </a:ext>
+                  </a:extLst>
+                </a:gridCol>
+                <a:gridCol w="1798952">
+                  <a:extLst>
+                    <a:ext uri="{9D8B030D-6E8A-4147-A177-3AD203B41FA5}">
+                      <a16:colId xmlns:a16="http://schemas.microsoft.com/office/drawing/2014/main" val="1692443109"/>
+                    </a:ext>
+                  </a:extLst>
+                </a:gridCol>
+                <a:gridCol w="1798952">
+                  <a:extLst>
+                    <a:ext uri="{9D8B030D-6E8A-4147-A177-3AD203B41FA5}">
+                      <a16:colId xmlns:a16="http://schemas.microsoft.com/office/drawing/2014/main" val="1331803554"/>
+                    </a:ext>
+                  </a:extLst>
+                </a:gridCol>
+                <a:gridCol w="1798952">
+                  <a:extLst>
+                    <a:ext uri="{9D8B030D-6E8A-4147-A177-3AD203B41FA5}">
+                      <a16:colId xmlns:a16="http://schemas.microsoft.com/office/drawing/2014/main" val="1403760005"/>
+                    </a:ext>
+                  </a:extLst>
+                </a:gridCol>
+                <a:gridCol w="1798952">
+                  <a:extLst>
+                    <a:ext uri="{9D8B030D-6E8A-4147-A177-3AD203B41FA5}">
+                      <a16:colId xmlns:a16="http://schemas.microsoft.com/office/drawing/2014/main" val="2038133611"/>
+                    </a:ext>
+                  </a:extLst>
+                </a:gridCol>
+              </a:tblGrid>
+              <a:tr h="114739">
+                <a:tc>
+                  <a:txBody>
+                    <a:bodyPr/>
+                    <a:lstStyle/>
+                    <a:p>
+                      <a:pPr algn="ctr" fontAlgn="b"/>
+                      <a:r>
+                        <a:rPr lang="en-US" sz="1100" b="1" i="0" u="none" strike="noStrike" dirty="0">
+                          <a:solidFill>
+                            <a:srgbClr val="000000"/>
+                          </a:solidFill>
+                          <a:effectLst/>
+                          <a:latin typeface="等线" panose="02010600030101010101" pitchFamily="2" charset="-122"/>
+                          <a:ea typeface="等线" panose="02010600030101010101" pitchFamily="2" charset="-122"/>
+                        </a:rPr>
+                        <a:t>V00</a:t>
+                      </a:r>
+                    </a:p>
+                  </a:txBody>
+                  <a:tcPr marL="9525" marR="9525" marT="9525" marB="0" anchor="b">
+                    <a:solidFill>
+                      <a:schemeClr val="accent6">
+                        <a:lumMod val="20000"/>
+                        <a:lumOff val="80000"/>
+                      </a:schemeClr>
+                    </a:solidFill>
+                  </a:tcPr>
+                </a:tc>
+                <a:tc>
+                  <a:txBody>
+                    <a:bodyPr/>
+                    <a:lstStyle/>
+                    <a:p>
+                      <a:pPr algn="ctr" fontAlgn="b"/>
+                      <a:r>
+                        <a:rPr lang="en-US" sz="1100" b="1" i="0" u="none" strike="noStrike">
+                          <a:solidFill>
+                            <a:srgbClr val="000000"/>
+                          </a:solidFill>
+                          <a:effectLst/>
+                          <a:latin typeface="等线" panose="02010600030101010101" pitchFamily="2" charset="-122"/>
+                          <a:ea typeface="等线" panose="02010600030101010101" pitchFamily="2" charset="-122"/>
+                        </a:rPr>
+                        <a:t>V01</a:t>
+                      </a:r>
+                    </a:p>
+                  </a:txBody>
+                  <a:tcPr marL="9525" marR="9525" marT="9525" marB="0" anchor="b">
+                    <a:solidFill>
+                      <a:schemeClr val="accent6">
+                        <a:lumMod val="20000"/>
+                        <a:lumOff val="80000"/>
+                      </a:schemeClr>
+                    </a:solidFill>
+                  </a:tcPr>
+                </a:tc>
+                <a:tc>
+                  <a:txBody>
+                    <a:bodyPr/>
+                    <a:lstStyle/>
+                    <a:p>
+                      <a:pPr algn="ctr" fontAlgn="b"/>
+                      <a:r>
+                        <a:rPr lang="en-US" sz="1100" b="1" i="0" u="none" strike="noStrike">
+                          <a:solidFill>
+                            <a:srgbClr val="000000"/>
+                          </a:solidFill>
+                          <a:effectLst/>
+                          <a:latin typeface="等线" panose="02010600030101010101" pitchFamily="2" charset="-122"/>
+                          <a:ea typeface="等线" panose="02010600030101010101" pitchFamily="2" charset="-122"/>
+                        </a:rPr>
+                        <a:t>V02</a:t>
+                      </a:r>
+                    </a:p>
+                  </a:txBody>
+                  <a:tcPr marL="9525" marR="9525" marT="9525" marB="0" anchor="b">
+                    <a:solidFill>
+                      <a:schemeClr val="accent6">
+                        <a:lumMod val="20000"/>
+                        <a:lumOff val="80000"/>
+                      </a:schemeClr>
+                    </a:solidFill>
+                  </a:tcPr>
+                </a:tc>
+                <a:tc>
+                  <a:txBody>
+                    <a:bodyPr/>
+                    <a:lstStyle/>
+                    <a:p>
+                      <a:pPr algn="ctr" fontAlgn="b"/>
+                      <a:endParaRPr lang="zh-CN" altLang="en-US" sz="1100" b="1" i="0" u="none" strike="noStrike">
+                        <a:solidFill>
+                          <a:srgbClr val="000000"/>
+                        </a:solidFill>
+                        <a:effectLst/>
+                        <a:latin typeface="等线" panose="02010600030101010101" pitchFamily="2" charset="-122"/>
+                        <a:ea typeface="等线" panose="02010600030101010101" pitchFamily="2" charset="-122"/>
+                      </a:endParaRPr>
+                    </a:p>
+                  </a:txBody>
+                  <a:tcPr marL="9525" marR="9525" marT="9525" marB="0" anchor="b">
+                    <a:solidFill>
+                      <a:schemeClr val="accent6">
+                        <a:lumMod val="20000"/>
+                        <a:lumOff val="80000"/>
+                      </a:schemeClr>
+                    </a:solidFill>
+                  </a:tcPr>
+                </a:tc>
+                <a:tc>
+                  <a:txBody>
+                    <a:bodyPr/>
+                    <a:lstStyle/>
+                    <a:p>
+                      <a:pPr algn="ctr" fontAlgn="b"/>
+                      <a:r>
+                        <a:rPr lang="en-US" sz="1100" b="1" i="0" u="none" strike="noStrike">
+                          <a:solidFill>
+                            <a:srgbClr val="000000"/>
+                          </a:solidFill>
+                          <a:effectLst/>
+                          <a:latin typeface="等线" panose="02010600030101010101" pitchFamily="2" charset="-122"/>
+                          <a:ea typeface="等线" panose="02010600030101010101" pitchFamily="2" charset="-122"/>
+                        </a:rPr>
+                        <a:t>V0(X-1)</a:t>
+                      </a:r>
+                    </a:p>
+                  </a:txBody>
+                  <a:tcPr marL="9525" marR="9525" marT="9525" marB="0" anchor="b">
+                    <a:solidFill>
+                      <a:schemeClr val="accent6">
+                        <a:lumMod val="20000"/>
+                        <a:lumOff val="80000"/>
+                      </a:schemeClr>
+                    </a:solidFill>
+                  </a:tcPr>
+                </a:tc>
+                <a:tc>
+                  <a:txBody>
+                    <a:bodyPr/>
+                    <a:lstStyle/>
+                    <a:p>
+                      <a:pPr algn="ctr" fontAlgn="b"/>
+                      <a:r>
+                        <a:rPr lang="en-US" sz="1100" b="1" i="0" u="none" strike="noStrike">
+                          <a:solidFill>
+                            <a:srgbClr val="000000"/>
+                          </a:solidFill>
+                          <a:effectLst/>
+                          <a:latin typeface="等线" panose="02010600030101010101" pitchFamily="2" charset="-122"/>
+                          <a:ea typeface="等线" panose="02010600030101010101" pitchFamily="2" charset="-122"/>
+                        </a:rPr>
+                        <a:t>V0X</a:t>
+                      </a:r>
+                    </a:p>
+                  </a:txBody>
+                  <a:tcPr marL="9525" marR="9525" marT="9525" marB="0" anchor="b">
+                    <a:solidFill>
+                      <a:schemeClr val="accent6">
+                        <a:lumMod val="20000"/>
+                        <a:lumOff val="80000"/>
+                      </a:schemeClr>
+                    </a:solidFill>
+                  </a:tcPr>
+                </a:tc>
+                <a:extLst>
+                  <a:ext uri="{0D108BD9-81ED-4DB2-BD59-A6C34878D82A}">
+                    <a16:rowId xmlns:a16="http://schemas.microsoft.com/office/drawing/2014/main" val="3094000970"/>
+                  </a:ext>
+                </a:extLst>
+              </a:tr>
+              <a:tr h="114739">
+                <a:tc>
+                  <a:txBody>
+                    <a:bodyPr/>
+                    <a:lstStyle/>
+                    <a:p>
+                      <a:pPr algn="ctr" fontAlgn="b"/>
+                      <a:r>
+                        <a:rPr lang="en-US" sz="1100" b="1" i="0" u="none" strike="noStrike" dirty="0">
+                          <a:solidFill>
+                            <a:srgbClr val="000000"/>
+                          </a:solidFill>
+                          <a:effectLst/>
+                          <a:latin typeface="等线" panose="02010600030101010101" pitchFamily="2" charset="-122"/>
+                          <a:ea typeface="等线" panose="02010600030101010101" pitchFamily="2" charset="-122"/>
+                        </a:rPr>
+                        <a:t>(Y00+Y01)/2 = Y’00</a:t>
+                      </a:r>
+                    </a:p>
+                  </a:txBody>
+                  <a:tcPr marL="9525" marR="9525" marT="9525" marB="0" anchor="b">
+                    <a:solidFill>
+                      <a:schemeClr val="accent6">
+                        <a:lumMod val="20000"/>
+                        <a:lumOff val="80000"/>
+                      </a:schemeClr>
+                    </a:solidFill>
+                  </a:tcPr>
+                </a:tc>
+                <a:tc>
+                  <a:txBody>
+                    <a:bodyPr/>
+                    <a:lstStyle/>
+                    <a:p>
+                      <a:pPr algn="ctr" fontAlgn="b"/>
+                      <a:r>
+                        <a:rPr lang="en-US" sz="1100" b="1" i="0" u="none" strike="noStrike" dirty="0">
+                          <a:solidFill>
+                            <a:srgbClr val="000000"/>
+                          </a:solidFill>
+                          <a:effectLst/>
+                          <a:latin typeface="等线" panose="02010600030101010101" pitchFamily="2" charset="-122"/>
+                          <a:ea typeface="等线" panose="02010600030101010101" pitchFamily="2" charset="-122"/>
+                        </a:rPr>
+                        <a:t>(Y01+Y02)/2 = Y’01</a:t>
+                      </a:r>
+                    </a:p>
+                  </a:txBody>
+                  <a:tcPr marL="9525" marR="9525" marT="9525" marB="0" anchor="b">
+                    <a:solidFill>
+                      <a:schemeClr val="accent6">
+                        <a:lumMod val="20000"/>
+                        <a:lumOff val="80000"/>
+                      </a:schemeClr>
+                    </a:solidFill>
+                  </a:tcPr>
+                </a:tc>
+                <a:tc>
+                  <a:txBody>
+                    <a:bodyPr/>
+                    <a:lstStyle/>
+                    <a:p>
+                      <a:pPr algn="ctr" fontAlgn="b"/>
+                      <a:r>
+                        <a:rPr lang="en-US" sz="1100" b="1" i="0" u="none" strike="noStrike">
+                          <a:solidFill>
+                            <a:srgbClr val="000000"/>
+                          </a:solidFill>
+                          <a:effectLst/>
+                          <a:latin typeface="等线" panose="02010600030101010101" pitchFamily="2" charset="-122"/>
+                          <a:ea typeface="等线" panose="02010600030101010101" pitchFamily="2" charset="-122"/>
+                        </a:rPr>
+                        <a:t>(Y02+Y03)/2 = Y’02</a:t>
+                      </a:r>
+                    </a:p>
+                  </a:txBody>
+                  <a:tcPr marL="9525" marR="9525" marT="9525" marB="0" anchor="b">
+                    <a:solidFill>
+                      <a:schemeClr val="accent6">
+                        <a:lumMod val="20000"/>
+                        <a:lumOff val="80000"/>
+                      </a:schemeClr>
+                    </a:solidFill>
+                  </a:tcPr>
+                </a:tc>
+                <a:tc>
+                  <a:txBody>
+                    <a:bodyPr/>
+                    <a:lstStyle/>
+                    <a:p>
+                      <a:pPr algn="ctr" fontAlgn="b"/>
+                      <a:r>
+                        <a:rPr lang="en-US" altLang="zh-CN" sz="1100" b="1" i="0" u="none" strike="noStrike">
+                          <a:solidFill>
+                            <a:srgbClr val="000000"/>
+                          </a:solidFill>
+                          <a:effectLst/>
+                          <a:latin typeface="等线" panose="02010600030101010101" pitchFamily="2" charset="-122"/>
+                          <a:ea typeface="等线" panose="02010600030101010101" pitchFamily="2" charset="-122"/>
+                        </a:rPr>
+                        <a:t>…</a:t>
+                      </a:r>
+                    </a:p>
+                  </a:txBody>
+                  <a:tcPr marL="9525" marR="9525" marT="9525" marB="0" anchor="b">
+                    <a:solidFill>
+                      <a:schemeClr val="accent6">
+                        <a:lumMod val="20000"/>
+                        <a:lumOff val="80000"/>
+                      </a:schemeClr>
+                    </a:solidFill>
+                  </a:tcPr>
+                </a:tc>
+                <a:tc>
+                  <a:txBody>
+                    <a:bodyPr/>
+                    <a:lstStyle/>
+                    <a:p>
+                      <a:pPr algn="ctr" fontAlgn="b"/>
+                      <a:r>
+                        <a:rPr lang="es-ES" sz="1100" b="1" i="0" u="none" strike="noStrike">
+                          <a:solidFill>
+                            <a:srgbClr val="000000"/>
+                          </a:solidFill>
+                          <a:effectLst/>
+                          <a:latin typeface="等线" panose="02010600030101010101" pitchFamily="2" charset="-122"/>
+                          <a:ea typeface="等线" panose="02010600030101010101" pitchFamily="2" charset="-122"/>
+                        </a:rPr>
+                        <a:t>(Y0(X-1)+Y0X)/2 = Y’0(X-1)</a:t>
+                      </a:r>
+                    </a:p>
+                  </a:txBody>
+                  <a:tcPr marL="9525" marR="9525" marT="9525" marB="0" anchor="b">
+                    <a:solidFill>
+                      <a:schemeClr val="accent6">
+                        <a:lumMod val="20000"/>
+                        <a:lumOff val="80000"/>
+                      </a:schemeClr>
+                    </a:solidFill>
+                  </a:tcPr>
+                </a:tc>
+                <a:tc>
+                  <a:txBody>
+                    <a:bodyPr/>
+                    <a:lstStyle/>
+                    <a:p>
+                      <a:pPr algn="ctr" fontAlgn="b"/>
+                      <a:r>
+                        <a:rPr lang="en-US" sz="1100" b="1" i="0" u="none" strike="noStrike">
+                          <a:solidFill>
+                            <a:srgbClr val="000000"/>
+                          </a:solidFill>
+                          <a:effectLst/>
+                          <a:latin typeface="等线" panose="02010600030101010101" pitchFamily="2" charset="-122"/>
+                          <a:ea typeface="等线" panose="02010600030101010101" pitchFamily="2" charset="-122"/>
+                        </a:rPr>
+                        <a:t>(Y0X+Y0X)/2 = Y’0X</a:t>
+                      </a:r>
+                    </a:p>
+                  </a:txBody>
+                  <a:tcPr marL="9525" marR="9525" marT="9525" marB="0" anchor="b">
+                    <a:solidFill>
+                      <a:schemeClr val="accent6">
+                        <a:lumMod val="20000"/>
+                        <a:lumOff val="80000"/>
+                      </a:schemeClr>
+                    </a:solidFill>
+                  </a:tcPr>
+                </a:tc>
+                <a:extLst>
+                  <a:ext uri="{0D108BD9-81ED-4DB2-BD59-A6C34878D82A}">
+                    <a16:rowId xmlns:a16="http://schemas.microsoft.com/office/drawing/2014/main" val="824691905"/>
+                  </a:ext>
+                </a:extLst>
+              </a:tr>
+              <a:tr h="114739">
+                <a:tc>
+                  <a:txBody>
+                    <a:bodyPr/>
+                    <a:lstStyle/>
+                    <a:p>
+                      <a:pPr algn="ctr" fontAlgn="b"/>
+                      <a:r>
+                        <a:rPr lang="en-US" sz="1100" b="1" i="0" u="none" strike="noStrike">
+                          <a:solidFill>
+                            <a:srgbClr val="000000"/>
+                          </a:solidFill>
+                          <a:effectLst/>
+                          <a:latin typeface="等线" panose="02010600030101010101" pitchFamily="2" charset="-122"/>
+                          <a:ea typeface="等线" panose="02010600030101010101" pitchFamily="2" charset="-122"/>
+                        </a:rPr>
+                        <a:t>U00</a:t>
+                      </a:r>
+                    </a:p>
+                  </a:txBody>
+                  <a:tcPr marL="9525" marR="9525" marT="9525" marB="0" anchor="b">
+                    <a:solidFill>
+                      <a:schemeClr val="accent6">
+                        <a:lumMod val="20000"/>
+                        <a:lumOff val="80000"/>
+                      </a:schemeClr>
+                    </a:solidFill>
+                  </a:tcPr>
+                </a:tc>
+                <a:tc>
+                  <a:txBody>
+                    <a:bodyPr/>
+                    <a:lstStyle/>
+                    <a:p>
+                      <a:pPr algn="ctr" fontAlgn="b"/>
+                      <a:r>
+                        <a:rPr lang="en-US" sz="1100" b="1" i="0" u="none" strike="noStrike" dirty="0">
+                          <a:solidFill>
+                            <a:srgbClr val="000000"/>
+                          </a:solidFill>
+                          <a:effectLst/>
+                          <a:latin typeface="等线" panose="02010600030101010101" pitchFamily="2" charset="-122"/>
+                          <a:ea typeface="等线" panose="02010600030101010101" pitchFamily="2" charset="-122"/>
+                        </a:rPr>
+                        <a:t>U01</a:t>
+                      </a:r>
+                    </a:p>
+                  </a:txBody>
+                  <a:tcPr marL="9525" marR="9525" marT="9525" marB="0" anchor="b">
+                    <a:solidFill>
+                      <a:schemeClr val="accent6">
+                        <a:lumMod val="20000"/>
+                        <a:lumOff val="80000"/>
+                      </a:schemeClr>
+                    </a:solidFill>
+                  </a:tcPr>
+                </a:tc>
+                <a:tc>
+                  <a:txBody>
+                    <a:bodyPr/>
+                    <a:lstStyle/>
+                    <a:p>
+                      <a:pPr algn="ctr" fontAlgn="b"/>
+                      <a:r>
+                        <a:rPr lang="en-US" sz="1100" b="1" i="0" u="none" strike="noStrike">
+                          <a:solidFill>
+                            <a:srgbClr val="000000"/>
+                          </a:solidFill>
+                          <a:effectLst/>
+                          <a:latin typeface="等线" panose="02010600030101010101" pitchFamily="2" charset="-122"/>
+                          <a:ea typeface="等线" panose="02010600030101010101" pitchFamily="2" charset="-122"/>
+                        </a:rPr>
+                        <a:t>U02</a:t>
+                      </a:r>
+                    </a:p>
+                  </a:txBody>
+                  <a:tcPr marL="9525" marR="9525" marT="9525" marB="0" anchor="b">
+                    <a:solidFill>
+                      <a:schemeClr val="accent6">
+                        <a:lumMod val="20000"/>
+                        <a:lumOff val="80000"/>
+                      </a:schemeClr>
+                    </a:solidFill>
+                  </a:tcPr>
+                </a:tc>
+                <a:tc>
+                  <a:txBody>
+                    <a:bodyPr/>
+                    <a:lstStyle/>
+                    <a:p>
+                      <a:pPr algn="ctr" fontAlgn="b"/>
+                      <a:endParaRPr lang="zh-CN" altLang="en-US" sz="1100" b="1" i="0" u="none" strike="noStrike">
+                        <a:solidFill>
+                          <a:srgbClr val="000000"/>
+                        </a:solidFill>
+                        <a:effectLst/>
+                        <a:latin typeface="等线" panose="02010600030101010101" pitchFamily="2" charset="-122"/>
+                        <a:ea typeface="等线" panose="02010600030101010101" pitchFamily="2" charset="-122"/>
+                      </a:endParaRPr>
+                    </a:p>
+                  </a:txBody>
+                  <a:tcPr marL="9525" marR="9525" marT="9525" marB="0" anchor="b">
+                    <a:solidFill>
+                      <a:schemeClr val="accent6">
+                        <a:lumMod val="20000"/>
+                        <a:lumOff val="80000"/>
+                      </a:schemeClr>
+                    </a:solidFill>
+                  </a:tcPr>
+                </a:tc>
+                <a:tc>
+                  <a:txBody>
+                    <a:bodyPr/>
+                    <a:lstStyle/>
+                    <a:p>
+                      <a:pPr algn="ctr" fontAlgn="b"/>
+                      <a:r>
+                        <a:rPr lang="en-US" sz="1100" b="1" i="0" u="none" strike="noStrike" dirty="0">
+                          <a:solidFill>
+                            <a:srgbClr val="000000"/>
+                          </a:solidFill>
+                          <a:effectLst/>
+                          <a:latin typeface="等线" panose="02010600030101010101" pitchFamily="2" charset="-122"/>
+                          <a:ea typeface="等线" panose="02010600030101010101" pitchFamily="2" charset="-122"/>
+                        </a:rPr>
+                        <a:t>U0(X-1)</a:t>
+                      </a:r>
+                    </a:p>
+                  </a:txBody>
+                  <a:tcPr marL="9525" marR="9525" marT="9525" marB="0" anchor="b">
+                    <a:solidFill>
+                      <a:schemeClr val="accent6">
+                        <a:lumMod val="20000"/>
+                        <a:lumOff val="80000"/>
+                      </a:schemeClr>
+                    </a:solidFill>
+                  </a:tcPr>
+                </a:tc>
+                <a:tc>
+                  <a:txBody>
+                    <a:bodyPr/>
+                    <a:lstStyle/>
+                    <a:p>
+                      <a:pPr algn="ctr" fontAlgn="b"/>
+                      <a:r>
+                        <a:rPr lang="en-US" sz="1100" b="1" i="0" u="none" strike="noStrike" dirty="0">
+                          <a:solidFill>
+                            <a:srgbClr val="000000"/>
+                          </a:solidFill>
+                          <a:effectLst/>
+                          <a:latin typeface="等线" panose="02010600030101010101" pitchFamily="2" charset="-122"/>
+                          <a:ea typeface="等线" panose="02010600030101010101" pitchFamily="2" charset="-122"/>
+                        </a:rPr>
+                        <a:t>U0X</a:t>
+                      </a:r>
+                    </a:p>
+                  </a:txBody>
+                  <a:tcPr marL="9525" marR="9525" marT="9525" marB="0" anchor="b">
+                    <a:solidFill>
+                      <a:schemeClr val="accent6">
+                        <a:lumMod val="20000"/>
+                        <a:lumOff val="80000"/>
+                      </a:schemeClr>
+                    </a:solidFill>
+                  </a:tcPr>
+                </a:tc>
+                <a:extLst>
+                  <a:ext uri="{0D108BD9-81ED-4DB2-BD59-A6C34878D82A}">
+                    <a16:rowId xmlns:a16="http://schemas.microsoft.com/office/drawing/2014/main" val="2782918316"/>
+                  </a:ext>
+                </a:extLst>
+              </a:tr>
+              <a:tr h="114739">
+                <a:tc>
+                  <a:txBody>
+                    <a:bodyPr/>
+                    <a:lstStyle/>
+                    <a:p>
+                      <a:pPr algn="ctr" fontAlgn="b"/>
+                      <a:r>
+                        <a:rPr lang="en-US" sz="1100" b="1" i="0" u="none" strike="noStrike">
+                          <a:solidFill>
+                            <a:srgbClr val="000000"/>
+                          </a:solidFill>
+                          <a:effectLst/>
+                          <a:latin typeface="等线" panose="02010600030101010101" pitchFamily="2" charset="-122"/>
+                          <a:ea typeface="等线" panose="02010600030101010101" pitchFamily="2" charset="-122"/>
+                        </a:rPr>
+                        <a:t>Y00</a:t>
+                      </a:r>
+                    </a:p>
+                  </a:txBody>
+                  <a:tcPr marL="9525" marR="9525" marT="9525" marB="0" anchor="b">
+                    <a:solidFill>
+                      <a:schemeClr val="accent6">
+                        <a:lumMod val="20000"/>
+                        <a:lumOff val="80000"/>
+                      </a:schemeClr>
+                    </a:solidFill>
+                  </a:tcPr>
+                </a:tc>
+                <a:tc>
+                  <a:txBody>
+                    <a:bodyPr/>
+                    <a:lstStyle/>
+                    <a:p>
+                      <a:pPr algn="ctr" fontAlgn="b"/>
+                      <a:r>
+                        <a:rPr lang="en-US" sz="1100" b="1" i="0" u="none" strike="noStrike">
+                          <a:solidFill>
+                            <a:srgbClr val="000000"/>
+                          </a:solidFill>
+                          <a:effectLst/>
+                          <a:latin typeface="等线" panose="02010600030101010101" pitchFamily="2" charset="-122"/>
+                          <a:ea typeface="等线" panose="02010600030101010101" pitchFamily="2" charset="-122"/>
+                        </a:rPr>
+                        <a:t>Y01</a:t>
+                      </a:r>
+                    </a:p>
+                  </a:txBody>
+                  <a:tcPr marL="9525" marR="9525" marT="9525" marB="0" anchor="b">
+                    <a:solidFill>
+                      <a:schemeClr val="accent6">
+                        <a:lumMod val="20000"/>
+                        <a:lumOff val="80000"/>
+                      </a:schemeClr>
+                    </a:solidFill>
+                  </a:tcPr>
+                </a:tc>
+                <a:tc>
+                  <a:txBody>
+                    <a:bodyPr/>
+                    <a:lstStyle/>
+                    <a:p>
+                      <a:pPr algn="ctr" fontAlgn="b"/>
+                      <a:r>
+                        <a:rPr lang="en-US" sz="1100" b="1" i="0" u="none" strike="noStrike" dirty="0">
+                          <a:solidFill>
+                            <a:srgbClr val="000000"/>
+                          </a:solidFill>
+                          <a:effectLst/>
+                          <a:latin typeface="等线" panose="02010600030101010101" pitchFamily="2" charset="-122"/>
+                          <a:ea typeface="等线" panose="02010600030101010101" pitchFamily="2" charset="-122"/>
+                        </a:rPr>
+                        <a:t>Y02</a:t>
+                      </a:r>
+                    </a:p>
+                  </a:txBody>
+                  <a:tcPr marL="9525" marR="9525" marT="9525" marB="0" anchor="b">
+                    <a:solidFill>
+                      <a:schemeClr val="accent6">
+                        <a:lumMod val="20000"/>
+                        <a:lumOff val="80000"/>
+                      </a:schemeClr>
+                    </a:solidFill>
+                  </a:tcPr>
+                </a:tc>
+                <a:tc>
+                  <a:txBody>
+                    <a:bodyPr/>
+                    <a:lstStyle/>
+                    <a:p>
+                      <a:pPr algn="ctr" fontAlgn="b"/>
+                      <a:endParaRPr lang="zh-CN" altLang="en-US" sz="1100" b="1" i="0" u="none" strike="noStrike" dirty="0">
+                        <a:solidFill>
+                          <a:srgbClr val="000000"/>
+                        </a:solidFill>
+                        <a:effectLst/>
+                        <a:latin typeface="等线" panose="02010600030101010101" pitchFamily="2" charset="-122"/>
+                        <a:ea typeface="等线" panose="02010600030101010101" pitchFamily="2" charset="-122"/>
+                      </a:endParaRPr>
+                    </a:p>
+                  </a:txBody>
+                  <a:tcPr marL="9525" marR="9525" marT="9525" marB="0" anchor="b">
+                    <a:solidFill>
+                      <a:schemeClr val="accent6">
+                        <a:lumMod val="20000"/>
+                        <a:lumOff val="80000"/>
+                      </a:schemeClr>
+                    </a:solidFill>
+                  </a:tcPr>
+                </a:tc>
+                <a:tc>
+                  <a:txBody>
+                    <a:bodyPr/>
+                    <a:lstStyle/>
+                    <a:p>
+                      <a:pPr algn="ctr" fontAlgn="b"/>
+                      <a:r>
+                        <a:rPr lang="en-US" sz="1100" b="1" i="0" u="none" strike="noStrike" dirty="0">
+                          <a:solidFill>
+                            <a:srgbClr val="000000"/>
+                          </a:solidFill>
+                          <a:effectLst/>
+                          <a:latin typeface="等线" panose="02010600030101010101" pitchFamily="2" charset="-122"/>
+                          <a:ea typeface="等线" panose="02010600030101010101" pitchFamily="2" charset="-122"/>
+                        </a:rPr>
+                        <a:t>Y0(X-1)</a:t>
+                      </a:r>
+                    </a:p>
+                  </a:txBody>
+                  <a:tcPr marL="9525" marR="9525" marT="9525" marB="0" anchor="b">
+                    <a:solidFill>
+                      <a:schemeClr val="accent6">
+                        <a:lumMod val="20000"/>
+                        <a:lumOff val="80000"/>
+                      </a:schemeClr>
+                    </a:solidFill>
+                  </a:tcPr>
+                </a:tc>
+                <a:tc>
+                  <a:txBody>
+                    <a:bodyPr/>
+                    <a:lstStyle/>
+                    <a:p>
+                      <a:pPr algn="ctr" fontAlgn="b"/>
+                      <a:r>
+                        <a:rPr lang="en-US" sz="1100" b="1" i="0" u="none" strike="noStrike" dirty="0">
+                          <a:solidFill>
+                            <a:srgbClr val="000000"/>
+                          </a:solidFill>
+                          <a:effectLst/>
+                          <a:latin typeface="等线" panose="02010600030101010101" pitchFamily="2" charset="-122"/>
+                          <a:ea typeface="等线" panose="02010600030101010101" pitchFamily="2" charset="-122"/>
+                        </a:rPr>
+                        <a:t>Y0X</a:t>
+                      </a:r>
+                    </a:p>
+                  </a:txBody>
+                  <a:tcPr marL="9525" marR="9525" marT="9525" marB="0" anchor="b">
+                    <a:solidFill>
+                      <a:schemeClr val="accent6">
+                        <a:lumMod val="20000"/>
+                        <a:lumOff val="80000"/>
+                      </a:schemeClr>
+                    </a:solidFill>
+                  </a:tcPr>
+                </a:tc>
+                <a:extLst>
+                  <a:ext uri="{0D108BD9-81ED-4DB2-BD59-A6C34878D82A}">
+                    <a16:rowId xmlns:a16="http://schemas.microsoft.com/office/drawing/2014/main" val="1042582634"/>
+                  </a:ext>
+                </a:extLst>
+              </a:tr>
+              <a:tr h="114739">
+                <a:tc>
+                  <a:txBody>
+                    <a:bodyPr/>
+                    <a:lstStyle/>
+                    <a:p>
+                      <a:pPr algn="ctr" fontAlgn="b"/>
+                      <a:r>
+                        <a:rPr lang="en-US" sz="1100" b="1" i="0" u="none" strike="noStrike" dirty="0">
+                          <a:solidFill>
+                            <a:srgbClr val="000000"/>
+                          </a:solidFill>
+                          <a:effectLst/>
+                          <a:latin typeface="等线" panose="02010600030101010101" pitchFamily="2" charset="-122"/>
+                          <a:ea typeface="等线" panose="02010600030101010101" pitchFamily="2" charset="-122"/>
+                        </a:rPr>
+                        <a:t>V10</a:t>
+                      </a:r>
+                    </a:p>
+                  </a:txBody>
+                  <a:tcPr marL="9525" marR="9525" marT="9525" marB="0" anchor="b">
+                    <a:solidFill>
+                      <a:schemeClr val="accent5">
+                        <a:lumMod val="20000"/>
+                        <a:lumOff val="80000"/>
+                      </a:schemeClr>
+                    </a:solidFill>
+                  </a:tcPr>
+                </a:tc>
+                <a:tc>
+                  <a:txBody>
+                    <a:bodyPr/>
+                    <a:lstStyle/>
+                    <a:p>
+                      <a:pPr algn="ctr" fontAlgn="b"/>
+                      <a:r>
+                        <a:rPr lang="en-US" sz="1100" b="1" i="0" u="none" strike="noStrike">
+                          <a:solidFill>
+                            <a:srgbClr val="000000"/>
+                          </a:solidFill>
+                          <a:effectLst/>
+                          <a:latin typeface="等线" panose="02010600030101010101" pitchFamily="2" charset="-122"/>
+                          <a:ea typeface="等线" panose="02010600030101010101" pitchFamily="2" charset="-122"/>
+                        </a:rPr>
+                        <a:t>V11</a:t>
+                      </a:r>
+                    </a:p>
+                  </a:txBody>
+                  <a:tcPr marL="9525" marR="9525" marT="9525" marB="0" anchor="b">
+                    <a:solidFill>
+                      <a:schemeClr val="accent5">
+                        <a:lumMod val="20000"/>
+                        <a:lumOff val="80000"/>
+                      </a:schemeClr>
+                    </a:solidFill>
+                  </a:tcPr>
+                </a:tc>
+                <a:tc>
+                  <a:txBody>
+                    <a:bodyPr/>
+                    <a:lstStyle/>
+                    <a:p>
+                      <a:pPr algn="ctr" fontAlgn="b"/>
+                      <a:r>
+                        <a:rPr lang="en-US" sz="1100" b="1" i="0" u="none" strike="noStrike">
+                          <a:solidFill>
+                            <a:srgbClr val="000000"/>
+                          </a:solidFill>
+                          <a:effectLst/>
+                          <a:latin typeface="等线" panose="02010600030101010101" pitchFamily="2" charset="-122"/>
+                          <a:ea typeface="等线" panose="02010600030101010101" pitchFamily="2" charset="-122"/>
+                        </a:rPr>
+                        <a:t>V12</a:t>
+                      </a:r>
+                    </a:p>
+                  </a:txBody>
+                  <a:tcPr marL="9525" marR="9525" marT="9525" marB="0" anchor="b">
+                    <a:solidFill>
+                      <a:schemeClr val="accent5">
+                        <a:lumMod val="20000"/>
+                        <a:lumOff val="80000"/>
+                      </a:schemeClr>
+                    </a:solidFill>
+                  </a:tcPr>
+                </a:tc>
+                <a:tc>
+                  <a:txBody>
+                    <a:bodyPr/>
+                    <a:lstStyle/>
+                    <a:p>
+                      <a:pPr algn="ctr" fontAlgn="b"/>
+                      <a:endParaRPr lang="zh-CN" altLang="en-US" sz="1100" b="1" i="0" u="none" strike="noStrike">
+                        <a:solidFill>
+                          <a:srgbClr val="000000"/>
+                        </a:solidFill>
+                        <a:effectLst/>
+                        <a:latin typeface="等线" panose="02010600030101010101" pitchFamily="2" charset="-122"/>
+                        <a:ea typeface="等线" panose="02010600030101010101" pitchFamily="2" charset="-122"/>
+                      </a:endParaRPr>
+                    </a:p>
+                  </a:txBody>
+                  <a:tcPr marL="9525" marR="9525" marT="9525" marB="0" anchor="b">
+                    <a:solidFill>
+                      <a:schemeClr val="accent5">
+                        <a:lumMod val="20000"/>
+                        <a:lumOff val="80000"/>
+                      </a:schemeClr>
+                    </a:solidFill>
+                  </a:tcPr>
+                </a:tc>
+                <a:tc>
+                  <a:txBody>
+                    <a:bodyPr/>
+                    <a:lstStyle/>
+                    <a:p>
+                      <a:pPr algn="ctr" fontAlgn="b"/>
+                      <a:r>
+                        <a:rPr lang="en-US" sz="1100" b="1" i="0" u="none" strike="noStrike">
+                          <a:solidFill>
+                            <a:srgbClr val="000000"/>
+                          </a:solidFill>
+                          <a:effectLst/>
+                          <a:latin typeface="等线" panose="02010600030101010101" pitchFamily="2" charset="-122"/>
+                          <a:ea typeface="等线" panose="02010600030101010101" pitchFamily="2" charset="-122"/>
+                        </a:rPr>
+                        <a:t>V1(X-1)</a:t>
+                      </a:r>
+                    </a:p>
+                  </a:txBody>
+                  <a:tcPr marL="9525" marR="9525" marT="9525" marB="0" anchor="b">
+                    <a:solidFill>
+                      <a:schemeClr val="accent5">
+                        <a:lumMod val="20000"/>
+                        <a:lumOff val="80000"/>
+                      </a:schemeClr>
+                    </a:solidFill>
+                  </a:tcPr>
+                </a:tc>
+                <a:tc>
+                  <a:txBody>
+                    <a:bodyPr/>
+                    <a:lstStyle/>
+                    <a:p>
+                      <a:pPr algn="ctr" fontAlgn="b"/>
+                      <a:r>
+                        <a:rPr lang="en-US" sz="1100" b="1" i="0" u="none" strike="noStrike">
+                          <a:solidFill>
+                            <a:srgbClr val="000000"/>
+                          </a:solidFill>
+                          <a:effectLst/>
+                          <a:latin typeface="等线" panose="02010600030101010101" pitchFamily="2" charset="-122"/>
+                          <a:ea typeface="等线" panose="02010600030101010101" pitchFamily="2" charset="-122"/>
+                        </a:rPr>
+                        <a:t>V1X</a:t>
+                      </a:r>
+                    </a:p>
+                  </a:txBody>
+                  <a:tcPr marL="9525" marR="9525" marT="9525" marB="0" anchor="b">
+                    <a:solidFill>
+                      <a:schemeClr val="accent5">
+                        <a:lumMod val="20000"/>
+                        <a:lumOff val="80000"/>
+                      </a:schemeClr>
+                    </a:solidFill>
+                  </a:tcPr>
+                </a:tc>
+                <a:extLst>
+                  <a:ext uri="{0D108BD9-81ED-4DB2-BD59-A6C34878D82A}">
+                    <a16:rowId xmlns:a16="http://schemas.microsoft.com/office/drawing/2014/main" val="730904687"/>
+                  </a:ext>
+                </a:extLst>
+              </a:tr>
+              <a:tr h="114739">
+                <a:tc>
+                  <a:txBody>
+                    <a:bodyPr/>
+                    <a:lstStyle/>
+                    <a:p>
+                      <a:pPr algn="ctr" fontAlgn="b"/>
+                      <a:r>
+                        <a:rPr lang="en-US" sz="1100" b="1" i="0" u="none" strike="noStrike">
+                          <a:solidFill>
+                            <a:srgbClr val="000000"/>
+                          </a:solidFill>
+                          <a:effectLst/>
+                          <a:latin typeface="等线" panose="02010600030101010101" pitchFamily="2" charset="-122"/>
+                          <a:ea typeface="等线" panose="02010600030101010101" pitchFamily="2" charset="-122"/>
+                        </a:rPr>
+                        <a:t>(Y10+Y11)/2 = Y’10</a:t>
+                      </a:r>
+                    </a:p>
+                  </a:txBody>
+                  <a:tcPr marL="9525" marR="9525" marT="9525" marB="0" anchor="b">
+                    <a:solidFill>
+                      <a:schemeClr val="accent5">
+                        <a:lumMod val="20000"/>
+                        <a:lumOff val="80000"/>
+                      </a:schemeClr>
+                    </a:solidFill>
+                  </a:tcPr>
+                </a:tc>
+                <a:tc>
+                  <a:txBody>
+                    <a:bodyPr/>
+                    <a:lstStyle/>
+                    <a:p>
+                      <a:pPr algn="ctr" fontAlgn="b"/>
+                      <a:r>
+                        <a:rPr lang="en-US" sz="1100" b="1" i="0" u="none" strike="noStrike">
+                          <a:solidFill>
+                            <a:srgbClr val="000000"/>
+                          </a:solidFill>
+                          <a:effectLst/>
+                          <a:latin typeface="等线" panose="02010600030101010101" pitchFamily="2" charset="-122"/>
+                          <a:ea typeface="等线" panose="02010600030101010101" pitchFamily="2" charset="-122"/>
+                        </a:rPr>
+                        <a:t>(Y11+Y12)/2 = Y’11</a:t>
+                      </a:r>
+                    </a:p>
+                  </a:txBody>
+                  <a:tcPr marL="9525" marR="9525" marT="9525" marB="0" anchor="b">
+                    <a:solidFill>
+                      <a:schemeClr val="accent5">
+                        <a:lumMod val="20000"/>
+                        <a:lumOff val="80000"/>
+                      </a:schemeClr>
+                    </a:solidFill>
+                  </a:tcPr>
+                </a:tc>
+                <a:tc>
+                  <a:txBody>
+                    <a:bodyPr/>
+                    <a:lstStyle/>
+                    <a:p>
+                      <a:pPr algn="ctr" fontAlgn="b"/>
+                      <a:r>
+                        <a:rPr lang="en-US" sz="1100" b="1" i="0" u="none" strike="noStrike">
+                          <a:solidFill>
+                            <a:srgbClr val="000000"/>
+                          </a:solidFill>
+                          <a:effectLst/>
+                          <a:latin typeface="等线" panose="02010600030101010101" pitchFamily="2" charset="-122"/>
+                          <a:ea typeface="等线" panose="02010600030101010101" pitchFamily="2" charset="-122"/>
+                        </a:rPr>
+                        <a:t>(Y12+Y13)/2 =Y’12</a:t>
+                      </a:r>
+                    </a:p>
+                  </a:txBody>
+                  <a:tcPr marL="9525" marR="9525" marT="9525" marB="0" anchor="b">
+                    <a:solidFill>
+                      <a:schemeClr val="accent5">
+                        <a:lumMod val="20000"/>
+                        <a:lumOff val="80000"/>
+                      </a:schemeClr>
+                    </a:solidFill>
+                  </a:tcPr>
+                </a:tc>
+                <a:tc>
+                  <a:txBody>
+                    <a:bodyPr/>
+                    <a:lstStyle/>
+                    <a:p>
+                      <a:pPr algn="ctr" fontAlgn="b"/>
+                      <a:r>
+                        <a:rPr lang="en-US" altLang="zh-CN" sz="1100" b="1" i="0" u="none" strike="noStrike">
+                          <a:solidFill>
+                            <a:srgbClr val="000000"/>
+                          </a:solidFill>
+                          <a:effectLst/>
+                          <a:latin typeface="等线" panose="02010600030101010101" pitchFamily="2" charset="-122"/>
+                          <a:ea typeface="等线" panose="02010600030101010101" pitchFamily="2" charset="-122"/>
+                        </a:rPr>
+                        <a:t>…</a:t>
+                      </a:r>
+                    </a:p>
+                  </a:txBody>
+                  <a:tcPr marL="9525" marR="9525" marT="9525" marB="0" anchor="b">
+                    <a:solidFill>
+                      <a:schemeClr val="accent5">
+                        <a:lumMod val="20000"/>
+                        <a:lumOff val="80000"/>
+                      </a:schemeClr>
+                    </a:solidFill>
+                  </a:tcPr>
+                </a:tc>
+                <a:tc>
+                  <a:txBody>
+                    <a:bodyPr/>
+                    <a:lstStyle/>
+                    <a:p>
+                      <a:pPr algn="ctr" fontAlgn="b"/>
+                      <a:r>
+                        <a:rPr lang="es-ES" sz="1100" b="1" i="0" u="none" strike="noStrike">
+                          <a:solidFill>
+                            <a:srgbClr val="000000"/>
+                          </a:solidFill>
+                          <a:effectLst/>
+                          <a:latin typeface="等线" panose="02010600030101010101" pitchFamily="2" charset="-122"/>
+                          <a:ea typeface="等线" panose="02010600030101010101" pitchFamily="2" charset="-122"/>
+                        </a:rPr>
+                        <a:t>(Y1(X-1)+Y1X)/2 = Y’(X-1)</a:t>
+                      </a:r>
+                    </a:p>
+                  </a:txBody>
+                  <a:tcPr marL="9525" marR="9525" marT="9525" marB="0" anchor="b">
+                    <a:solidFill>
+                      <a:schemeClr val="accent5">
+                        <a:lumMod val="20000"/>
+                        <a:lumOff val="80000"/>
+                      </a:schemeClr>
+                    </a:solidFill>
+                  </a:tcPr>
+                </a:tc>
+                <a:tc>
+                  <a:txBody>
+                    <a:bodyPr/>
+                    <a:lstStyle/>
+                    <a:p>
+                      <a:pPr algn="ctr" fontAlgn="b"/>
+                      <a:r>
+                        <a:rPr lang="en-US" sz="1100" b="1" i="0" u="none" strike="noStrike">
+                          <a:solidFill>
+                            <a:srgbClr val="000000"/>
+                          </a:solidFill>
+                          <a:effectLst/>
+                          <a:latin typeface="等线" panose="02010600030101010101" pitchFamily="2" charset="-122"/>
+                          <a:ea typeface="等线" panose="02010600030101010101" pitchFamily="2" charset="-122"/>
+                        </a:rPr>
+                        <a:t>(Y1X+Y1X)/2 = Y’1X</a:t>
+                      </a:r>
+                    </a:p>
+                  </a:txBody>
+                  <a:tcPr marL="9525" marR="9525" marT="9525" marB="0" anchor="b">
+                    <a:solidFill>
+                      <a:schemeClr val="accent5">
+                        <a:lumMod val="20000"/>
+                        <a:lumOff val="80000"/>
+                      </a:schemeClr>
+                    </a:solidFill>
+                  </a:tcPr>
+                </a:tc>
+                <a:extLst>
+                  <a:ext uri="{0D108BD9-81ED-4DB2-BD59-A6C34878D82A}">
+                    <a16:rowId xmlns:a16="http://schemas.microsoft.com/office/drawing/2014/main" val="1434894079"/>
+                  </a:ext>
+                </a:extLst>
+              </a:tr>
+              <a:tr h="114739">
+                <a:tc>
+                  <a:txBody>
+                    <a:bodyPr/>
+                    <a:lstStyle/>
+                    <a:p>
+                      <a:pPr algn="ctr" fontAlgn="b"/>
+                      <a:r>
+                        <a:rPr lang="en-US" sz="1100" b="1" i="0" u="none" strike="noStrike">
+                          <a:solidFill>
+                            <a:srgbClr val="000000"/>
+                          </a:solidFill>
+                          <a:effectLst/>
+                          <a:latin typeface="等线" panose="02010600030101010101" pitchFamily="2" charset="-122"/>
+                          <a:ea typeface="等线" panose="02010600030101010101" pitchFamily="2" charset="-122"/>
+                        </a:rPr>
+                        <a:t>U10</a:t>
+                      </a:r>
+                    </a:p>
+                  </a:txBody>
+                  <a:tcPr marL="9525" marR="9525" marT="9525" marB="0" anchor="b">
+                    <a:solidFill>
+                      <a:schemeClr val="accent5">
+                        <a:lumMod val="20000"/>
+                        <a:lumOff val="80000"/>
+                      </a:schemeClr>
+                    </a:solidFill>
+                  </a:tcPr>
+                </a:tc>
+                <a:tc>
+                  <a:txBody>
+                    <a:bodyPr/>
+                    <a:lstStyle/>
+                    <a:p>
+                      <a:pPr algn="ctr" fontAlgn="b"/>
+                      <a:r>
+                        <a:rPr lang="en-US" sz="1100" b="1" i="0" u="none" strike="noStrike" dirty="0">
+                          <a:solidFill>
+                            <a:srgbClr val="000000"/>
+                          </a:solidFill>
+                          <a:effectLst/>
+                          <a:latin typeface="等线" panose="02010600030101010101" pitchFamily="2" charset="-122"/>
+                          <a:ea typeface="等线" panose="02010600030101010101" pitchFamily="2" charset="-122"/>
+                        </a:rPr>
+                        <a:t>U11</a:t>
+                      </a:r>
+                    </a:p>
+                  </a:txBody>
+                  <a:tcPr marL="9525" marR="9525" marT="9525" marB="0" anchor="b">
+                    <a:solidFill>
+                      <a:schemeClr val="accent5">
+                        <a:lumMod val="20000"/>
+                        <a:lumOff val="80000"/>
+                      </a:schemeClr>
+                    </a:solidFill>
+                  </a:tcPr>
+                </a:tc>
+                <a:tc>
+                  <a:txBody>
+                    <a:bodyPr/>
+                    <a:lstStyle/>
+                    <a:p>
+                      <a:pPr algn="ctr" fontAlgn="b"/>
+                      <a:r>
+                        <a:rPr lang="en-US" sz="1100" b="1" i="0" u="none" strike="noStrike" dirty="0">
+                          <a:solidFill>
+                            <a:srgbClr val="000000"/>
+                          </a:solidFill>
+                          <a:effectLst/>
+                          <a:latin typeface="等线" panose="02010600030101010101" pitchFamily="2" charset="-122"/>
+                          <a:ea typeface="等线" panose="02010600030101010101" pitchFamily="2" charset="-122"/>
+                        </a:rPr>
+                        <a:t>U12</a:t>
+                      </a:r>
+                    </a:p>
+                  </a:txBody>
+                  <a:tcPr marL="9525" marR="9525" marT="9525" marB="0" anchor="b">
+                    <a:solidFill>
+                      <a:schemeClr val="accent5">
+                        <a:lumMod val="20000"/>
+                        <a:lumOff val="80000"/>
+                      </a:schemeClr>
+                    </a:solidFill>
+                  </a:tcPr>
+                </a:tc>
+                <a:tc>
+                  <a:txBody>
+                    <a:bodyPr/>
+                    <a:lstStyle/>
+                    <a:p>
+                      <a:pPr algn="ctr" fontAlgn="b"/>
+                      <a:endParaRPr lang="zh-CN" altLang="en-US" sz="1100" b="1" i="0" u="none" strike="noStrike" dirty="0">
+                        <a:solidFill>
+                          <a:srgbClr val="000000"/>
+                        </a:solidFill>
+                        <a:effectLst/>
+                        <a:latin typeface="等线" panose="02010600030101010101" pitchFamily="2" charset="-122"/>
+                        <a:ea typeface="等线" panose="02010600030101010101" pitchFamily="2" charset="-122"/>
+                      </a:endParaRPr>
+                    </a:p>
+                  </a:txBody>
+                  <a:tcPr marL="9525" marR="9525" marT="9525" marB="0" anchor="b">
+                    <a:solidFill>
+                      <a:schemeClr val="accent5">
+                        <a:lumMod val="20000"/>
+                        <a:lumOff val="80000"/>
+                      </a:schemeClr>
+                    </a:solidFill>
+                  </a:tcPr>
+                </a:tc>
+                <a:tc>
+                  <a:txBody>
+                    <a:bodyPr/>
+                    <a:lstStyle/>
+                    <a:p>
+                      <a:pPr algn="ctr" fontAlgn="b"/>
+                      <a:r>
+                        <a:rPr lang="en-US" sz="1100" b="1" i="0" u="none" strike="noStrike" dirty="0">
+                          <a:solidFill>
+                            <a:srgbClr val="000000"/>
+                          </a:solidFill>
+                          <a:effectLst/>
+                          <a:latin typeface="等线" panose="02010600030101010101" pitchFamily="2" charset="-122"/>
+                          <a:ea typeface="等线" panose="02010600030101010101" pitchFamily="2" charset="-122"/>
+                        </a:rPr>
+                        <a:t>U1(X-1)</a:t>
+                      </a:r>
+                    </a:p>
+                  </a:txBody>
+                  <a:tcPr marL="9525" marR="9525" marT="9525" marB="0" anchor="b">
+                    <a:solidFill>
+                      <a:schemeClr val="accent5">
+                        <a:lumMod val="20000"/>
+                        <a:lumOff val="80000"/>
+                      </a:schemeClr>
+                    </a:solidFill>
+                  </a:tcPr>
+                </a:tc>
+                <a:tc>
+                  <a:txBody>
+                    <a:bodyPr/>
+                    <a:lstStyle/>
+                    <a:p>
+                      <a:pPr algn="ctr" fontAlgn="b"/>
+                      <a:r>
+                        <a:rPr lang="en-US" sz="1100" b="1" i="0" u="none" strike="noStrike" dirty="0">
+                          <a:solidFill>
+                            <a:srgbClr val="000000"/>
+                          </a:solidFill>
+                          <a:effectLst/>
+                          <a:latin typeface="等线" panose="02010600030101010101" pitchFamily="2" charset="-122"/>
+                          <a:ea typeface="等线" panose="02010600030101010101" pitchFamily="2" charset="-122"/>
+                        </a:rPr>
+                        <a:t>U1X</a:t>
+                      </a:r>
+                    </a:p>
+                  </a:txBody>
+                  <a:tcPr marL="9525" marR="9525" marT="9525" marB="0" anchor="b">
+                    <a:solidFill>
+                      <a:schemeClr val="accent5">
+                        <a:lumMod val="20000"/>
+                        <a:lumOff val="80000"/>
+                      </a:schemeClr>
+                    </a:solidFill>
+                  </a:tcPr>
+                </a:tc>
+                <a:extLst>
+                  <a:ext uri="{0D108BD9-81ED-4DB2-BD59-A6C34878D82A}">
+                    <a16:rowId xmlns:a16="http://schemas.microsoft.com/office/drawing/2014/main" val="999403006"/>
+                  </a:ext>
+                </a:extLst>
+              </a:tr>
+              <a:tr h="114739">
+                <a:tc>
+                  <a:txBody>
+                    <a:bodyPr/>
+                    <a:lstStyle/>
+                    <a:p>
+                      <a:pPr algn="ctr" fontAlgn="b"/>
+                      <a:r>
+                        <a:rPr lang="en-US" sz="1100" b="1" i="0" u="none" strike="noStrike">
+                          <a:solidFill>
+                            <a:srgbClr val="000000"/>
+                          </a:solidFill>
+                          <a:effectLst/>
+                          <a:latin typeface="等线" panose="02010600030101010101" pitchFamily="2" charset="-122"/>
+                          <a:ea typeface="等线" panose="02010600030101010101" pitchFamily="2" charset="-122"/>
+                        </a:rPr>
+                        <a:t>Y10</a:t>
+                      </a:r>
+                    </a:p>
+                  </a:txBody>
+                  <a:tcPr marL="9525" marR="9525" marT="9525" marB="0" anchor="b">
+                    <a:solidFill>
+                      <a:schemeClr val="accent5">
+                        <a:lumMod val="20000"/>
+                        <a:lumOff val="80000"/>
+                      </a:schemeClr>
+                    </a:solidFill>
+                  </a:tcPr>
+                </a:tc>
+                <a:tc>
+                  <a:txBody>
+                    <a:bodyPr/>
+                    <a:lstStyle/>
+                    <a:p>
+                      <a:pPr algn="ctr" fontAlgn="b"/>
+                      <a:r>
+                        <a:rPr lang="en-US" sz="1100" b="1" i="0" u="none" strike="noStrike" dirty="0">
+                          <a:solidFill>
+                            <a:srgbClr val="000000"/>
+                          </a:solidFill>
+                          <a:effectLst/>
+                          <a:latin typeface="等线" panose="02010600030101010101" pitchFamily="2" charset="-122"/>
+                          <a:ea typeface="等线" panose="02010600030101010101" pitchFamily="2" charset="-122"/>
+                        </a:rPr>
+                        <a:t>Y11</a:t>
+                      </a:r>
+                    </a:p>
+                  </a:txBody>
+                  <a:tcPr marL="9525" marR="9525" marT="9525" marB="0" anchor="b">
+                    <a:solidFill>
+                      <a:schemeClr val="accent5">
+                        <a:lumMod val="20000"/>
+                        <a:lumOff val="80000"/>
+                      </a:schemeClr>
+                    </a:solidFill>
+                  </a:tcPr>
+                </a:tc>
+                <a:tc>
+                  <a:txBody>
+                    <a:bodyPr/>
+                    <a:lstStyle/>
+                    <a:p>
+                      <a:pPr algn="ctr" fontAlgn="b"/>
+                      <a:r>
+                        <a:rPr lang="en-US" sz="1100" b="1" i="0" u="none" strike="noStrike">
+                          <a:solidFill>
+                            <a:srgbClr val="000000"/>
+                          </a:solidFill>
+                          <a:effectLst/>
+                          <a:latin typeface="等线" panose="02010600030101010101" pitchFamily="2" charset="-122"/>
+                          <a:ea typeface="等线" panose="02010600030101010101" pitchFamily="2" charset="-122"/>
+                        </a:rPr>
+                        <a:t>Y12</a:t>
+                      </a:r>
+                    </a:p>
+                  </a:txBody>
+                  <a:tcPr marL="9525" marR="9525" marT="9525" marB="0" anchor="b">
+                    <a:solidFill>
+                      <a:schemeClr val="accent5">
+                        <a:lumMod val="20000"/>
+                        <a:lumOff val="80000"/>
+                      </a:schemeClr>
+                    </a:solidFill>
+                  </a:tcPr>
+                </a:tc>
+                <a:tc>
+                  <a:txBody>
+                    <a:bodyPr/>
+                    <a:lstStyle/>
+                    <a:p>
+                      <a:pPr algn="ctr" fontAlgn="b"/>
+                      <a:endParaRPr lang="zh-CN" altLang="en-US" sz="1100" b="1" i="0" u="none" strike="noStrike">
+                        <a:solidFill>
+                          <a:srgbClr val="000000"/>
+                        </a:solidFill>
+                        <a:effectLst/>
+                        <a:latin typeface="等线" panose="02010600030101010101" pitchFamily="2" charset="-122"/>
+                        <a:ea typeface="等线" panose="02010600030101010101" pitchFamily="2" charset="-122"/>
+                      </a:endParaRPr>
+                    </a:p>
+                  </a:txBody>
+                  <a:tcPr marL="9525" marR="9525" marT="9525" marB="0" anchor="b">
+                    <a:solidFill>
+                      <a:schemeClr val="accent5">
+                        <a:lumMod val="20000"/>
+                        <a:lumOff val="80000"/>
+                      </a:schemeClr>
+                    </a:solidFill>
+                  </a:tcPr>
+                </a:tc>
+                <a:tc>
+                  <a:txBody>
+                    <a:bodyPr/>
+                    <a:lstStyle/>
+                    <a:p>
+                      <a:pPr algn="ctr" fontAlgn="b"/>
+                      <a:r>
+                        <a:rPr lang="en-US" sz="1100" b="1" i="0" u="none" strike="noStrike">
+                          <a:solidFill>
+                            <a:srgbClr val="000000"/>
+                          </a:solidFill>
+                          <a:effectLst/>
+                          <a:latin typeface="等线" panose="02010600030101010101" pitchFamily="2" charset="-122"/>
+                          <a:ea typeface="等线" panose="02010600030101010101" pitchFamily="2" charset="-122"/>
+                        </a:rPr>
+                        <a:t>Y1(X-1)</a:t>
+                      </a:r>
+                    </a:p>
+                  </a:txBody>
+                  <a:tcPr marL="9525" marR="9525" marT="9525" marB="0" anchor="b">
+                    <a:solidFill>
+                      <a:schemeClr val="accent5">
+                        <a:lumMod val="20000"/>
+                        <a:lumOff val="80000"/>
+                      </a:schemeClr>
+                    </a:solidFill>
+                  </a:tcPr>
+                </a:tc>
+                <a:tc>
+                  <a:txBody>
+                    <a:bodyPr/>
+                    <a:lstStyle/>
+                    <a:p>
+                      <a:pPr algn="ctr" fontAlgn="b"/>
+                      <a:r>
+                        <a:rPr lang="en-US" sz="1100" b="1" i="0" u="none" strike="noStrike" dirty="0">
+                          <a:solidFill>
+                            <a:srgbClr val="000000"/>
+                          </a:solidFill>
+                          <a:effectLst/>
+                          <a:latin typeface="等线" panose="02010600030101010101" pitchFamily="2" charset="-122"/>
+                          <a:ea typeface="等线" panose="02010600030101010101" pitchFamily="2" charset="-122"/>
+                        </a:rPr>
+                        <a:t>Y1X</a:t>
+                      </a:r>
+                    </a:p>
+                  </a:txBody>
+                  <a:tcPr marL="9525" marR="9525" marT="9525" marB="0" anchor="b">
+                    <a:solidFill>
+                      <a:schemeClr val="accent5">
+                        <a:lumMod val="20000"/>
+                        <a:lumOff val="80000"/>
+                      </a:schemeClr>
+                    </a:solidFill>
+                  </a:tcPr>
+                </a:tc>
+                <a:extLst>
+                  <a:ext uri="{0D108BD9-81ED-4DB2-BD59-A6C34878D82A}">
+                    <a16:rowId xmlns:a16="http://schemas.microsoft.com/office/drawing/2014/main" val="4115451298"/>
+                  </a:ext>
+                </a:extLst>
+              </a:tr>
+              <a:tr h="114739">
+                <a:tc>
+                  <a:txBody>
+                    <a:bodyPr/>
+                    <a:lstStyle/>
+                    <a:p>
+                      <a:pPr algn="ctr" fontAlgn="b"/>
+                      <a:r>
+                        <a:rPr lang="en-US" sz="1100" b="1" i="0" u="none" strike="noStrike" dirty="0">
+                          <a:solidFill>
+                            <a:srgbClr val="000000"/>
+                          </a:solidFill>
+                          <a:effectLst/>
+                          <a:latin typeface="等线" panose="02010600030101010101" pitchFamily="2" charset="-122"/>
+                          <a:ea typeface="等线" panose="02010600030101010101" pitchFamily="2" charset="-122"/>
+                        </a:rPr>
+                        <a:t>V20</a:t>
+                      </a:r>
+                    </a:p>
+                  </a:txBody>
+                  <a:tcPr marL="9525" marR="9525" marT="9525" marB="0" anchor="b">
+                    <a:solidFill>
+                      <a:schemeClr val="accent4">
+                        <a:lumMod val="20000"/>
+                        <a:lumOff val="80000"/>
+                      </a:schemeClr>
+                    </a:solidFill>
+                  </a:tcPr>
+                </a:tc>
+                <a:tc>
+                  <a:txBody>
+                    <a:bodyPr/>
+                    <a:lstStyle/>
+                    <a:p>
+                      <a:pPr algn="ctr" fontAlgn="b"/>
+                      <a:r>
+                        <a:rPr lang="en-US" sz="1100" b="1" i="0" u="none" strike="noStrike">
+                          <a:solidFill>
+                            <a:srgbClr val="000000"/>
+                          </a:solidFill>
+                          <a:effectLst/>
+                          <a:latin typeface="等线" panose="02010600030101010101" pitchFamily="2" charset="-122"/>
+                          <a:ea typeface="等线" panose="02010600030101010101" pitchFamily="2" charset="-122"/>
+                        </a:rPr>
+                        <a:t>V21</a:t>
+                      </a:r>
+                    </a:p>
+                  </a:txBody>
+                  <a:tcPr marL="9525" marR="9525" marT="9525" marB="0" anchor="b">
+                    <a:solidFill>
+                      <a:schemeClr val="accent4">
+                        <a:lumMod val="20000"/>
+                        <a:lumOff val="80000"/>
+                      </a:schemeClr>
+                    </a:solidFill>
+                  </a:tcPr>
+                </a:tc>
+                <a:tc>
+                  <a:txBody>
+                    <a:bodyPr/>
+                    <a:lstStyle/>
+                    <a:p>
+                      <a:pPr algn="ctr" fontAlgn="b"/>
+                      <a:r>
+                        <a:rPr lang="en-US" sz="1100" b="1" i="0" u="none" strike="noStrike">
+                          <a:solidFill>
+                            <a:srgbClr val="000000"/>
+                          </a:solidFill>
+                          <a:effectLst/>
+                          <a:latin typeface="等线" panose="02010600030101010101" pitchFamily="2" charset="-122"/>
+                          <a:ea typeface="等线" panose="02010600030101010101" pitchFamily="2" charset="-122"/>
+                        </a:rPr>
+                        <a:t>V22</a:t>
+                      </a:r>
+                    </a:p>
+                  </a:txBody>
+                  <a:tcPr marL="9525" marR="9525" marT="9525" marB="0" anchor="b">
+                    <a:solidFill>
+                      <a:schemeClr val="accent4">
+                        <a:lumMod val="20000"/>
+                        <a:lumOff val="80000"/>
+                      </a:schemeClr>
+                    </a:solidFill>
+                  </a:tcPr>
+                </a:tc>
+                <a:tc>
+                  <a:txBody>
+                    <a:bodyPr/>
+                    <a:lstStyle/>
+                    <a:p>
+                      <a:pPr algn="ctr" fontAlgn="b"/>
+                      <a:endParaRPr lang="zh-CN" altLang="en-US" sz="1100" b="1" i="0" u="none" strike="noStrike">
+                        <a:solidFill>
+                          <a:srgbClr val="000000"/>
+                        </a:solidFill>
+                        <a:effectLst/>
+                        <a:latin typeface="等线" panose="02010600030101010101" pitchFamily="2" charset="-122"/>
+                        <a:ea typeface="等线" panose="02010600030101010101" pitchFamily="2" charset="-122"/>
+                      </a:endParaRPr>
+                    </a:p>
+                  </a:txBody>
+                  <a:tcPr marL="9525" marR="9525" marT="9525" marB="0" anchor="b">
+                    <a:solidFill>
+                      <a:schemeClr val="accent4">
+                        <a:lumMod val="20000"/>
+                        <a:lumOff val="80000"/>
+                      </a:schemeClr>
+                    </a:solidFill>
+                  </a:tcPr>
+                </a:tc>
+                <a:tc>
+                  <a:txBody>
+                    <a:bodyPr/>
+                    <a:lstStyle/>
+                    <a:p>
+                      <a:pPr algn="ctr" fontAlgn="b"/>
+                      <a:r>
+                        <a:rPr lang="en-US" sz="1100" b="1" i="0" u="none" strike="noStrike">
+                          <a:solidFill>
+                            <a:srgbClr val="000000"/>
+                          </a:solidFill>
+                          <a:effectLst/>
+                          <a:latin typeface="等线" panose="02010600030101010101" pitchFamily="2" charset="-122"/>
+                          <a:ea typeface="等线" panose="02010600030101010101" pitchFamily="2" charset="-122"/>
+                        </a:rPr>
+                        <a:t>V2(X-1)</a:t>
+                      </a:r>
+                    </a:p>
+                  </a:txBody>
+                  <a:tcPr marL="9525" marR="9525" marT="9525" marB="0" anchor="b">
+                    <a:solidFill>
+                      <a:schemeClr val="accent4">
+                        <a:lumMod val="20000"/>
+                        <a:lumOff val="80000"/>
+                      </a:schemeClr>
+                    </a:solidFill>
+                  </a:tcPr>
+                </a:tc>
+                <a:tc>
+                  <a:txBody>
+                    <a:bodyPr/>
+                    <a:lstStyle/>
+                    <a:p>
+                      <a:pPr algn="ctr" fontAlgn="b"/>
+                      <a:r>
+                        <a:rPr lang="en-US" sz="1100" b="1" i="0" u="none" strike="noStrike">
+                          <a:solidFill>
+                            <a:srgbClr val="000000"/>
+                          </a:solidFill>
+                          <a:effectLst/>
+                          <a:latin typeface="等线" panose="02010600030101010101" pitchFamily="2" charset="-122"/>
+                          <a:ea typeface="等线" panose="02010600030101010101" pitchFamily="2" charset="-122"/>
+                        </a:rPr>
+                        <a:t>V2X</a:t>
+                      </a:r>
+                    </a:p>
+                  </a:txBody>
+                  <a:tcPr marL="9525" marR="9525" marT="9525" marB="0" anchor="b">
+                    <a:solidFill>
+                      <a:schemeClr val="accent4">
+                        <a:lumMod val="20000"/>
+                        <a:lumOff val="80000"/>
+                      </a:schemeClr>
+                    </a:solidFill>
+                  </a:tcPr>
+                </a:tc>
+                <a:extLst>
+                  <a:ext uri="{0D108BD9-81ED-4DB2-BD59-A6C34878D82A}">
+                    <a16:rowId xmlns:a16="http://schemas.microsoft.com/office/drawing/2014/main" val="1346656066"/>
+                  </a:ext>
+                </a:extLst>
+              </a:tr>
+              <a:tr h="114739">
+                <a:tc>
+                  <a:txBody>
+                    <a:bodyPr/>
+                    <a:lstStyle/>
+                    <a:p>
+                      <a:pPr algn="ctr" fontAlgn="b"/>
+                      <a:r>
+                        <a:rPr lang="en-US" sz="1100" b="1" i="0" u="none" strike="noStrike">
+                          <a:solidFill>
+                            <a:srgbClr val="000000"/>
+                          </a:solidFill>
+                          <a:effectLst/>
+                          <a:latin typeface="等线" panose="02010600030101010101" pitchFamily="2" charset="-122"/>
+                          <a:ea typeface="等线" panose="02010600030101010101" pitchFamily="2" charset="-122"/>
+                        </a:rPr>
+                        <a:t>(Y20+Y21)/2 = Y’20</a:t>
+                      </a:r>
+                    </a:p>
+                  </a:txBody>
+                  <a:tcPr marL="9525" marR="9525" marT="9525" marB="0" anchor="b">
+                    <a:solidFill>
+                      <a:schemeClr val="accent4">
+                        <a:lumMod val="20000"/>
+                        <a:lumOff val="80000"/>
+                      </a:schemeClr>
+                    </a:solidFill>
+                  </a:tcPr>
+                </a:tc>
+                <a:tc>
+                  <a:txBody>
+                    <a:bodyPr/>
+                    <a:lstStyle/>
+                    <a:p>
+                      <a:pPr algn="ctr" fontAlgn="b"/>
+                      <a:r>
+                        <a:rPr lang="en-US" sz="1100" b="1" i="0" u="none" strike="noStrike" dirty="0">
+                          <a:solidFill>
+                            <a:srgbClr val="000000"/>
+                          </a:solidFill>
+                          <a:effectLst/>
+                          <a:latin typeface="等线" panose="02010600030101010101" pitchFamily="2" charset="-122"/>
+                          <a:ea typeface="等线" panose="02010600030101010101" pitchFamily="2" charset="-122"/>
+                        </a:rPr>
+                        <a:t>(Y21+Y22)/2 = Y’21</a:t>
+                      </a:r>
+                    </a:p>
+                  </a:txBody>
+                  <a:tcPr marL="9525" marR="9525" marT="9525" marB="0" anchor="b">
+                    <a:solidFill>
+                      <a:schemeClr val="accent4">
+                        <a:lumMod val="20000"/>
+                        <a:lumOff val="80000"/>
+                      </a:schemeClr>
+                    </a:solidFill>
+                  </a:tcPr>
+                </a:tc>
+                <a:tc>
+                  <a:txBody>
+                    <a:bodyPr/>
+                    <a:lstStyle/>
+                    <a:p>
+                      <a:pPr algn="ctr" fontAlgn="b"/>
+                      <a:r>
+                        <a:rPr lang="en-US" sz="1100" b="1" i="0" u="none" strike="noStrike">
+                          <a:solidFill>
+                            <a:srgbClr val="000000"/>
+                          </a:solidFill>
+                          <a:effectLst/>
+                          <a:latin typeface="等线" panose="02010600030101010101" pitchFamily="2" charset="-122"/>
+                          <a:ea typeface="等线" panose="02010600030101010101" pitchFamily="2" charset="-122"/>
+                        </a:rPr>
+                        <a:t>(Y22+Y23)/2 = Y’22</a:t>
+                      </a:r>
+                    </a:p>
+                  </a:txBody>
+                  <a:tcPr marL="9525" marR="9525" marT="9525" marB="0" anchor="b">
+                    <a:solidFill>
+                      <a:schemeClr val="accent4">
+                        <a:lumMod val="20000"/>
+                        <a:lumOff val="80000"/>
+                      </a:schemeClr>
+                    </a:solidFill>
+                  </a:tcPr>
+                </a:tc>
+                <a:tc>
+                  <a:txBody>
+                    <a:bodyPr/>
+                    <a:lstStyle/>
+                    <a:p>
+                      <a:pPr algn="ctr" fontAlgn="b"/>
+                      <a:r>
+                        <a:rPr lang="en-US" altLang="zh-CN" sz="1100" b="1" i="0" u="none" strike="noStrike">
+                          <a:solidFill>
+                            <a:srgbClr val="000000"/>
+                          </a:solidFill>
+                          <a:effectLst/>
+                          <a:latin typeface="等线" panose="02010600030101010101" pitchFamily="2" charset="-122"/>
+                          <a:ea typeface="等线" panose="02010600030101010101" pitchFamily="2" charset="-122"/>
+                        </a:rPr>
+                        <a:t>…</a:t>
+                      </a:r>
+                    </a:p>
+                  </a:txBody>
+                  <a:tcPr marL="9525" marR="9525" marT="9525" marB="0" anchor="b">
+                    <a:solidFill>
+                      <a:schemeClr val="accent4">
+                        <a:lumMod val="20000"/>
+                        <a:lumOff val="80000"/>
+                      </a:schemeClr>
+                    </a:solidFill>
+                  </a:tcPr>
+                </a:tc>
+                <a:tc>
+                  <a:txBody>
+                    <a:bodyPr/>
+                    <a:lstStyle/>
+                    <a:p>
+                      <a:pPr algn="ctr" fontAlgn="b"/>
+                      <a:r>
+                        <a:rPr lang="es-ES" sz="1100" b="1" i="0" u="none" strike="noStrike">
+                          <a:solidFill>
+                            <a:srgbClr val="000000"/>
+                          </a:solidFill>
+                          <a:effectLst/>
+                          <a:latin typeface="等线" panose="02010600030101010101" pitchFamily="2" charset="-122"/>
+                          <a:ea typeface="等线" panose="02010600030101010101" pitchFamily="2" charset="-122"/>
+                        </a:rPr>
+                        <a:t>(Y2(X-1)+Y2X)/2 = Y’2(X-1)</a:t>
+                      </a:r>
+                    </a:p>
+                  </a:txBody>
+                  <a:tcPr marL="9525" marR="9525" marT="9525" marB="0" anchor="b">
+                    <a:solidFill>
+                      <a:schemeClr val="accent4">
+                        <a:lumMod val="20000"/>
+                        <a:lumOff val="80000"/>
+                      </a:schemeClr>
+                    </a:solidFill>
+                  </a:tcPr>
+                </a:tc>
+                <a:tc>
+                  <a:txBody>
+                    <a:bodyPr/>
+                    <a:lstStyle/>
+                    <a:p>
+                      <a:pPr algn="ctr" fontAlgn="b"/>
+                      <a:r>
+                        <a:rPr lang="en-US" sz="1100" b="1" i="0" u="none" strike="noStrike">
+                          <a:solidFill>
+                            <a:srgbClr val="000000"/>
+                          </a:solidFill>
+                          <a:effectLst/>
+                          <a:latin typeface="等线" panose="02010600030101010101" pitchFamily="2" charset="-122"/>
+                          <a:ea typeface="等线" panose="02010600030101010101" pitchFamily="2" charset="-122"/>
+                        </a:rPr>
+                        <a:t>(Y2X+Y2X)/2 = Y’2X</a:t>
+                      </a:r>
+                    </a:p>
+                  </a:txBody>
+                  <a:tcPr marL="9525" marR="9525" marT="9525" marB="0" anchor="b">
+                    <a:solidFill>
+                      <a:schemeClr val="accent4">
+                        <a:lumMod val="20000"/>
+                        <a:lumOff val="80000"/>
+                      </a:schemeClr>
+                    </a:solidFill>
+                  </a:tcPr>
+                </a:tc>
+                <a:extLst>
+                  <a:ext uri="{0D108BD9-81ED-4DB2-BD59-A6C34878D82A}">
+                    <a16:rowId xmlns:a16="http://schemas.microsoft.com/office/drawing/2014/main" val="1175845660"/>
+                  </a:ext>
+                </a:extLst>
+              </a:tr>
+              <a:tr h="114739">
+                <a:tc>
+                  <a:txBody>
+                    <a:bodyPr/>
+                    <a:lstStyle/>
+                    <a:p>
+                      <a:pPr algn="ctr" fontAlgn="b"/>
+                      <a:r>
+                        <a:rPr lang="en-US" sz="1100" b="1" i="0" u="none" strike="noStrike">
+                          <a:solidFill>
+                            <a:srgbClr val="000000"/>
+                          </a:solidFill>
+                          <a:effectLst/>
+                          <a:latin typeface="等线" panose="02010600030101010101" pitchFamily="2" charset="-122"/>
+                          <a:ea typeface="等线" panose="02010600030101010101" pitchFamily="2" charset="-122"/>
+                        </a:rPr>
+                        <a:t>U20</a:t>
+                      </a:r>
+                    </a:p>
+                  </a:txBody>
+                  <a:tcPr marL="9525" marR="9525" marT="9525" marB="0" anchor="b">
+                    <a:solidFill>
+                      <a:schemeClr val="accent4">
+                        <a:lumMod val="20000"/>
+                        <a:lumOff val="80000"/>
+                      </a:schemeClr>
+                    </a:solidFill>
+                  </a:tcPr>
+                </a:tc>
+                <a:tc>
+                  <a:txBody>
+                    <a:bodyPr/>
+                    <a:lstStyle/>
+                    <a:p>
+                      <a:pPr algn="ctr" fontAlgn="b"/>
+                      <a:r>
+                        <a:rPr lang="en-US" sz="1100" b="1" i="0" u="none" strike="noStrike">
+                          <a:solidFill>
+                            <a:srgbClr val="000000"/>
+                          </a:solidFill>
+                          <a:effectLst/>
+                          <a:latin typeface="等线" panose="02010600030101010101" pitchFamily="2" charset="-122"/>
+                          <a:ea typeface="等线" panose="02010600030101010101" pitchFamily="2" charset="-122"/>
+                        </a:rPr>
+                        <a:t>U21</a:t>
+                      </a:r>
+                    </a:p>
+                  </a:txBody>
+                  <a:tcPr marL="9525" marR="9525" marT="9525" marB="0" anchor="b">
+                    <a:solidFill>
+                      <a:schemeClr val="accent4">
+                        <a:lumMod val="20000"/>
+                        <a:lumOff val="80000"/>
+                      </a:schemeClr>
+                    </a:solidFill>
+                  </a:tcPr>
+                </a:tc>
+                <a:tc>
+                  <a:txBody>
+                    <a:bodyPr/>
+                    <a:lstStyle/>
+                    <a:p>
+                      <a:pPr algn="ctr" fontAlgn="b"/>
+                      <a:r>
+                        <a:rPr lang="en-US" sz="1100" b="1" i="0" u="none" strike="noStrike" dirty="0">
+                          <a:solidFill>
+                            <a:srgbClr val="000000"/>
+                          </a:solidFill>
+                          <a:effectLst/>
+                          <a:latin typeface="等线" panose="02010600030101010101" pitchFamily="2" charset="-122"/>
+                          <a:ea typeface="等线" panose="02010600030101010101" pitchFamily="2" charset="-122"/>
+                        </a:rPr>
+                        <a:t>U22</a:t>
+                      </a:r>
+                    </a:p>
+                  </a:txBody>
+                  <a:tcPr marL="9525" marR="9525" marT="9525" marB="0" anchor="b">
+                    <a:solidFill>
+                      <a:schemeClr val="accent4">
+                        <a:lumMod val="20000"/>
+                        <a:lumOff val="80000"/>
+                      </a:schemeClr>
+                    </a:solidFill>
+                  </a:tcPr>
+                </a:tc>
+                <a:tc>
+                  <a:txBody>
+                    <a:bodyPr/>
+                    <a:lstStyle/>
+                    <a:p>
+                      <a:pPr algn="ctr" fontAlgn="b"/>
+                      <a:endParaRPr lang="zh-CN" altLang="en-US" sz="1100" b="1" i="0" u="none" strike="noStrike">
+                        <a:solidFill>
+                          <a:srgbClr val="000000"/>
+                        </a:solidFill>
+                        <a:effectLst/>
+                        <a:latin typeface="等线" panose="02010600030101010101" pitchFamily="2" charset="-122"/>
+                        <a:ea typeface="等线" panose="02010600030101010101" pitchFamily="2" charset="-122"/>
+                      </a:endParaRPr>
+                    </a:p>
+                  </a:txBody>
+                  <a:tcPr marL="9525" marR="9525" marT="9525" marB="0" anchor="b">
+                    <a:solidFill>
+                      <a:schemeClr val="accent4">
+                        <a:lumMod val="20000"/>
+                        <a:lumOff val="80000"/>
+                      </a:schemeClr>
+                    </a:solidFill>
+                  </a:tcPr>
+                </a:tc>
+                <a:tc>
+                  <a:txBody>
+                    <a:bodyPr/>
+                    <a:lstStyle/>
+                    <a:p>
+                      <a:pPr algn="ctr" fontAlgn="b"/>
+                      <a:r>
+                        <a:rPr lang="en-US" sz="1100" b="1" i="0" u="none" strike="noStrike">
+                          <a:solidFill>
+                            <a:srgbClr val="000000"/>
+                          </a:solidFill>
+                          <a:effectLst/>
+                          <a:latin typeface="等线" panose="02010600030101010101" pitchFamily="2" charset="-122"/>
+                          <a:ea typeface="等线" panose="02010600030101010101" pitchFamily="2" charset="-122"/>
+                        </a:rPr>
+                        <a:t>U2(X-1)</a:t>
+                      </a:r>
+                    </a:p>
+                  </a:txBody>
+                  <a:tcPr marL="9525" marR="9525" marT="9525" marB="0" anchor="b">
+                    <a:solidFill>
+                      <a:schemeClr val="accent4">
+                        <a:lumMod val="20000"/>
+                        <a:lumOff val="80000"/>
+                      </a:schemeClr>
+                    </a:solidFill>
+                  </a:tcPr>
+                </a:tc>
+                <a:tc>
+                  <a:txBody>
+                    <a:bodyPr/>
+                    <a:lstStyle/>
+                    <a:p>
+                      <a:pPr algn="ctr" fontAlgn="b"/>
+                      <a:r>
+                        <a:rPr lang="en-US" sz="1100" b="1" i="0" u="none" strike="noStrike">
+                          <a:solidFill>
+                            <a:srgbClr val="000000"/>
+                          </a:solidFill>
+                          <a:effectLst/>
+                          <a:latin typeface="等线" panose="02010600030101010101" pitchFamily="2" charset="-122"/>
+                          <a:ea typeface="等线" panose="02010600030101010101" pitchFamily="2" charset="-122"/>
+                        </a:rPr>
+                        <a:t>U2X</a:t>
+                      </a:r>
+                    </a:p>
+                  </a:txBody>
+                  <a:tcPr marL="9525" marR="9525" marT="9525" marB="0" anchor="b">
+                    <a:solidFill>
+                      <a:schemeClr val="accent4">
+                        <a:lumMod val="20000"/>
+                        <a:lumOff val="80000"/>
+                      </a:schemeClr>
+                    </a:solidFill>
+                  </a:tcPr>
+                </a:tc>
+                <a:extLst>
+                  <a:ext uri="{0D108BD9-81ED-4DB2-BD59-A6C34878D82A}">
+                    <a16:rowId xmlns:a16="http://schemas.microsoft.com/office/drawing/2014/main" val="3315996373"/>
+                  </a:ext>
+                </a:extLst>
+              </a:tr>
+              <a:tr h="114739">
+                <a:tc>
+                  <a:txBody>
+                    <a:bodyPr/>
+                    <a:lstStyle/>
+                    <a:p>
+                      <a:pPr algn="ctr" fontAlgn="b"/>
+                      <a:r>
+                        <a:rPr lang="en-US" sz="1100" b="1" i="0" u="none" strike="noStrike">
+                          <a:solidFill>
+                            <a:srgbClr val="000000"/>
+                          </a:solidFill>
+                          <a:effectLst/>
+                          <a:latin typeface="等线" panose="02010600030101010101" pitchFamily="2" charset="-122"/>
+                          <a:ea typeface="等线" panose="02010600030101010101" pitchFamily="2" charset="-122"/>
+                        </a:rPr>
+                        <a:t>Y20</a:t>
+                      </a:r>
+                    </a:p>
+                  </a:txBody>
+                  <a:tcPr marL="9525" marR="9525" marT="9525" marB="0" anchor="b">
+                    <a:solidFill>
+                      <a:schemeClr val="accent4">
+                        <a:lumMod val="20000"/>
+                        <a:lumOff val="80000"/>
+                      </a:schemeClr>
+                    </a:solidFill>
+                  </a:tcPr>
+                </a:tc>
+                <a:tc>
+                  <a:txBody>
+                    <a:bodyPr/>
+                    <a:lstStyle/>
+                    <a:p>
+                      <a:pPr algn="ctr" fontAlgn="b"/>
+                      <a:r>
+                        <a:rPr lang="en-US" sz="1100" b="1" i="0" u="none" strike="noStrike">
+                          <a:solidFill>
+                            <a:srgbClr val="000000"/>
+                          </a:solidFill>
+                          <a:effectLst/>
+                          <a:latin typeface="等线" panose="02010600030101010101" pitchFamily="2" charset="-122"/>
+                          <a:ea typeface="等线" panose="02010600030101010101" pitchFamily="2" charset="-122"/>
+                        </a:rPr>
+                        <a:t>Y21</a:t>
+                      </a:r>
+                    </a:p>
+                  </a:txBody>
+                  <a:tcPr marL="9525" marR="9525" marT="9525" marB="0" anchor="b">
+                    <a:solidFill>
+                      <a:schemeClr val="accent4">
+                        <a:lumMod val="20000"/>
+                        <a:lumOff val="80000"/>
+                      </a:schemeClr>
+                    </a:solidFill>
+                  </a:tcPr>
+                </a:tc>
+                <a:tc>
+                  <a:txBody>
+                    <a:bodyPr/>
+                    <a:lstStyle/>
+                    <a:p>
+                      <a:pPr algn="ctr" fontAlgn="b"/>
+                      <a:r>
+                        <a:rPr lang="en-US" sz="1100" b="1" i="0" u="none" strike="noStrike">
+                          <a:solidFill>
+                            <a:srgbClr val="000000"/>
+                          </a:solidFill>
+                          <a:effectLst/>
+                          <a:latin typeface="等线" panose="02010600030101010101" pitchFamily="2" charset="-122"/>
+                          <a:ea typeface="等线" panose="02010600030101010101" pitchFamily="2" charset="-122"/>
+                        </a:rPr>
+                        <a:t>Y22</a:t>
+                      </a:r>
+                    </a:p>
+                  </a:txBody>
+                  <a:tcPr marL="9525" marR="9525" marT="9525" marB="0" anchor="b">
+                    <a:solidFill>
+                      <a:schemeClr val="accent4">
+                        <a:lumMod val="20000"/>
+                        <a:lumOff val="80000"/>
+                      </a:schemeClr>
+                    </a:solidFill>
+                  </a:tcPr>
+                </a:tc>
+                <a:tc>
+                  <a:txBody>
+                    <a:bodyPr/>
+                    <a:lstStyle/>
+                    <a:p>
+                      <a:pPr algn="ctr" fontAlgn="b"/>
+                      <a:endParaRPr lang="zh-CN" altLang="en-US" sz="1100" b="1" i="0" u="none" strike="noStrike" dirty="0">
+                        <a:solidFill>
+                          <a:srgbClr val="000000"/>
+                        </a:solidFill>
+                        <a:effectLst/>
+                        <a:latin typeface="等线" panose="02010600030101010101" pitchFamily="2" charset="-122"/>
+                        <a:ea typeface="等线" panose="02010600030101010101" pitchFamily="2" charset="-122"/>
+                      </a:endParaRPr>
+                    </a:p>
+                  </a:txBody>
+                  <a:tcPr marL="9525" marR="9525" marT="9525" marB="0" anchor="b">
+                    <a:solidFill>
+                      <a:schemeClr val="accent4">
+                        <a:lumMod val="20000"/>
+                        <a:lumOff val="80000"/>
+                      </a:schemeClr>
+                    </a:solidFill>
+                  </a:tcPr>
+                </a:tc>
+                <a:tc>
+                  <a:txBody>
+                    <a:bodyPr/>
+                    <a:lstStyle/>
+                    <a:p>
+                      <a:pPr algn="ctr" fontAlgn="b"/>
+                      <a:r>
+                        <a:rPr lang="en-US" sz="1100" b="1" i="0" u="none" strike="noStrike" dirty="0">
+                          <a:solidFill>
+                            <a:srgbClr val="000000"/>
+                          </a:solidFill>
+                          <a:effectLst/>
+                          <a:latin typeface="等线" panose="02010600030101010101" pitchFamily="2" charset="-122"/>
+                          <a:ea typeface="等线" panose="02010600030101010101" pitchFamily="2" charset="-122"/>
+                        </a:rPr>
+                        <a:t>Y2(X-1)</a:t>
+                      </a:r>
+                    </a:p>
+                  </a:txBody>
+                  <a:tcPr marL="9525" marR="9525" marT="9525" marB="0" anchor="b">
+                    <a:solidFill>
+                      <a:schemeClr val="accent4">
+                        <a:lumMod val="20000"/>
+                        <a:lumOff val="80000"/>
+                      </a:schemeClr>
+                    </a:solidFill>
+                  </a:tcPr>
+                </a:tc>
+                <a:tc>
+                  <a:txBody>
+                    <a:bodyPr/>
+                    <a:lstStyle/>
+                    <a:p>
+                      <a:pPr algn="ctr" fontAlgn="b"/>
+                      <a:r>
+                        <a:rPr lang="en-US" sz="1100" b="1" i="0" u="none" strike="noStrike" dirty="0">
+                          <a:solidFill>
+                            <a:srgbClr val="000000"/>
+                          </a:solidFill>
+                          <a:effectLst/>
+                          <a:latin typeface="等线" panose="02010600030101010101" pitchFamily="2" charset="-122"/>
+                          <a:ea typeface="等线" panose="02010600030101010101" pitchFamily="2" charset="-122"/>
+                        </a:rPr>
+                        <a:t>Y2X</a:t>
+                      </a:r>
+                    </a:p>
+                  </a:txBody>
+                  <a:tcPr marL="9525" marR="9525" marT="9525" marB="0" anchor="b">
+                    <a:solidFill>
+                      <a:schemeClr val="accent4">
+                        <a:lumMod val="20000"/>
+                        <a:lumOff val="80000"/>
+                      </a:schemeClr>
+                    </a:solidFill>
+                  </a:tcPr>
+                </a:tc>
+                <a:extLst>
+                  <a:ext uri="{0D108BD9-81ED-4DB2-BD59-A6C34878D82A}">
+                    <a16:rowId xmlns:a16="http://schemas.microsoft.com/office/drawing/2014/main" val="888701302"/>
+                  </a:ext>
+                </a:extLst>
+              </a:tr>
+            </a:tbl>
+          </a:graphicData>
+        </a:graphic>
+      </p:graphicFrame>
+      <p:graphicFrame>
+        <p:nvGraphicFramePr>
+          <p:cNvPr id="6" name="表格 6">
+            <a:extLst>
+              <a:ext uri="{FF2B5EF4-FFF2-40B4-BE49-F238E27FC236}">
+                <a16:creationId xmlns:a16="http://schemas.microsoft.com/office/drawing/2014/main" id="{2085ADA5-389B-8E5A-4E83-3A19DBA2CDEA}"/>
+              </a:ext>
+            </a:extLst>
+          </p:cNvPr>
+          <p:cNvGraphicFramePr>
+            <a:graphicFrameLocks noGrp="1"/>
+          </p:cNvGraphicFramePr>
+          <p:nvPr>
+            <p:extLst>
+              <p:ext uri="{D42A27DB-BD31-4B8C-83A1-F6EECF244321}">
+                <p14:modId xmlns:p14="http://schemas.microsoft.com/office/powerpoint/2010/main" val="1802965314"/>
+              </p:ext>
+            </p:extLst>
+          </p:nvPr>
+        </p:nvGraphicFramePr>
+        <p:xfrm>
+          <a:off x="4488442" y="5399881"/>
+          <a:ext cx="10793712" cy="4251960"/>
+        </p:xfrm>
+        <a:graphic>
+          <a:graphicData uri="http://schemas.openxmlformats.org/drawingml/2006/table">
+            <a:tbl>
+              <a:tblPr firstRow="1" bandRow="1">
+                <a:tableStyleId>{5940675A-B579-460E-94D1-54222C63F5DA}</a:tableStyleId>
+              </a:tblPr>
+              <a:tblGrid>
+                <a:gridCol w="1798952">
+                  <a:extLst>
+                    <a:ext uri="{9D8B030D-6E8A-4147-A177-3AD203B41FA5}">
+                      <a16:colId xmlns:a16="http://schemas.microsoft.com/office/drawing/2014/main" val="128464739"/>
+                    </a:ext>
+                  </a:extLst>
+                </a:gridCol>
+                <a:gridCol w="1798952">
+                  <a:extLst>
+                    <a:ext uri="{9D8B030D-6E8A-4147-A177-3AD203B41FA5}">
+                      <a16:colId xmlns:a16="http://schemas.microsoft.com/office/drawing/2014/main" val="1565141951"/>
+                    </a:ext>
+                  </a:extLst>
+                </a:gridCol>
+                <a:gridCol w="1798952">
+                  <a:extLst>
+                    <a:ext uri="{9D8B030D-6E8A-4147-A177-3AD203B41FA5}">
+                      <a16:colId xmlns:a16="http://schemas.microsoft.com/office/drawing/2014/main" val="757657089"/>
+                    </a:ext>
+                  </a:extLst>
+                </a:gridCol>
+                <a:gridCol w="1798952">
+                  <a:extLst>
+                    <a:ext uri="{9D8B030D-6E8A-4147-A177-3AD203B41FA5}">
+                      <a16:colId xmlns:a16="http://schemas.microsoft.com/office/drawing/2014/main" val="3294431534"/>
+                    </a:ext>
+                  </a:extLst>
+                </a:gridCol>
+                <a:gridCol w="1798952">
+                  <a:extLst>
+                    <a:ext uri="{9D8B030D-6E8A-4147-A177-3AD203B41FA5}">
+                      <a16:colId xmlns:a16="http://schemas.microsoft.com/office/drawing/2014/main" val="1385082405"/>
+                    </a:ext>
+                  </a:extLst>
+                </a:gridCol>
+                <a:gridCol w="1798952">
+                  <a:extLst>
+                    <a:ext uri="{9D8B030D-6E8A-4147-A177-3AD203B41FA5}">
+                      <a16:colId xmlns:a16="http://schemas.microsoft.com/office/drawing/2014/main" val="6885590"/>
+                    </a:ext>
+                  </a:extLst>
+                </a:gridCol>
+              </a:tblGrid>
+              <a:tr h="131686">
+                <a:tc>
+                  <a:txBody>
+                    <a:bodyPr/>
+                    <a:lstStyle/>
+                    <a:p>
+                      <a:pPr algn="ctr" fontAlgn="b"/>
+                      <a:r>
+                        <a:rPr lang="en-US" sz="1100" b="1" i="0" u="none" strike="noStrike" dirty="0">
+                          <a:solidFill>
+                            <a:srgbClr val="000000"/>
+                          </a:solidFill>
+                          <a:effectLst/>
+                          <a:latin typeface="等线" panose="02010600030101010101" pitchFamily="2" charset="-122"/>
+                          <a:ea typeface="等线" panose="02010600030101010101" pitchFamily="2" charset="-122"/>
+                        </a:rPr>
+                        <a:t>V00</a:t>
+                      </a:r>
+                    </a:p>
+                  </a:txBody>
+                  <a:tcPr marL="9525" marR="9525" marT="9525" marB="0" anchor="b">
+                    <a:solidFill>
+                      <a:schemeClr val="accent6">
+                        <a:lumMod val="20000"/>
+                        <a:lumOff val="80000"/>
+                      </a:schemeClr>
+                    </a:solidFill>
+                  </a:tcPr>
+                </a:tc>
+                <a:tc>
+                  <a:txBody>
+                    <a:bodyPr/>
+                    <a:lstStyle/>
+                    <a:p>
+                      <a:pPr algn="ctr" fontAlgn="b"/>
+                      <a:r>
+                        <a:rPr lang="en-US" sz="1100" b="1" i="0" u="none" strike="noStrike">
+                          <a:solidFill>
+                            <a:srgbClr val="000000"/>
+                          </a:solidFill>
+                          <a:effectLst/>
+                          <a:latin typeface="等线" panose="02010600030101010101" pitchFamily="2" charset="-122"/>
+                          <a:ea typeface="等线" panose="02010600030101010101" pitchFamily="2" charset="-122"/>
+                        </a:rPr>
+                        <a:t>V01</a:t>
+                      </a:r>
+                    </a:p>
+                  </a:txBody>
+                  <a:tcPr marL="9525" marR="9525" marT="9525" marB="0" anchor="b">
+                    <a:solidFill>
+                      <a:schemeClr val="accent6">
+                        <a:lumMod val="20000"/>
+                        <a:lumOff val="80000"/>
+                      </a:schemeClr>
+                    </a:solidFill>
+                  </a:tcPr>
+                </a:tc>
+                <a:tc>
+                  <a:txBody>
+                    <a:bodyPr/>
+                    <a:lstStyle/>
+                    <a:p>
+                      <a:pPr algn="ctr" fontAlgn="b"/>
+                      <a:r>
+                        <a:rPr lang="en-US" sz="1100" b="1" i="0" u="none" strike="noStrike">
+                          <a:solidFill>
+                            <a:srgbClr val="000000"/>
+                          </a:solidFill>
+                          <a:effectLst/>
+                          <a:latin typeface="等线" panose="02010600030101010101" pitchFamily="2" charset="-122"/>
+                          <a:ea typeface="等线" panose="02010600030101010101" pitchFamily="2" charset="-122"/>
+                        </a:rPr>
+                        <a:t>V02</a:t>
+                      </a:r>
+                    </a:p>
+                  </a:txBody>
+                  <a:tcPr marL="9525" marR="9525" marT="9525" marB="0" anchor="b">
+                    <a:solidFill>
+                      <a:schemeClr val="accent6">
+                        <a:lumMod val="20000"/>
+                        <a:lumOff val="80000"/>
+                      </a:schemeClr>
+                    </a:solidFill>
+                  </a:tcPr>
+                </a:tc>
+                <a:tc>
+                  <a:txBody>
+                    <a:bodyPr/>
+                    <a:lstStyle/>
+                    <a:p>
+                      <a:pPr algn="ctr" fontAlgn="b"/>
+                      <a:endParaRPr lang="zh-CN" altLang="en-US" sz="1100" b="1" i="0" u="none" strike="noStrike">
+                        <a:solidFill>
+                          <a:srgbClr val="000000"/>
+                        </a:solidFill>
+                        <a:effectLst/>
+                        <a:latin typeface="等线" panose="02010600030101010101" pitchFamily="2" charset="-122"/>
+                        <a:ea typeface="等线" panose="02010600030101010101" pitchFamily="2" charset="-122"/>
+                      </a:endParaRPr>
+                    </a:p>
+                  </a:txBody>
+                  <a:tcPr marL="9525" marR="9525" marT="9525" marB="0" anchor="b">
+                    <a:solidFill>
+                      <a:schemeClr val="accent6">
+                        <a:lumMod val="20000"/>
+                        <a:lumOff val="80000"/>
+                      </a:schemeClr>
+                    </a:solidFill>
+                  </a:tcPr>
+                </a:tc>
+                <a:tc>
+                  <a:txBody>
+                    <a:bodyPr/>
+                    <a:lstStyle/>
+                    <a:p>
+                      <a:pPr algn="ctr" fontAlgn="b"/>
+                      <a:r>
+                        <a:rPr lang="en-US" sz="1100" b="1" i="0" u="none" strike="noStrike">
+                          <a:solidFill>
+                            <a:srgbClr val="000000"/>
+                          </a:solidFill>
+                          <a:effectLst/>
+                          <a:latin typeface="等线" panose="02010600030101010101" pitchFamily="2" charset="-122"/>
+                          <a:ea typeface="等线" panose="02010600030101010101" pitchFamily="2" charset="-122"/>
+                        </a:rPr>
+                        <a:t>V0(X-1)</a:t>
+                      </a:r>
+                    </a:p>
+                  </a:txBody>
+                  <a:tcPr marL="9525" marR="9525" marT="9525" marB="0" anchor="b">
+                    <a:solidFill>
+                      <a:schemeClr val="accent6">
+                        <a:lumMod val="20000"/>
+                        <a:lumOff val="80000"/>
+                      </a:schemeClr>
+                    </a:solidFill>
+                  </a:tcPr>
+                </a:tc>
+                <a:tc>
+                  <a:txBody>
+                    <a:bodyPr/>
+                    <a:lstStyle/>
+                    <a:p>
+                      <a:pPr algn="ctr" fontAlgn="b"/>
+                      <a:r>
+                        <a:rPr lang="en-US" sz="1100" b="1" i="0" u="none" strike="noStrike">
+                          <a:solidFill>
+                            <a:srgbClr val="000000"/>
+                          </a:solidFill>
+                          <a:effectLst/>
+                          <a:latin typeface="等线" panose="02010600030101010101" pitchFamily="2" charset="-122"/>
+                          <a:ea typeface="等线" panose="02010600030101010101" pitchFamily="2" charset="-122"/>
+                        </a:rPr>
+                        <a:t>V0X</a:t>
+                      </a:r>
+                    </a:p>
+                  </a:txBody>
+                  <a:tcPr marL="9525" marR="9525" marT="9525" marB="0" anchor="b">
+                    <a:solidFill>
+                      <a:schemeClr val="accent6">
+                        <a:lumMod val="20000"/>
+                        <a:lumOff val="80000"/>
+                      </a:schemeClr>
+                    </a:solidFill>
+                  </a:tcPr>
+                </a:tc>
+                <a:extLst>
+                  <a:ext uri="{0D108BD9-81ED-4DB2-BD59-A6C34878D82A}">
+                    <a16:rowId xmlns:a16="http://schemas.microsoft.com/office/drawing/2014/main" val="2871095912"/>
+                  </a:ext>
+                </a:extLst>
+              </a:tr>
+              <a:tr h="131686">
+                <a:tc>
+                  <a:txBody>
+                    <a:bodyPr/>
+                    <a:lstStyle/>
+                    <a:p>
+                      <a:pPr algn="ctr" fontAlgn="b"/>
+                      <a:r>
+                        <a:rPr lang="en-US" sz="1100" b="1" i="0" u="none" strike="noStrike" dirty="0">
+                          <a:solidFill>
+                            <a:srgbClr val="000000"/>
+                          </a:solidFill>
+                          <a:effectLst/>
+                          <a:latin typeface="等线" panose="02010600030101010101" pitchFamily="2" charset="-122"/>
+                          <a:ea typeface="等线" panose="02010600030101010101" pitchFamily="2" charset="-122"/>
+                        </a:rPr>
+                        <a:t>Y’00</a:t>
+                      </a:r>
+                    </a:p>
+                  </a:txBody>
+                  <a:tcPr marL="9525" marR="9525" marT="9525" marB="0" anchor="b">
+                    <a:solidFill>
+                      <a:schemeClr val="accent6">
+                        <a:lumMod val="20000"/>
+                        <a:lumOff val="80000"/>
+                      </a:schemeClr>
+                    </a:solidFill>
+                  </a:tcPr>
+                </a:tc>
+                <a:tc>
+                  <a:txBody>
+                    <a:bodyPr/>
+                    <a:lstStyle/>
+                    <a:p>
+                      <a:pPr algn="ctr" fontAlgn="b"/>
+                      <a:r>
+                        <a:rPr lang="en-US" sz="1100" b="1" i="0" u="none" strike="noStrike" dirty="0">
+                          <a:solidFill>
+                            <a:srgbClr val="000000"/>
+                          </a:solidFill>
+                          <a:effectLst/>
+                          <a:latin typeface="等线" panose="02010600030101010101" pitchFamily="2" charset="-122"/>
+                          <a:ea typeface="等线" panose="02010600030101010101" pitchFamily="2" charset="-122"/>
+                        </a:rPr>
+                        <a:t>Y’01</a:t>
+                      </a:r>
+                    </a:p>
+                  </a:txBody>
+                  <a:tcPr marL="9525" marR="9525" marT="9525" marB="0" anchor="b">
+                    <a:solidFill>
+                      <a:schemeClr val="accent6">
+                        <a:lumMod val="20000"/>
+                        <a:lumOff val="80000"/>
+                      </a:schemeClr>
+                    </a:solidFill>
+                  </a:tcPr>
+                </a:tc>
+                <a:tc>
+                  <a:txBody>
+                    <a:bodyPr/>
+                    <a:lstStyle/>
+                    <a:p>
+                      <a:pPr algn="ctr" fontAlgn="b"/>
+                      <a:r>
+                        <a:rPr lang="en-US" sz="1100" b="1" i="0" u="none" strike="noStrike">
+                          <a:solidFill>
+                            <a:srgbClr val="000000"/>
+                          </a:solidFill>
+                          <a:effectLst/>
+                          <a:latin typeface="等线" panose="02010600030101010101" pitchFamily="2" charset="-122"/>
+                          <a:ea typeface="等线" panose="02010600030101010101" pitchFamily="2" charset="-122"/>
+                        </a:rPr>
+                        <a:t>Y’02</a:t>
+                      </a:r>
+                    </a:p>
+                  </a:txBody>
+                  <a:tcPr marL="9525" marR="9525" marT="9525" marB="0" anchor="b">
+                    <a:solidFill>
+                      <a:schemeClr val="accent6">
+                        <a:lumMod val="20000"/>
+                        <a:lumOff val="80000"/>
+                      </a:schemeClr>
+                    </a:solidFill>
+                  </a:tcPr>
+                </a:tc>
+                <a:tc>
+                  <a:txBody>
+                    <a:bodyPr/>
+                    <a:lstStyle/>
+                    <a:p>
+                      <a:pPr algn="ctr" fontAlgn="b"/>
+                      <a:r>
+                        <a:rPr lang="en-US" altLang="zh-CN" sz="1100" b="1" i="0" u="none" strike="noStrike">
+                          <a:solidFill>
+                            <a:srgbClr val="000000"/>
+                          </a:solidFill>
+                          <a:effectLst/>
+                          <a:latin typeface="等线" panose="02010600030101010101" pitchFamily="2" charset="-122"/>
+                          <a:ea typeface="等线" panose="02010600030101010101" pitchFamily="2" charset="-122"/>
+                        </a:rPr>
+                        <a:t>…</a:t>
+                      </a:r>
+                    </a:p>
+                  </a:txBody>
+                  <a:tcPr marL="9525" marR="9525" marT="9525" marB="0" anchor="b">
+                    <a:solidFill>
+                      <a:schemeClr val="accent6">
+                        <a:lumMod val="20000"/>
+                        <a:lumOff val="80000"/>
+                      </a:schemeClr>
+                    </a:solidFill>
+                  </a:tcPr>
+                </a:tc>
+                <a:tc>
+                  <a:txBody>
+                    <a:bodyPr/>
+                    <a:lstStyle/>
+                    <a:p>
+                      <a:pPr algn="ctr" fontAlgn="b"/>
+                      <a:r>
+                        <a:rPr lang="en-US" sz="1100" b="1" i="0" u="none" strike="noStrike">
+                          <a:solidFill>
+                            <a:srgbClr val="000000"/>
+                          </a:solidFill>
+                          <a:effectLst/>
+                          <a:latin typeface="等线" panose="02010600030101010101" pitchFamily="2" charset="-122"/>
+                          <a:ea typeface="等线" panose="02010600030101010101" pitchFamily="2" charset="-122"/>
+                        </a:rPr>
+                        <a:t>Y’0(X-1)</a:t>
+                      </a:r>
+                    </a:p>
+                  </a:txBody>
+                  <a:tcPr marL="9525" marR="9525" marT="9525" marB="0" anchor="b">
+                    <a:solidFill>
+                      <a:schemeClr val="accent6">
+                        <a:lumMod val="20000"/>
+                        <a:lumOff val="80000"/>
+                      </a:schemeClr>
+                    </a:solidFill>
+                  </a:tcPr>
+                </a:tc>
+                <a:tc>
+                  <a:txBody>
+                    <a:bodyPr/>
+                    <a:lstStyle/>
+                    <a:p>
+                      <a:pPr algn="ctr" fontAlgn="b"/>
+                      <a:r>
+                        <a:rPr lang="en-US" sz="1100" b="1" i="0" u="none" strike="noStrike">
+                          <a:solidFill>
+                            <a:srgbClr val="000000"/>
+                          </a:solidFill>
+                          <a:effectLst/>
+                          <a:latin typeface="等线" panose="02010600030101010101" pitchFamily="2" charset="-122"/>
+                          <a:ea typeface="等线" panose="02010600030101010101" pitchFamily="2" charset="-122"/>
+                        </a:rPr>
+                        <a:t>Y’0X</a:t>
+                      </a:r>
+                    </a:p>
+                  </a:txBody>
+                  <a:tcPr marL="9525" marR="9525" marT="9525" marB="0" anchor="b">
+                    <a:solidFill>
+                      <a:schemeClr val="accent6">
+                        <a:lumMod val="20000"/>
+                        <a:lumOff val="80000"/>
+                      </a:schemeClr>
+                    </a:solidFill>
+                  </a:tcPr>
+                </a:tc>
+                <a:extLst>
+                  <a:ext uri="{0D108BD9-81ED-4DB2-BD59-A6C34878D82A}">
+                    <a16:rowId xmlns:a16="http://schemas.microsoft.com/office/drawing/2014/main" val="123566336"/>
+                  </a:ext>
+                </a:extLst>
+              </a:tr>
+              <a:tr h="131686">
+                <a:tc>
+                  <a:txBody>
+                    <a:bodyPr/>
+                    <a:lstStyle/>
+                    <a:p>
+                      <a:pPr algn="ctr" fontAlgn="b"/>
+                      <a:r>
+                        <a:rPr lang="en-US" sz="1100" b="1" i="0" u="none" strike="noStrike">
+                          <a:solidFill>
+                            <a:srgbClr val="000000"/>
+                          </a:solidFill>
+                          <a:effectLst/>
+                          <a:latin typeface="等线" panose="02010600030101010101" pitchFamily="2" charset="-122"/>
+                          <a:ea typeface="等线" panose="02010600030101010101" pitchFamily="2" charset="-122"/>
+                        </a:rPr>
+                        <a:t>U00</a:t>
+                      </a:r>
+                    </a:p>
+                  </a:txBody>
+                  <a:tcPr marL="9525" marR="9525" marT="9525" marB="0" anchor="b">
+                    <a:solidFill>
+                      <a:schemeClr val="accent6">
+                        <a:lumMod val="20000"/>
+                        <a:lumOff val="80000"/>
+                      </a:schemeClr>
+                    </a:solidFill>
+                  </a:tcPr>
+                </a:tc>
+                <a:tc>
+                  <a:txBody>
+                    <a:bodyPr/>
+                    <a:lstStyle/>
+                    <a:p>
+                      <a:pPr algn="ctr" fontAlgn="b"/>
+                      <a:r>
+                        <a:rPr lang="en-US" sz="1100" b="1" i="0" u="none" strike="noStrike">
+                          <a:solidFill>
+                            <a:srgbClr val="000000"/>
+                          </a:solidFill>
+                          <a:effectLst/>
+                          <a:latin typeface="等线" panose="02010600030101010101" pitchFamily="2" charset="-122"/>
+                          <a:ea typeface="等线" panose="02010600030101010101" pitchFamily="2" charset="-122"/>
+                        </a:rPr>
+                        <a:t>U01</a:t>
+                      </a:r>
+                    </a:p>
+                  </a:txBody>
+                  <a:tcPr marL="9525" marR="9525" marT="9525" marB="0" anchor="b">
+                    <a:solidFill>
+                      <a:schemeClr val="accent6">
+                        <a:lumMod val="20000"/>
+                        <a:lumOff val="80000"/>
+                      </a:schemeClr>
+                    </a:solidFill>
+                  </a:tcPr>
+                </a:tc>
+                <a:tc>
+                  <a:txBody>
+                    <a:bodyPr/>
+                    <a:lstStyle/>
+                    <a:p>
+                      <a:pPr algn="ctr" fontAlgn="b"/>
+                      <a:r>
+                        <a:rPr lang="en-US" sz="1100" b="1" i="0" u="none" strike="noStrike">
+                          <a:solidFill>
+                            <a:srgbClr val="000000"/>
+                          </a:solidFill>
+                          <a:effectLst/>
+                          <a:latin typeface="等线" panose="02010600030101010101" pitchFamily="2" charset="-122"/>
+                          <a:ea typeface="等线" panose="02010600030101010101" pitchFamily="2" charset="-122"/>
+                        </a:rPr>
+                        <a:t>U02</a:t>
+                      </a:r>
+                    </a:p>
+                  </a:txBody>
+                  <a:tcPr marL="9525" marR="9525" marT="9525" marB="0" anchor="b">
+                    <a:solidFill>
+                      <a:schemeClr val="accent6">
+                        <a:lumMod val="20000"/>
+                        <a:lumOff val="80000"/>
+                      </a:schemeClr>
+                    </a:solidFill>
+                  </a:tcPr>
+                </a:tc>
+                <a:tc>
+                  <a:txBody>
+                    <a:bodyPr/>
+                    <a:lstStyle/>
+                    <a:p>
+                      <a:pPr algn="ctr" fontAlgn="b"/>
+                      <a:endParaRPr lang="zh-CN" altLang="en-US" sz="1100" b="1" i="0" u="none" strike="noStrike">
+                        <a:solidFill>
+                          <a:srgbClr val="000000"/>
+                        </a:solidFill>
+                        <a:effectLst/>
+                        <a:latin typeface="等线" panose="02010600030101010101" pitchFamily="2" charset="-122"/>
+                        <a:ea typeface="等线" panose="02010600030101010101" pitchFamily="2" charset="-122"/>
+                      </a:endParaRPr>
+                    </a:p>
+                  </a:txBody>
+                  <a:tcPr marL="9525" marR="9525" marT="9525" marB="0" anchor="b">
+                    <a:solidFill>
+                      <a:schemeClr val="accent6">
+                        <a:lumMod val="20000"/>
+                        <a:lumOff val="80000"/>
+                      </a:schemeClr>
+                    </a:solidFill>
+                  </a:tcPr>
+                </a:tc>
+                <a:tc>
+                  <a:txBody>
+                    <a:bodyPr/>
+                    <a:lstStyle/>
+                    <a:p>
+                      <a:pPr algn="ctr" fontAlgn="b"/>
+                      <a:r>
+                        <a:rPr lang="en-US" sz="1100" b="1" i="0" u="none" strike="noStrike">
+                          <a:solidFill>
+                            <a:srgbClr val="000000"/>
+                          </a:solidFill>
+                          <a:effectLst/>
+                          <a:latin typeface="等线" panose="02010600030101010101" pitchFamily="2" charset="-122"/>
+                          <a:ea typeface="等线" panose="02010600030101010101" pitchFamily="2" charset="-122"/>
+                        </a:rPr>
+                        <a:t>U0(X-1)</a:t>
+                      </a:r>
+                    </a:p>
+                  </a:txBody>
+                  <a:tcPr marL="9525" marR="9525" marT="9525" marB="0" anchor="b">
+                    <a:solidFill>
+                      <a:schemeClr val="accent6">
+                        <a:lumMod val="20000"/>
+                        <a:lumOff val="80000"/>
+                      </a:schemeClr>
+                    </a:solidFill>
+                  </a:tcPr>
+                </a:tc>
+                <a:tc>
+                  <a:txBody>
+                    <a:bodyPr/>
+                    <a:lstStyle/>
+                    <a:p>
+                      <a:pPr algn="ctr" fontAlgn="b"/>
+                      <a:r>
+                        <a:rPr lang="en-US" sz="1100" b="1" i="0" u="none" strike="noStrike">
+                          <a:solidFill>
+                            <a:srgbClr val="000000"/>
+                          </a:solidFill>
+                          <a:effectLst/>
+                          <a:latin typeface="等线" panose="02010600030101010101" pitchFamily="2" charset="-122"/>
+                          <a:ea typeface="等线" panose="02010600030101010101" pitchFamily="2" charset="-122"/>
+                        </a:rPr>
+                        <a:t>U0X</a:t>
+                      </a:r>
+                    </a:p>
+                  </a:txBody>
+                  <a:tcPr marL="9525" marR="9525" marT="9525" marB="0" anchor="b">
+                    <a:solidFill>
+                      <a:schemeClr val="accent6">
+                        <a:lumMod val="20000"/>
+                        <a:lumOff val="80000"/>
+                      </a:schemeClr>
+                    </a:solidFill>
+                  </a:tcPr>
+                </a:tc>
+                <a:extLst>
+                  <a:ext uri="{0D108BD9-81ED-4DB2-BD59-A6C34878D82A}">
+                    <a16:rowId xmlns:a16="http://schemas.microsoft.com/office/drawing/2014/main" val="1392644856"/>
+                  </a:ext>
+                </a:extLst>
+              </a:tr>
+              <a:tr h="131686">
+                <a:tc>
+                  <a:txBody>
+                    <a:bodyPr/>
+                    <a:lstStyle/>
+                    <a:p>
+                      <a:pPr algn="ctr" fontAlgn="b"/>
+                      <a:r>
+                        <a:rPr lang="en-US" sz="1100" b="1" i="0" u="none" strike="noStrike" dirty="0">
+                          <a:solidFill>
+                            <a:srgbClr val="000000"/>
+                          </a:solidFill>
+                          <a:effectLst/>
+                          <a:latin typeface="等线" panose="02010600030101010101" pitchFamily="2" charset="-122"/>
+                          <a:ea typeface="等线" panose="02010600030101010101" pitchFamily="2" charset="-122"/>
+                        </a:rPr>
+                        <a:t>Y00</a:t>
+                      </a:r>
+                    </a:p>
+                  </a:txBody>
+                  <a:tcPr marL="9525" marR="9525" marT="9525" marB="0" anchor="b">
+                    <a:solidFill>
+                      <a:schemeClr val="accent6">
+                        <a:lumMod val="20000"/>
+                        <a:lumOff val="80000"/>
+                      </a:schemeClr>
+                    </a:solidFill>
+                  </a:tcPr>
+                </a:tc>
+                <a:tc>
+                  <a:txBody>
+                    <a:bodyPr/>
+                    <a:lstStyle/>
+                    <a:p>
+                      <a:pPr algn="ctr" fontAlgn="b"/>
+                      <a:r>
+                        <a:rPr lang="en-US" sz="1100" b="1" i="0" u="none" strike="noStrike">
+                          <a:solidFill>
+                            <a:srgbClr val="000000"/>
+                          </a:solidFill>
+                          <a:effectLst/>
+                          <a:latin typeface="等线" panose="02010600030101010101" pitchFamily="2" charset="-122"/>
+                          <a:ea typeface="等线" panose="02010600030101010101" pitchFamily="2" charset="-122"/>
+                        </a:rPr>
+                        <a:t>Y01</a:t>
+                      </a:r>
+                    </a:p>
+                  </a:txBody>
+                  <a:tcPr marL="9525" marR="9525" marT="9525" marB="0" anchor="b">
+                    <a:solidFill>
+                      <a:schemeClr val="accent6">
+                        <a:lumMod val="20000"/>
+                        <a:lumOff val="80000"/>
+                      </a:schemeClr>
+                    </a:solidFill>
+                  </a:tcPr>
+                </a:tc>
+                <a:tc>
+                  <a:txBody>
+                    <a:bodyPr/>
+                    <a:lstStyle/>
+                    <a:p>
+                      <a:pPr algn="ctr" fontAlgn="b"/>
+                      <a:r>
+                        <a:rPr lang="en-US" sz="1100" b="1" i="0" u="none" strike="noStrike">
+                          <a:solidFill>
+                            <a:srgbClr val="000000"/>
+                          </a:solidFill>
+                          <a:effectLst/>
+                          <a:latin typeface="等线" panose="02010600030101010101" pitchFamily="2" charset="-122"/>
+                          <a:ea typeface="等线" panose="02010600030101010101" pitchFamily="2" charset="-122"/>
+                        </a:rPr>
+                        <a:t>Y02</a:t>
+                      </a:r>
+                    </a:p>
+                  </a:txBody>
+                  <a:tcPr marL="9525" marR="9525" marT="9525" marB="0" anchor="b">
+                    <a:solidFill>
+                      <a:schemeClr val="accent6">
+                        <a:lumMod val="20000"/>
+                        <a:lumOff val="80000"/>
+                      </a:schemeClr>
+                    </a:solidFill>
+                  </a:tcPr>
+                </a:tc>
+                <a:tc>
+                  <a:txBody>
+                    <a:bodyPr/>
+                    <a:lstStyle/>
+                    <a:p>
+                      <a:pPr algn="ctr" fontAlgn="b"/>
+                      <a:endParaRPr lang="zh-CN" altLang="en-US" sz="1100" b="1" i="0" u="none" strike="noStrike">
+                        <a:solidFill>
+                          <a:srgbClr val="000000"/>
+                        </a:solidFill>
+                        <a:effectLst/>
+                        <a:latin typeface="等线" panose="02010600030101010101" pitchFamily="2" charset="-122"/>
+                        <a:ea typeface="等线" panose="02010600030101010101" pitchFamily="2" charset="-122"/>
+                      </a:endParaRPr>
+                    </a:p>
+                  </a:txBody>
+                  <a:tcPr marL="9525" marR="9525" marT="9525" marB="0" anchor="b">
+                    <a:solidFill>
+                      <a:schemeClr val="accent6">
+                        <a:lumMod val="20000"/>
+                        <a:lumOff val="80000"/>
+                      </a:schemeClr>
+                    </a:solidFill>
+                  </a:tcPr>
+                </a:tc>
+                <a:tc>
+                  <a:txBody>
+                    <a:bodyPr/>
+                    <a:lstStyle/>
+                    <a:p>
+                      <a:pPr algn="ctr" fontAlgn="b"/>
+                      <a:r>
+                        <a:rPr lang="en-US" sz="1100" b="1" i="0" u="none" strike="noStrike">
+                          <a:solidFill>
+                            <a:srgbClr val="000000"/>
+                          </a:solidFill>
+                          <a:effectLst/>
+                          <a:latin typeface="等线" panose="02010600030101010101" pitchFamily="2" charset="-122"/>
+                          <a:ea typeface="等线" panose="02010600030101010101" pitchFamily="2" charset="-122"/>
+                        </a:rPr>
+                        <a:t>Y0(X-1)</a:t>
+                      </a:r>
+                    </a:p>
+                  </a:txBody>
+                  <a:tcPr marL="9525" marR="9525" marT="9525" marB="0" anchor="b">
+                    <a:solidFill>
+                      <a:schemeClr val="accent6">
+                        <a:lumMod val="20000"/>
+                        <a:lumOff val="80000"/>
+                      </a:schemeClr>
+                    </a:solidFill>
+                  </a:tcPr>
+                </a:tc>
+                <a:tc>
+                  <a:txBody>
+                    <a:bodyPr/>
+                    <a:lstStyle/>
+                    <a:p>
+                      <a:pPr algn="ctr" fontAlgn="b"/>
+                      <a:r>
+                        <a:rPr lang="en-US" sz="1100" b="1" i="0" u="none" strike="noStrike" dirty="0">
+                          <a:solidFill>
+                            <a:srgbClr val="000000"/>
+                          </a:solidFill>
+                          <a:effectLst/>
+                          <a:latin typeface="等线" panose="02010600030101010101" pitchFamily="2" charset="-122"/>
+                          <a:ea typeface="等线" panose="02010600030101010101" pitchFamily="2" charset="-122"/>
+                        </a:rPr>
+                        <a:t>Y0X</a:t>
+                      </a:r>
+                    </a:p>
+                  </a:txBody>
+                  <a:tcPr marL="9525" marR="9525" marT="9525" marB="0" anchor="b">
+                    <a:solidFill>
+                      <a:schemeClr val="accent6">
+                        <a:lumMod val="20000"/>
+                        <a:lumOff val="80000"/>
+                      </a:schemeClr>
+                    </a:solidFill>
+                  </a:tcPr>
+                </a:tc>
+                <a:extLst>
+                  <a:ext uri="{0D108BD9-81ED-4DB2-BD59-A6C34878D82A}">
+                    <a16:rowId xmlns:a16="http://schemas.microsoft.com/office/drawing/2014/main" val="4065173868"/>
+                  </a:ext>
+                </a:extLst>
+              </a:tr>
+              <a:tr h="131686">
+                <a:tc>
+                  <a:txBody>
+                    <a:bodyPr/>
+                    <a:lstStyle/>
+                    <a:p>
+                      <a:pPr algn="ctr" fontAlgn="b"/>
+                      <a:r>
+                        <a:rPr lang="en-US" sz="1100" b="1" i="0" u="none" strike="noStrike" dirty="0">
+                          <a:solidFill>
+                            <a:srgbClr val="000000"/>
+                          </a:solidFill>
+                          <a:effectLst/>
+                          <a:latin typeface="等线" panose="02010600030101010101" pitchFamily="2" charset="-122"/>
+                          <a:ea typeface="等线" panose="02010600030101010101" pitchFamily="2" charset="-122"/>
+                        </a:rPr>
+                        <a:t>(V00+V10)/2</a:t>
+                      </a:r>
+                    </a:p>
+                  </a:txBody>
+                  <a:tcPr marL="9525" marR="9525" marT="9525" marB="0" anchor="b"/>
+                </a:tc>
+                <a:tc>
+                  <a:txBody>
+                    <a:bodyPr/>
+                    <a:lstStyle/>
+                    <a:p>
+                      <a:pPr algn="ctr" fontAlgn="b"/>
+                      <a:r>
+                        <a:rPr lang="en-US" sz="1100" b="1" i="0" u="none" strike="noStrike">
+                          <a:solidFill>
+                            <a:srgbClr val="000000"/>
+                          </a:solidFill>
+                          <a:effectLst/>
+                          <a:latin typeface="等线" panose="02010600030101010101" pitchFamily="2" charset="-122"/>
+                          <a:ea typeface="等线" panose="02010600030101010101" pitchFamily="2" charset="-122"/>
+                        </a:rPr>
+                        <a:t>(V01+V11)/2</a:t>
+                      </a:r>
+                    </a:p>
+                  </a:txBody>
+                  <a:tcPr marL="9525" marR="9525" marT="9525" marB="0" anchor="b"/>
+                </a:tc>
+                <a:tc>
+                  <a:txBody>
+                    <a:bodyPr/>
+                    <a:lstStyle/>
+                    <a:p>
+                      <a:pPr algn="ctr" fontAlgn="b"/>
+                      <a:r>
+                        <a:rPr lang="en-US" sz="1100" b="1" i="0" u="none" strike="noStrike">
+                          <a:solidFill>
+                            <a:srgbClr val="000000"/>
+                          </a:solidFill>
+                          <a:effectLst/>
+                          <a:latin typeface="等线" panose="02010600030101010101" pitchFamily="2" charset="-122"/>
+                          <a:ea typeface="等线" panose="02010600030101010101" pitchFamily="2" charset="-122"/>
+                        </a:rPr>
+                        <a:t>(V02+V12)/2</a:t>
+                      </a:r>
+                    </a:p>
+                  </a:txBody>
+                  <a:tcPr marL="9525" marR="9525" marT="9525" marB="0" anchor="b"/>
+                </a:tc>
+                <a:tc>
+                  <a:txBody>
+                    <a:bodyPr/>
+                    <a:lstStyle/>
+                    <a:p>
+                      <a:pPr algn="ctr" fontAlgn="b"/>
+                      <a:endParaRPr lang="zh-CN" altLang="en-US" sz="1100" b="1" i="0" u="none" strike="noStrike">
+                        <a:solidFill>
+                          <a:srgbClr val="000000"/>
+                        </a:solidFill>
+                        <a:effectLst/>
+                        <a:latin typeface="等线" panose="02010600030101010101" pitchFamily="2" charset="-122"/>
+                        <a:ea typeface="等线" panose="02010600030101010101" pitchFamily="2" charset="-122"/>
+                      </a:endParaRPr>
+                    </a:p>
+                  </a:txBody>
+                  <a:tcPr marL="9525" marR="9525" marT="9525" marB="0" anchor="b"/>
+                </a:tc>
+                <a:tc>
+                  <a:txBody>
+                    <a:bodyPr/>
+                    <a:lstStyle/>
+                    <a:p>
+                      <a:pPr algn="ctr" fontAlgn="b"/>
+                      <a:r>
+                        <a:rPr lang="en-US" sz="1100" b="1" i="0" u="none" strike="noStrike">
+                          <a:solidFill>
+                            <a:srgbClr val="000000"/>
+                          </a:solidFill>
+                          <a:effectLst/>
+                          <a:latin typeface="等线" panose="02010600030101010101" pitchFamily="2" charset="-122"/>
+                          <a:ea typeface="等线" panose="02010600030101010101" pitchFamily="2" charset="-122"/>
+                        </a:rPr>
+                        <a:t>(V0(X-1)+V1(X-1))/2</a:t>
+                      </a:r>
+                    </a:p>
+                  </a:txBody>
+                  <a:tcPr marL="9525" marR="9525" marT="9525" marB="0" anchor="b"/>
+                </a:tc>
+                <a:tc>
+                  <a:txBody>
+                    <a:bodyPr/>
+                    <a:lstStyle/>
+                    <a:p>
+                      <a:pPr algn="ctr" fontAlgn="b"/>
+                      <a:r>
+                        <a:rPr lang="en-US" sz="1100" b="1" i="0" u="none" strike="noStrike">
+                          <a:solidFill>
+                            <a:srgbClr val="000000"/>
+                          </a:solidFill>
+                          <a:effectLst/>
+                          <a:latin typeface="等线" panose="02010600030101010101" pitchFamily="2" charset="-122"/>
+                          <a:ea typeface="等线" panose="02010600030101010101" pitchFamily="2" charset="-122"/>
+                        </a:rPr>
+                        <a:t>(V0X+V1X)/2</a:t>
+                      </a:r>
+                    </a:p>
+                  </a:txBody>
+                  <a:tcPr marL="9525" marR="9525" marT="9525" marB="0" anchor="b"/>
+                </a:tc>
+                <a:extLst>
+                  <a:ext uri="{0D108BD9-81ED-4DB2-BD59-A6C34878D82A}">
+                    <a16:rowId xmlns:a16="http://schemas.microsoft.com/office/drawing/2014/main" val="1819999695"/>
+                  </a:ext>
+                </a:extLst>
+              </a:tr>
+              <a:tr h="131686">
+                <a:tc>
+                  <a:txBody>
+                    <a:bodyPr/>
+                    <a:lstStyle/>
+                    <a:p>
+                      <a:pPr algn="ctr" fontAlgn="b"/>
+                      <a:r>
+                        <a:rPr lang="en-US" sz="1100" b="1" i="0" u="none" strike="noStrike">
+                          <a:solidFill>
+                            <a:srgbClr val="000000"/>
+                          </a:solidFill>
+                          <a:effectLst/>
+                          <a:latin typeface="等线" panose="02010600030101010101" pitchFamily="2" charset="-122"/>
+                          <a:ea typeface="等线" panose="02010600030101010101" pitchFamily="2" charset="-122"/>
+                        </a:rPr>
+                        <a:t>(Y’00+Y’10)/2</a:t>
+                      </a:r>
+                    </a:p>
+                  </a:txBody>
+                  <a:tcPr marL="9525" marR="9525" marT="9525" marB="0" anchor="b"/>
+                </a:tc>
+                <a:tc>
+                  <a:txBody>
+                    <a:bodyPr/>
+                    <a:lstStyle/>
+                    <a:p>
+                      <a:pPr algn="ctr" fontAlgn="b"/>
+                      <a:r>
+                        <a:rPr lang="en-US" sz="1100" b="1" i="0" u="none" strike="noStrike" dirty="0">
+                          <a:solidFill>
+                            <a:srgbClr val="000000"/>
+                          </a:solidFill>
+                          <a:effectLst/>
+                          <a:latin typeface="等线" panose="02010600030101010101" pitchFamily="2" charset="-122"/>
+                          <a:ea typeface="等线" panose="02010600030101010101" pitchFamily="2" charset="-122"/>
+                        </a:rPr>
+                        <a:t>(Y’01+Y’11)/2</a:t>
+                      </a:r>
+                    </a:p>
+                  </a:txBody>
+                  <a:tcPr marL="9525" marR="9525" marT="9525" marB="0" anchor="b"/>
+                </a:tc>
+                <a:tc>
+                  <a:txBody>
+                    <a:bodyPr/>
+                    <a:lstStyle/>
+                    <a:p>
+                      <a:pPr algn="ctr" fontAlgn="b"/>
+                      <a:r>
+                        <a:rPr lang="en-US" sz="1100" b="1" i="0" u="none" strike="noStrike">
+                          <a:solidFill>
+                            <a:srgbClr val="000000"/>
+                          </a:solidFill>
+                          <a:effectLst/>
+                          <a:latin typeface="等线" panose="02010600030101010101" pitchFamily="2" charset="-122"/>
+                          <a:ea typeface="等线" panose="02010600030101010101" pitchFamily="2" charset="-122"/>
+                        </a:rPr>
+                        <a:t>(Y’02+Y’12)/2</a:t>
+                      </a:r>
+                    </a:p>
+                  </a:txBody>
+                  <a:tcPr marL="9525" marR="9525" marT="9525" marB="0" anchor="b"/>
+                </a:tc>
+                <a:tc>
+                  <a:txBody>
+                    <a:bodyPr/>
+                    <a:lstStyle/>
+                    <a:p>
+                      <a:pPr algn="ctr" fontAlgn="b"/>
+                      <a:r>
+                        <a:rPr lang="en-US" altLang="zh-CN" sz="1100" b="1" i="0" u="none" strike="noStrike">
+                          <a:solidFill>
+                            <a:srgbClr val="000000"/>
+                          </a:solidFill>
+                          <a:effectLst/>
+                          <a:latin typeface="等线" panose="02010600030101010101" pitchFamily="2" charset="-122"/>
+                          <a:ea typeface="等线" panose="02010600030101010101" pitchFamily="2" charset="-122"/>
+                        </a:rPr>
+                        <a:t>…</a:t>
+                      </a:r>
+                    </a:p>
+                  </a:txBody>
+                  <a:tcPr marL="9525" marR="9525" marT="9525" marB="0" anchor="b"/>
+                </a:tc>
+                <a:tc>
+                  <a:txBody>
+                    <a:bodyPr/>
+                    <a:lstStyle/>
+                    <a:p>
+                      <a:pPr algn="ctr" fontAlgn="b"/>
+                      <a:r>
+                        <a:rPr lang="es-ES" sz="1100" b="1" i="0" u="none" strike="noStrike">
+                          <a:solidFill>
+                            <a:srgbClr val="000000"/>
+                          </a:solidFill>
+                          <a:effectLst/>
+                          <a:latin typeface="等线" panose="02010600030101010101" pitchFamily="2" charset="-122"/>
+                          <a:ea typeface="等线" panose="02010600030101010101" pitchFamily="2" charset="-122"/>
+                        </a:rPr>
+                        <a:t>(Y’0(X-1)+Y’1(X-1))/2</a:t>
+                      </a:r>
+                    </a:p>
+                  </a:txBody>
+                  <a:tcPr marL="9525" marR="9525" marT="9525" marB="0" anchor="b"/>
+                </a:tc>
+                <a:tc>
+                  <a:txBody>
+                    <a:bodyPr/>
+                    <a:lstStyle/>
+                    <a:p>
+                      <a:pPr algn="ctr" fontAlgn="b"/>
+                      <a:r>
+                        <a:rPr lang="en-US" sz="1100" b="1" i="0" u="none" strike="noStrike">
+                          <a:solidFill>
+                            <a:srgbClr val="000000"/>
+                          </a:solidFill>
+                          <a:effectLst/>
+                          <a:latin typeface="等线" panose="02010600030101010101" pitchFamily="2" charset="-122"/>
+                          <a:ea typeface="等线" panose="02010600030101010101" pitchFamily="2" charset="-122"/>
+                        </a:rPr>
+                        <a:t>(Y’0X+Y’1X)/2</a:t>
+                      </a:r>
+                    </a:p>
+                  </a:txBody>
+                  <a:tcPr marL="9525" marR="9525" marT="9525" marB="0" anchor="b"/>
+                </a:tc>
+                <a:extLst>
+                  <a:ext uri="{0D108BD9-81ED-4DB2-BD59-A6C34878D82A}">
+                    <a16:rowId xmlns:a16="http://schemas.microsoft.com/office/drawing/2014/main" val="804302714"/>
+                  </a:ext>
+                </a:extLst>
+              </a:tr>
+              <a:tr h="131686">
+                <a:tc>
+                  <a:txBody>
+                    <a:bodyPr/>
+                    <a:lstStyle/>
+                    <a:p>
+                      <a:pPr algn="ctr" fontAlgn="b"/>
+                      <a:r>
+                        <a:rPr lang="en-US" sz="1100" b="1" i="0" u="none" strike="noStrike">
+                          <a:solidFill>
+                            <a:srgbClr val="000000"/>
+                          </a:solidFill>
+                          <a:effectLst/>
+                          <a:latin typeface="等线" panose="02010600030101010101" pitchFamily="2" charset="-122"/>
+                          <a:ea typeface="等线" panose="02010600030101010101" pitchFamily="2" charset="-122"/>
+                        </a:rPr>
+                        <a:t>(U00+U10)/2</a:t>
+                      </a:r>
+                    </a:p>
+                  </a:txBody>
+                  <a:tcPr marL="9525" marR="9525" marT="9525" marB="0" anchor="b"/>
+                </a:tc>
+                <a:tc>
+                  <a:txBody>
+                    <a:bodyPr/>
+                    <a:lstStyle/>
+                    <a:p>
+                      <a:pPr algn="ctr" fontAlgn="b"/>
+                      <a:r>
+                        <a:rPr lang="en-US" sz="1100" b="1" i="0" u="none" strike="noStrike" dirty="0">
+                          <a:solidFill>
+                            <a:srgbClr val="000000"/>
+                          </a:solidFill>
+                          <a:effectLst/>
+                          <a:latin typeface="等线" panose="02010600030101010101" pitchFamily="2" charset="-122"/>
+                          <a:ea typeface="等线" panose="02010600030101010101" pitchFamily="2" charset="-122"/>
+                        </a:rPr>
+                        <a:t>(U01+U11)/2</a:t>
+                      </a:r>
+                    </a:p>
+                  </a:txBody>
+                  <a:tcPr marL="9525" marR="9525" marT="9525" marB="0" anchor="b"/>
+                </a:tc>
+                <a:tc>
+                  <a:txBody>
+                    <a:bodyPr/>
+                    <a:lstStyle/>
+                    <a:p>
+                      <a:pPr algn="ctr" fontAlgn="b"/>
+                      <a:r>
+                        <a:rPr lang="en-US" sz="1100" b="1" i="0" u="none" strike="noStrike" dirty="0">
+                          <a:solidFill>
+                            <a:srgbClr val="000000"/>
+                          </a:solidFill>
+                          <a:effectLst/>
+                          <a:latin typeface="等线" panose="02010600030101010101" pitchFamily="2" charset="-122"/>
+                          <a:ea typeface="等线" panose="02010600030101010101" pitchFamily="2" charset="-122"/>
+                        </a:rPr>
+                        <a:t>(U02+U12)/2</a:t>
+                      </a:r>
+                    </a:p>
+                  </a:txBody>
+                  <a:tcPr marL="9525" marR="9525" marT="9525" marB="0" anchor="b"/>
+                </a:tc>
+                <a:tc>
+                  <a:txBody>
+                    <a:bodyPr/>
+                    <a:lstStyle/>
+                    <a:p>
+                      <a:pPr algn="ctr" fontAlgn="b"/>
+                      <a:endParaRPr lang="zh-CN" altLang="en-US" sz="1100" b="1" i="0" u="none" strike="noStrike">
+                        <a:solidFill>
+                          <a:srgbClr val="000000"/>
+                        </a:solidFill>
+                        <a:effectLst/>
+                        <a:latin typeface="等线" panose="02010600030101010101" pitchFamily="2" charset="-122"/>
+                        <a:ea typeface="等线" panose="02010600030101010101" pitchFamily="2" charset="-122"/>
+                      </a:endParaRPr>
+                    </a:p>
+                  </a:txBody>
+                  <a:tcPr marL="9525" marR="9525" marT="9525" marB="0" anchor="b"/>
+                </a:tc>
+                <a:tc>
+                  <a:txBody>
+                    <a:bodyPr/>
+                    <a:lstStyle/>
+                    <a:p>
+                      <a:pPr algn="ctr" fontAlgn="b"/>
+                      <a:r>
+                        <a:rPr lang="pl-PL" sz="1100" b="1" i="0" u="none" strike="noStrike">
+                          <a:solidFill>
+                            <a:srgbClr val="000000"/>
+                          </a:solidFill>
+                          <a:effectLst/>
+                          <a:latin typeface="等线" panose="02010600030101010101" pitchFamily="2" charset="-122"/>
+                          <a:ea typeface="等线" panose="02010600030101010101" pitchFamily="2" charset="-122"/>
+                        </a:rPr>
+                        <a:t>(U0(X-1)+U1(X-1))/2</a:t>
+                      </a:r>
+                    </a:p>
+                  </a:txBody>
+                  <a:tcPr marL="9525" marR="9525" marT="9525" marB="0" anchor="b"/>
+                </a:tc>
+                <a:tc>
+                  <a:txBody>
+                    <a:bodyPr/>
+                    <a:lstStyle/>
+                    <a:p>
+                      <a:pPr algn="ctr" fontAlgn="b"/>
+                      <a:r>
+                        <a:rPr lang="en-US" sz="1100" b="1" i="0" u="none" strike="noStrike">
+                          <a:solidFill>
+                            <a:srgbClr val="000000"/>
+                          </a:solidFill>
+                          <a:effectLst/>
+                          <a:latin typeface="等线" panose="02010600030101010101" pitchFamily="2" charset="-122"/>
+                          <a:ea typeface="等线" panose="02010600030101010101" pitchFamily="2" charset="-122"/>
+                        </a:rPr>
+                        <a:t>(U0X+U1X)/2</a:t>
+                      </a:r>
+                    </a:p>
+                  </a:txBody>
+                  <a:tcPr marL="9525" marR="9525" marT="9525" marB="0" anchor="b"/>
+                </a:tc>
+                <a:extLst>
+                  <a:ext uri="{0D108BD9-81ED-4DB2-BD59-A6C34878D82A}">
+                    <a16:rowId xmlns:a16="http://schemas.microsoft.com/office/drawing/2014/main" val="2357702764"/>
+                  </a:ext>
+                </a:extLst>
+              </a:tr>
+              <a:tr h="131686">
+                <a:tc>
+                  <a:txBody>
+                    <a:bodyPr/>
+                    <a:lstStyle/>
+                    <a:p>
+                      <a:pPr algn="ctr" fontAlgn="b"/>
+                      <a:r>
+                        <a:rPr lang="en-US" sz="1100" b="1" i="0" u="none" strike="noStrike" dirty="0">
+                          <a:solidFill>
+                            <a:srgbClr val="000000"/>
+                          </a:solidFill>
+                          <a:effectLst/>
+                          <a:latin typeface="等线" panose="02010600030101010101" pitchFamily="2" charset="-122"/>
+                          <a:ea typeface="等线" panose="02010600030101010101" pitchFamily="2" charset="-122"/>
+                        </a:rPr>
+                        <a:t>(Y00+Y10)/2</a:t>
+                      </a:r>
+                    </a:p>
+                  </a:txBody>
+                  <a:tcPr marL="9525" marR="9525" marT="9525" marB="0" anchor="b"/>
+                </a:tc>
+                <a:tc>
+                  <a:txBody>
+                    <a:bodyPr/>
+                    <a:lstStyle/>
+                    <a:p>
+                      <a:pPr algn="ctr" fontAlgn="b"/>
+                      <a:r>
+                        <a:rPr lang="en-US" sz="1100" b="1" i="0" u="none" strike="noStrike">
+                          <a:solidFill>
+                            <a:srgbClr val="000000"/>
+                          </a:solidFill>
+                          <a:effectLst/>
+                          <a:latin typeface="等线" panose="02010600030101010101" pitchFamily="2" charset="-122"/>
+                          <a:ea typeface="等线" panose="02010600030101010101" pitchFamily="2" charset="-122"/>
+                        </a:rPr>
+                        <a:t>(Y01+Y11)/2</a:t>
+                      </a:r>
+                    </a:p>
+                  </a:txBody>
+                  <a:tcPr marL="9525" marR="9525" marT="9525" marB="0" anchor="b"/>
+                </a:tc>
+                <a:tc>
+                  <a:txBody>
+                    <a:bodyPr/>
+                    <a:lstStyle/>
+                    <a:p>
+                      <a:pPr algn="ctr" fontAlgn="b"/>
+                      <a:r>
+                        <a:rPr lang="en-US" sz="1100" b="1" i="0" u="none" strike="noStrike" dirty="0">
+                          <a:solidFill>
+                            <a:srgbClr val="000000"/>
+                          </a:solidFill>
+                          <a:effectLst/>
+                          <a:latin typeface="等线" panose="02010600030101010101" pitchFamily="2" charset="-122"/>
+                          <a:ea typeface="等线" panose="02010600030101010101" pitchFamily="2" charset="-122"/>
+                        </a:rPr>
+                        <a:t>(Y02+Y12)/2</a:t>
+                      </a:r>
+                    </a:p>
+                  </a:txBody>
+                  <a:tcPr marL="9525" marR="9525" marT="9525" marB="0" anchor="b"/>
+                </a:tc>
+                <a:tc>
+                  <a:txBody>
+                    <a:bodyPr/>
+                    <a:lstStyle/>
+                    <a:p>
+                      <a:pPr algn="ctr" fontAlgn="b"/>
+                      <a:endParaRPr lang="zh-CN" altLang="en-US" sz="1100" b="1" i="0" u="none" strike="noStrike">
+                        <a:solidFill>
+                          <a:srgbClr val="000000"/>
+                        </a:solidFill>
+                        <a:effectLst/>
+                        <a:latin typeface="等线" panose="02010600030101010101" pitchFamily="2" charset="-122"/>
+                        <a:ea typeface="等线" panose="02010600030101010101" pitchFamily="2" charset="-122"/>
+                      </a:endParaRPr>
+                    </a:p>
+                  </a:txBody>
+                  <a:tcPr marL="9525" marR="9525" marT="9525" marB="0" anchor="b"/>
+                </a:tc>
+                <a:tc>
+                  <a:txBody>
+                    <a:bodyPr/>
+                    <a:lstStyle/>
+                    <a:p>
+                      <a:pPr algn="ctr" fontAlgn="b"/>
+                      <a:r>
+                        <a:rPr lang="es-ES" sz="1100" b="1" i="0" u="none" strike="noStrike">
+                          <a:solidFill>
+                            <a:srgbClr val="000000"/>
+                          </a:solidFill>
+                          <a:effectLst/>
+                          <a:latin typeface="等线" panose="02010600030101010101" pitchFamily="2" charset="-122"/>
+                          <a:ea typeface="等线" panose="02010600030101010101" pitchFamily="2" charset="-122"/>
+                        </a:rPr>
+                        <a:t>(Y0(X-1)+Y1(X-1))/2</a:t>
+                      </a:r>
+                    </a:p>
+                  </a:txBody>
+                  <a:tcPr marL="9525" marR="9525" marT="9525" marB="0" anchor="b"/>
+                </a:tc>
+                <a:tc>
+                  <a:txBody>
+                    <a:bodyPr/>
+                    <a:lstStyle/>
+                    <a:p>
+                      <a:pPr algn="ctr" fontAlgn="b"/>
+                      <a:r>
+                        <a:rPr lang="en-US" sz="1100" b="1" i="0" u="none" strike="noStrike" dirty="0">
+                          <a:solidFill>
+                            <a:srgbClr val="000000"/>
+                          </a:solidFill>
+                          <a:effectLst/>
+                          <a:latin typeface="等线" panose="02010600030101010101" pitchFamily="2" charset="-122"/>
+                          <a:ea typeface="等线" panose="02010600030101010101" pitchFamily="2" charset="-122"/>
+                        </a:rPr>
+                        <a:t>(Y0X+Y1X)/2</a:t>
+                      </a:r>
+                    </a:p>
+                  </a:txBody>
+                  <a:tcPr marL="9525" marR="9525" marT="9525" marB="0" anchor="b"/>
+                </a:tc>
+                <a:extLst>
+                  <a:ext uri="{0D108BD9-81ED-4DB2-BD59-A6C34878D82A}">
+                    <a16:rowId xmlns:a16="http://schemas.microsoft.com/office/drawing/2014/main" val="4062569578"/>
+                  </a:ext>
+                </a:extLst>
+              </a:tr>
+              <a:tr h="131686">
+                <a:tc>
+                  <a:txBody>
+                    <a:bodyPr/>
+                    <a:lstStyle/>
+                    <a:p>
+                      <a:pPr algn="ctr" fontAlgn="b"/>
+                      <a:r>
+                        <a:rPr lang="en-US" sz="1100" b="1" i="0" u="none" strike="noStrike" dirty="0">
+                          <a:solidFill>
+                            <a:srgbClr val="000000"/>
+                          </a:solidFill>
+                          <a:effectLst/>
+                          <a:latin typeface="等线" panose="02010600030101010101" pitchFamily="2" charset="-122"/>
+                          <a:ea typeface="等线" panose="02010600030101010101" pitchFamily="2" charset="-122"/>
+                        </a:rPr>
+                        <a:t>V10</a:t>
+                      </a:r>
+                    </a:p>
+                  </a:txBody>
+                  <a:tcPr marL="9525" marR="9525" marT="9525" marB="0" anchor="b">
+                    <a:solidFill>
+                      <a:schemeClr val="accent5">
+                        <a:lumMod val="20000"/>
+                        <a:lumOff val="80000"/>
+                      </a:schemeClr>
+                    </a:solidFill>
+                  </a:tcPr>
+                </a:tc>
+                <a:tc>
+                  <a:txBody>
+                    <a:bodyPr/>
+                    <a:lstStyle/>
+                    <a:p>
+                      <a:pPr algn="ctr" fontAlgn="b"/>
+                      <a:r>
+                        <a:rPr lang="en-US" sz="1100" b="1" i="0" u="none" strike="noStrike">
+                          <a:solidFill>
+                            <a:srgbClr val="000000"/>
+                          </a:solidFill>
+                          <a:effectLst/>
+                          <a:latin typeface="等线" panose="02010600030101010101" pitchFamily="2" charset="-122"/>
+                          <a:ea typeface="等线" panose="02010600030101010101" pitchFamily="2" charset="-122"/>
+                        </a:rPr>
+                        <a:t>V11</a:t>
+                      </a:r>
+                    </a:p>
+                  </a:txBody>
+                  <a:tcPr marL="9525" marR="9525" marT="9525" marB="0" anchor="b">
+                    <a:solidFill>
+                      <a:schemeClr val="accent5">
+                        <a:lumMod val="20000"/>
+                        <a:lumOff val="80000"/>
+                      </a:schemeClr>
+                    </a:solidFill>
+                  </a:tcPr>
+                </a:tc>
+                <a:tc>
+                  <a:txBody>
+                    <a:bodyPr/>
+                    <a:lstStyle/>
+                    <a:p>
+                      <a:pPr algn="ctr" fontAlgn="b"/>
+                      <a:r>
+                        <a:rPr lang="en-US" sz="1100" b="1" i="0" u="none" strike="noStrike">
+                          <a:solidFill>
+                            <a:srgbClr val="000000"/>
+                          </a:solidFill>
+                          <a:effectLst/>
+                          <a:latin typeface="等线" panose="02010600030101010101" pitchFamily="2" charset="-122"/>
+                          <a:ea typeface="等线" panose="02010600030101010101" pitchFamily="2" charset="-122"/>
+                        </a:rPr>
+                        <a:t>V12</a:t>
+                      </a:r>
+                    </a:p>
+                  </a:txBody>
+                  <a:tcPr marL="9525" marR="9525" marT="9525" marB="0" anchor="b">
+                    <a:solidFill>
+                      <a:schemeClr val="accent5">
+                        <a:lumMod val="20000"/>
+                        <a:lumOff val="80000"/>
+                      </a:schemeClr>
+                    </a:solidFill>
+                  </a:tcPr>
+                </a:tc>
+                <a:tc>
+                  <a:txBody>
+                    <a:bodyPr/>
+                    <a:lstStyle/>
+                    <a:p>
+                      <a:pPr algn="ctr" fontAlgn="b"/>
+                      <a:endParaRPr lang="zh-CN" altLang="en-US" sz="1100" b="1" i="0" u="none" strike="noStrike" dirty="0">
+                        <a:solidFill>
+                          <a:srgbClr val="000000"/>
+                        </a:solidFill>
+                        <a:effectLst/>
+                        <a:latin typeface="等线" panose="02010600030101010101" pitchFamily="2" charset="-122"/>
+                        <a:ea typeface="等线" panose="02010600030101010101" pitchFamily="2" charset="-122"/>
+                      </a:endParaRPr>
+                    </a:p>
+                  </a:txBody>
+                  <a:tcPr marL="9525" marR="9525" marT="9525" marB="0" anchor="b">
+                    <a:solidFill>
+                      <a:schemeClr val="accent5">
+                        <a:lumMod val="20000"/>
+                        <a:lumOff val="80000"/>
+                      </a:schemeClr>
+                    </a:solidFill>
+                  </a:tcPr>
+                </a:tc>
+                <a:tc>
+                  <a:txBody>
+                    <a:bodyPr/>
+                    <a:lstStyle/>
+                    <a:p>
+                      <a:pPr algn="ctr" fontAlgn="b"/>
+                      <a:r>
+                        <a:rPr lang="en-US" sz="1100" b="1" i="0" u="none" strike="noStrike" dirty="0">
+                          <a:solidFill>
+                            <a:srgbClr val="000000"/>
+                          </a:solidFill>
+                          <a:effectLst/>
+                          <a:latin typeface="等线" panose="02010600030101010101" pitchFamily="2" charset="-122"/>
+                          <a:ea typeface="等线" panose="02010600030101010101" pitchFamily="2" charset="-122"/>
+                        </a:rPr>
+                        <a:t>V1(X-1)</a:t>
+                      </a:r>
+                    </a:p>
+                  </a:txBody>
+                  <a:tcPr marL="9525" marR="9525" marT="9525" marB="0" anchor="b">
+                    <a:solidFill>
+                      <a:schemeClr val="accent5">
+                        <a:lumMod val="20000"/>
+                        <a:lumOff val="80000"/>
+                      </a:schemeClr>
+                    </a:solidFill>
+                  </a:tcPr>
+                </a:tc>
+                <a:tc>
+                  <a:txBody>
+                    <a:bodyPr/>
+                    <a:lstStyle/>
+                    <a:p>
+                      <a:pPr algn="ctr" fontAlgn="b"/>
+                      <a:r>
+                        <a:rPr lang="en-US" sz="1100" b="1" i="0" u="none" strike="noStrike" dirty="0">
+                          <a:solidFill>
+                            <a:srgbClr val="000000"/>
+                          </a:solidFill>
+                          <a:effectLst/>
+                          <a:latin typeface="等线" panose="02010600030101010101" pitchFamily="2" charset="-122"/>
+                          <a:ea typeface="等线" panose="02010600030101010101" pitchFamily="2" charset="-122"/>
+                        </a:rPr>
+                        <a:t>V1X</a:t>
+                      </a:r>
+                    </a:p>
+                  </a:txBody>
+                  <a:tcPr marL="9525" marR="9525" marT="9525" marB="0" anchor="b">
+                    <a:solidFill>
+                      <a:schemeClr val="accent5">
+                        <a:lumMod val="20000"/>
+                        <a:lumOff val="80000"/>
+                      </a:schemeClr>
+                    </a:solidFill>
+                  </a:tcPr>
+                </a:tc>
+                <a:extLst>
+                  <a:ext uri="{0D108BD9-81ED-4DB2-BD59-A6C34878D82A}">
+                    <a16:rowId xmlns:a16="http://schemas.microsoft.com/office/drawing/2014/main" val="1019392942"/>
+                  </a:ext>
+                </a:extLst>
+              </a:tr>
+              <a:tr h="131686">
+                <a:tc>
+                  <a:txBody>
+                    <a:bodyPr/>
+                    <a:lstStyle/>
+                    <a:p>
+                      <a:pPr algn="ctr" fontAlgn="b"/>
+                      <a:r>
+                        <a:rPr lang="en-US" sz="1100" b="1" i="0" u="none" strike="noStrike" dirty="0">
+                          <a:solidFill>
+                            <a:srgbClr val="000000"/>
+                          </a:solidFill>
+                          <a:effectLst/>
+                          <a:latin typeface="等线" panose="02010600030101010101" pitchFamily="2" charset="-122"/>
+                          <a:ea typeface="等线" panose="02010600030101010101" pitchFamily="2" charset="-122"/>
+                        </a:rPr>
+                        <a:t>Y’10</a:t>
+                      </a:r>
+                    </a:p>
+                  </a:txBody>
+                  <a:tcPr marL="9525" marR="9525" marT="9525" marB="0" anchor="b">
+                    <a:solidFill>
+                      <a:schemeClr val="accent5">
+                        <a:lumMod val="20000"/>
+                        <a:lumOff val="80000"/>
+                      </a:schemeClr>
+                    </a:solidFill>
+                  </a:tcPr>
+                </a:tc>
+                <a:tc>
+                  <a:txBody>
+                    <a:bodyPr/>
+                    <a:lstStyle/>
+                    <a:p>
+                      <a:pPr algn="ctr" fontAlgn="b"/>
+                      <a:r>
+                        <a:rPr lang="en-US" sz="1100" b="1" i="0" u="none" strike="noStrike">
+                          <a:solidFill>
+                            <a:srgbClr val="000000"/>
+                          </a:solidFill>
+                          <a:effectLst/>
+                          <a:latin typeface="等线" panose="02010600030101010101" pitchFamily="2" charset="-122"/>
+                          <a:ea typeface="等线" panose="02010600030101010101" pitchFamily="2" charset="-122"/>
+                        </a:rPr>
+                        <a:t>Y’11</a:t>
+                      </a:r>
+                    </a:p>
+                  </a:txBody>
+                  <a:tcPr marL="9525" marR="9525" marT="9525" marB="0" anchor="b">
+                    <a:solidFill>
+                      <a:schemeClr val="accent5">
+                        <a:lumMod val="20000"/>
+                        <a:lumOff val="80000"/>
+                      </a:schemeClr>
+                    </a:solidFill>
+                  </a:tcPr>
+                </a:tc>
+                <a:tc>
+                  <a:txBody>
+                    <a:bodyPr/>
+                    <a:lstStyle/>
+                    <a:p>
+                      <a:pPr algn="ctr" fontAlgn="b"/>
+                      <a:r>
+                        <a:rPr lang="en-US" sz="1100" b="1" i="0" u="none" strike="noStrike">
+                          <a:solidFill>
+                            <a:srgbClr val="000000"/>
+                          </a:solidFill>
+                          <a:effectLst/>
+                          <a:latin typeface="等线" panose="02010600030101010101" pitchFamily="2" charset="-122"/>
+                          <a:ea typeface="等线" panose="02010600030101010101" pitchFamily="2" charset="-122"/>
+                        </a:rPr>
+                        <a:t>Y’12</a:t>
+                      </a:r>
+                    </a:p>
+                  </a:txBody>
+                  <a:tcPr marL="9525" marR="9525" marT="9525" marB="0" anchor="b">
+                    <a:solidFill>
+                      <a:schemeClr val="accent5">
+                        <a:lumMod val="20000"/>
+                        <a:lumOff val="80000"/>
+                      </a:schemeClr>
+                    </a:solidFill>
+                  </a:tcPr>
+                </a:tc>
+                <a:tc>
+                  <a:txBody>
+                    <a:bodyPr/>
+                    <a:lstStyle/>
+                    <a:p>
+                      <a:pPr algn="ctr" fontAlgn="b"/>
+                      <a:r>
+                        <a:rPr lang="en-US" altLang="zh-CN" sz="1100" b="1" i="0" u="none" strike="noStrike">
+                          <a:solidFill>
+                            <a:srgbClr val="000000"/>
+                          </a:solidFill>
+                          <a:effectLst/>
+                          <a:latin typeface="等线" panose="02010600030101010101" pitchFamily="2" charset="-122"/>
+                          <a:ea typeface="等线" panose="02010600030101010101" pitchFamily="2" charset="-122"/>
+                        </a:rPr>
+                        <a:t>…</a:t>
+                      </a:r>
+                    </a:p>
+                  </a:txBody>
+                  <a:tcPr marL="9525" marR="9525" marT="9525" marB="0" anchor="b">
+                    <a:solidFill>
+                      <a:schemeClr val="accent5">
+                        <a:lumMod val="20000"/>
+                        <a:lumOff val="80000"/>
+                      </a:schemeClr>
+                    </a:solidFill>
+                  </a:tcPr>
+                </a:tc>
+                <a:tc>
+                  <a:txBody>
+                    <a:bodyPr/>
+                    <a:lstStyle/>
+                    <a:p>
+                      <a:pPr algn="ctr" fontAlgn="b"/>
+                      <a:r>
+                        <a:rPr lang="en-US" sz="1100" b="1" i="0" u="none" strike="noStrike">
+                          <a:solidFill>
+                            <a:srgbClr val="000000"/>
+                          </a:solidFill>
+                          <a:effectLst/>
+                          <a:latin typeface="等线" panose="02010600030101010101" pitchFamily="2" charset="-122"/>
+                          <a:ea typeface="等线" panose="02010600030101010101" pitchFamily="2" charset="-122"/>
+                        </a:rPr>
+                        <a:t>Y’1(X-1)</a:t>
+                      </a:r>
+                    </a:p>
+                  </a:txBody>
+                  <a:tcPr marL="9525" marR="9525" marT="9525" marB="0" anchor="b">
+                    <a:solidFill>
+                      <a:schemeClr val="accent5">
+                        <a:lumMod val="20000"/>
+                        <a:lumOff val="80000"/>
+                      </a:schemeClr>
+                    </a:solidFill>
+                  </a:tcPr>
+                </a:tc>
+                <a:tc>
+                  <a:txBody>
+                    <a:bodyPr/>
+                    <a:lstStyle/>
+                    <a:p>
+                      <a:pPr algn="ctr" fontAlgn="b"/>
+                      <a:r>
+                        <a:rPr lang="en-US" sz="1100" b="1" i="0" u="none" strike="noStrike">
+                          <a:solidFill>
+                            <a:srgbClr val="000000"/>
+                          </a:solidFill>
+                          <a:effectLst/>
+                          <a:latin typeface="等线" panose="02010600030101010101" pitchFamily="2" charset="-122"/>
+                          <a:ea typeface="等线" panose="02010600030101010101" pitchFamily="2" charset="-122"/>
+                        </a:rPr>
+                        <a:t>Y’1X</a:t>
+                      </a:r>
+                    </a:p>
+                  </a:txBody>
+                  <a:tcPr marL="9525" marR="9525" marT="9525" marB="0" anchor="b">
+                    <a:solidFill>
+                      <a:schemeClr val="accent5">
+                        <a:lumMod val="20000"/>
+                        <a:lumOff val="80000"/>
+                      </a:schemeClr>
+                    </a:solidFill>
+                  </a:tcPr>
+                </a:tc>
+                <a:extLst>
+                  <a:ext uri="{0D108BD9-81ED-4DB2-BD59-A6C34878D82A}">
+                    <a16:rowId xmlns:a16="http://schemas.microsoft.com/office/drawing/2014/main" val="2366526010"/>
+                  </a:ext>
+                </a:extLst>
+              </a:tr>
+              <a:tr h="131686">
+                <a:tc>
+                  <a:txBody>
+                    <a:bodyPr/>
+                    <a:lstStyle/>
+                    <a:p>
+                      <a:pPr algn="ctr" fontAlgn="b"/>
+                      <a:r>
+                        <a:rPr lang="en-US" sz="1100" b="1" i="0" u="none" strike="noStrike" dirty="0">
+                          <a:solidFill>
+                            <a:srgbClr val="000000"/>
+                          </a:solidFill>
+                          <a:effectLst/>
+                          <a:latin typeface="等线" panose="02010600030101010101" pitchFamily="2" charset="-122"/>
+                          <a:ea typeface="等线" panose="02010600030101010101" pitchFamily="2" charset="-122"/>
+                        </a:rPr>
+                        <a:t>U10</a:t>
+                      </a:r>
+                    </a:p>
+                  </a:txBody>
+                  <a:tcPr marL="9525" marR="9525" marT="9525" marB="0" anchor="b">
+                    <a:solidFill>
+                      <a:schemeClr val="accent5">
+                        <a:lumMod val="20000"/>
+                        <a:lumOff val="80000"/>
+                      </a:schemeClr>
+                    </a:solidFill>
+                  </a:tcPr>
+                </a:tc>
+                <a:tc>
+                  <a:txBody>
+                    <a:bodyPr/>
+                    <a:lstStyle/>
+                    <a:p>
+                      <a:pPr algn="ctr" fontAlgn="b"/>
+                      <a:r>
+                        <a:rPr lang="en-US" sz="1100" b="1" i="0" u="none" strike="noStrike">
+                          <a:solidFill>
+                            <a:srgbClr val="000000"/>
+                          </a:solidFill>
+                          <a:effectLst/>
+                          <a:latin typeface="等线" panose="02010600030101010101" pitchFamily="2" charset="-122"/>
+                          <a:ea typeface="等线" panose="02010600030101010101" pitchFamily="2" charset="-122"/>
+                        </a:rPr>
+                        <a:t>U11</a:t>
+                      </a:r>
+                    </a:p>
+                  </a:txBody>
+                  <a:tcPr marL="9525" marR="9525" marT="9525" marB="0" anchor="b">
+                    <a:solidFill>
+                      <a:schemeClr val="accent5">
+                        <a:lumMod val="20000"/>
+                        <a:lumOff val="80000"/>
+                      </a:schemeClr>
+                    </a:solidFill>
+                  </a:tcPr>
+                </a:tc>
+                <a:tc>
+                  <a:txBody>
+                    <a:bodyPr/>
+                    <a:lstStyle/>
+                    <a:p>
+                      <a:pPr algn="ctr" fontAlgn="b"/>
+                      <a:r>
+                        <a:rPr lang="en-US" sz="1100" b="1" i="0" u="none" strike="noStrike">
+                          <a:solidFill>
+                            <a:srgbClr val="000000"/>
+                          </a:solidFill>
+                          <a:effectLst/>
+                          <a:latin typeface="等线" panose="02010600030101010101" pitchFamily="2" charset="-122"/>
+                          <a:ea typeface="等线" panose="02010600030101010101" pitchFamily="2" charset="-122"/>
+                        </a:rPr>
+                        <a:t>U12</a:t>
+                      </a:r>
+                    </a:p>
+                  </a:txBody>
+                  <a:tcPr marL="9525" marR="9525" marT="9525" marB="0" anchor="b">
+                    <a:solidFill>
+                      <a:schemeClr val="accent5">
+                        <a:lumMod val="20000"/>
+                        <a:lumOff val="80000"/>
+                      </a:schemeClr>
+                    </a:solidFill>
+                  </a:tcPr>
+                </a:tc>
+                <a:tc>
+                  <a:txBody>
+                    <a:bodyPr/>
+                    <a:lstStyle/>
+                    <a:p>
+                      <a:pPr algn="ctr" fontAlgn="b"/>
+                      <a:endParaRPr lang="zh-CN" altLang="en-US" sz="1100" b="1" i="0" u="none" strike="noStrike">
+                        <a:solidFill>
+                          <a:srgbClr val="000000"/>
+                        </a:solidFill>
+                        <a:effectLst/>
+                        <a:latin typeface="等线" panose="02010600030101010101" pitchFamily="2" charset="-122"/>
+                        <a:ea typeface="等线" panose="02010600030101010101" pitchFamily="2" charset="-122"/>
+                      </a:endParaRPr>
+                    </a:p>
+                  </a:txBody>
+                  <a:tcPr marL="9525" marR="9525" marT="9525" marB="0" anchor="b">
+                    <a:solidFill>
+                      <a:schemeClr val="accent5">
+                        <a:lumMod val="20000"/>
+                        <a:lumOff val="80000"/>
+                      </a:schemeClr>
+                    </a:solidFill>
+                  </a:tcPr>
+                </a:tc>
+                <a:tc>
+                  <a:txBody>
+                    <a:bodyPr/>
+                    <a:lstStyle/>
+                    <a:p>
+                      <a:pPr algn="ctr" fontAlgn="b"/>
+                      <a:r>
+                        <a:rPr lang="en-US" sz="1100" b="1" i="0" u="none" strike="noStrike">
+                          <a:solidFill>
+                            <a:srgbClr val="000000"/>
+                          </a:solidFill>
+                          <a:effectLst/>
+                          <a:latin typeface="等线" panose="02010600030101010101" pitchFamily="2" charset="-122"/>
+                          <a:ea typeface="等线" panose="02010600030101010101" pitchFamily="2" charset="-122"/>
+                        </a:rPr>
+                        <a:t>U1(X-1)</a:t>
+                      </a:r>
+                    </a:p>
+                  </a:txBody>
+                  <a:tcPr marL="9525" marR="9525" marT="9525" marB="0" anchor="b">
+                    <a:solidFill>
+                      <a:schemeClr val="accent5">
+                        <a:lumMod val="20000"/>
+                        <a:lumOff val="80000"/>
+                      </a:schemeClr>
+                    </a:solidFill>
+                  </a:tcPr>
+                </a:tc>
+                <a:tc>
+                  <a:txBody>
+                    <a:bodyPr/>
+                    <a:lstStyle/>
+                    <a:p>
+                      <a:pPr algn="ctr" fontAlgn="b"/>
+                      <a:r>
+                        <a:rPr lang="en-US" sz="1100" b="1" i="0" u="none" strike="noStrike" dirty="0">
+                          <a:solidFill>
+                            <a:srgbClr val="000000"/>
+                          </a:solidFill>
+                          <a:effectLst/>
+                          <a:latin typeface="等线" panose="02010600030101010101" pitchFamily="2" charset="-122"/>
+                          <a:ea typeface="等线" panose="02010600030101010101" pitchFamily="2" charset="-122"/>
+                        </a:rPr>
+                        <a:t>U1X</a:t>
+                      </a:r>
+                    </a:p>
+                  </a:txBody>
+                  <a:tcPr marL="9525" marR="9525" marT="9525" marB="0" anchor="b">
+                    <a:solidFill>
+                      <a:schemeClr val="accent5">
+                        <a:lumMod val="20000"/>
+                        <a:lumOff val="80000"/>
+                      </a:schemeClr>
+                    </a:solidFill>
+                  </a:tcPr>
+                </a:tc>
+                <a:extLst>
+                  <a:ext uri="{0D108BD9-81ED-4DB2-BD59-A6C34878D82A}">
+                    <a16:rowId xmlns:a16="http://schemas.microsoft.com/office/drawing/2014/main" val="1399036719"/>
+                  </a:ext>
+                </a:extLst>
+              </a:tr>
+              <a:tr h="131686">
+                <a:tc>
+                  <a:txBody>
+                    <a:bodyPr/>
+                    <a:lstStyle/>
+                    <a:p>
+                      <a:pPr algn="ctr" fontAlgn="b"/>
+                      <a:r>
+                        <a:rPr lang="en-US" sz="1100" b="1" i="0" u="none" strike="noStrike" dirty="0">
+                          <a:solidFill>
+                            <a:srgbClr val="000000"/>
+                          </a:solidFill>
+                          <a:effectLst/>
+                          <a:latin typeface="等线" panose="02010600030101010101" pitchFamily="2" charset="-122"/>
+                          <a:ea typeface="等线" panose="02010600030101010101" pitchFamily="2" charset="-122"/>
+                        </a:rPr>
+                        <a:t>Y10</a:t>
+                      </a:r>
+                    </a:p>
+                  </a:txBody>
+                  <a:tcPr marL="9525" marR="9525" marT="9525" marB="0" anchor="b">
+                    <a:solidFill>
+                      <a:schemeClr val="accent5">
+                        <a:lumMod val="20000"/>
+                        <a:lumOff val="80000"/>
+                      </a:schemeClr>
+                    </a:solidFill>
+                  </a:tcPr>
+                </a:tc>
+                <a:tc>
+                  <a:txBody>
+                    <a:bodyPr/>
+                    <a:lstStyle/>
+                    <a:p>
+                      <a:pPr algn="ctr" fontAlgn="b"/>
+                      <a:r>
+                        <a:rPr lang="en-US" sz="1100" b="1" i="0" u="none" strike="noStrike" dirty="0">
+                          <a:solidFill>
+                            <a:srgbClr val="000000"/>
+                          </a:solidFill>
+                          <a:effectLst/>
+                          <a:latin typeface="等线" panose="02010600030101010101" pitchFamily="2" charset="-122"/>
+                          <a:ea typeface="等线" panose="02010600030101010101" pitchFamily="2" charset="-122"/>
+                        </a:rPr>
+                        <a:t>Y11</a:t>
+                      </a:r>
+                    </a:p>
+                  </a:txBody>
+                  <a:tcPr marL="9525" marR="9525" marT="9525" marB="0" anchor="b">
+                    <a:solidFill>
+                      <a:schemeClr val="accent5">
+                        <a:lumMod val="20000"/>
+                        <a:lumOff val="80000"/>
+                      </a:schemeClr>
+                    </a:solidFill>
+                  </a:tcPr>
+                </a:tc>
+                <a:tc>
+                  <a:txBody>
+                    <a:bodyPr/>
+                    <a:lstStyle/>
+                    <a:p>
+                      <a:pPr algn="ctr" fontAlgn="b"/>
+                      <a:r>
+                        <a:rPr lang="en-US" sz="1100" b="1" i="0" u="none" strike="noStrike">
+                          <a:solidFill>
+                            <a:srgbClr val="000000"/>
+                          </a:solidFill>
+                          <a:effectLst/>
+                          <a:latin typeface="等线" panose="02010600030101010101" pitchFamily="2" charset="-122"/>
+                          <a:ea typeface="等线" panose="02010600030101010101" pitchFamily="2" charset="-122"/>
+                        </a:rPr>
+                        <a:t>Y12</a:t>
+                      </a:r>
+                    </a:p>
+                  </a:txBody>
+                  <a:tcPr marL="9525" marR="9525" marT="9525" marB="0" anchor="b">
+                    <a:solidFill>
+                      <a:schemeClr val="accent5">
+                        <a:lumMod val="20000"/>
+                        <a:lumOff val="80000"/>
+                      </a:schemeClr>
+                    </a:solidFill>
+                  </a:tcPr>
+                </a:tc>
+                <a:tc>
+                  <a:txBody>
+                    <a:bodyPr/>
+                    <a:lstStyle/>
+                    <a:p>
+                      <a:pPr algn="ctr" fontAlgn="b"/>
+                      <a:endParaRPr lang="zh-CN" altLang="en-US" sz="1100" b="1" i="0" u="none" strike="noStrike">
+                        <a:solidFill>
+                          <a:srgbClr val="000000"/>
+                        </a:solidFill>
+                        <a:effectLst/>
+                        <a:latin typeface="等线" panose="02010600030101010101" pitchFamily="2" charset="-122"/>
+                        <a:ea typeface="等线" panose="02010600030101010101" pitchFamily="2" charset="-122"/>
+                      </a:endParaRPr>
+                    </a:p>
+                  </a:txBody>
+                  <a:tcPr marL="9525" marR="9525" marT="9525" marB="0" anchor="b">
+                    <a:solidFill>
+                      <a:schemeClr val="accent5">
+                        <a:lumMod val="20000"/>
+                        <a:lumOff val="80000"/>
+                      </a:schemeClr>
+                    </a:solidFill>
+                  </a:tcPr>
+                </a:tc>
+                <a:tc>
+                  <a:txBody>
+                    <a:bodyPr/>
+                    <a:lstStyle/>
+                    <a:p>
+                      <a:pPr algn="ctr" fontAlgn="b"/>
+                      <a:r>
+                        <a:rPr lang="en-US" sz="1100" b="1" i="0" u="none" strike="noStrike">
+                          <a:solidFill>
+                            <a:srgbClr val="000000"/>
+                          </a:solidFill>
+                          <a:effectLst/>
+                          <a:latin typeface="等线" panose="02010600030101010101" pitchFamily="2" charset="-122"/>
+                          <a:ea typeface="等线" panose="02010600030101010101" pitchFamily="2" charset="-122"/>
+                        </a:rPr>
+                        <a:t>Y1(X-1)</a:t>
+                      </a:r>
+                    </a:p>
+                  </a:txBody>
+                  <a:tcPr marL="9525" marR="9525" marT="9525" marB="0" anchor="b">
+                    <a:solidFill>
+                      <a:schemeClr val="accent5">
+                        <a:lumMod val="20000"/>
+                        <a:lumOff val="80000"/>
+                      </a:schemeClr>
+                    </a:solidFill>
+                  </a:tcPr>
+                </a:tc>
+                <a:tc>
+                  <a:txBody>
+                    <a:bodyPr/>
+                    <a:lstStyle/>
+                    <a:p>
+                      <a:pPr algn="ctr" fontAlgn="b"/>
+                      <a:r>
+                        <a:rPr lang="en-US" sz="1100" b="1" i="0" u="none" strike="noStrike" dirty="0">
+                          <a:solidFill>
+                            <a:srgbClr val="000000"/>
+                          </a:solidFill>
+                          <a:effectLst/>
+                          <a:latin typeface="等线" panose="02010600030101010101" pitchFamily="2" charset="-122"/>
+                          <a:ea typeface="等线" panose="02010600030101010101" pitchFamily="2" charset="-122"/>
+                        </a:rPr>
+                        <a:t>Y1X</a:t>
+                      </a:r>
+                    </a:p>
+                  </a:txBody>
+                  <a:tcPr marL="9525" marR="9525" marT="9525" marB="0" anchor="b">
+                    <a:solidFill>
+                      <a:schemeClr val="accent5">
+                        <a:lumMod val="20000"/>
+                        <a:lumOff val="80000"/>
+                      </a:schemeClr>
+                    </a:solidFill>
+                  </a:tcPr>
+                </a:tc>
+                <a:extLst>
+                  <a:ext uri="{0D108BD9-81ED-4DB2-BD59-A6C34878D82A}">
+                    <a16:rowId xmlns:a16="http://schemas.microsoft.com/office/drawing/2014/main" val="4201487082"/>
+                  </a:ext>
+                </a:extLst>
+              </a:tr>
+              <a:tr h="131686">
+                <a:tc>
+                  <a:txBody>
+                    <a:bodyPr/>
+                    <a:lstStyle/>
+                    <a:p>
+                      <a:pPr algn="ctr" fontAlgn="b"/>
+                      <a:r>
+                        <a:rPr lang="en-US" sz="1100" b="1" i="0" u="none" strike="noStrike" dirty="0">
+                          <a:solidFill>
+                            <a:srgbClr val="000000"/>
+                          </a:solidFill>
+                          <a:effectLst/>
+                          <a:latin typeface="等线" panose="02010600030101010101" pitchFamily="2" charset="-122"/>
+                          <a:ea typeface="等线" panose="02010600030101010101" pitchFamily="2" charset="-122"/>
+                        </a:rPr>
+                        <a:t>(V10+V20)/2</a:t>
+                      </a:r>
+                    </a:p>
+                  </a:txBody>
+                  <a:tcPr marL="9525" marR="9525" marT="9525" marB="0" anchor="b"/>
+                </a:tc>
+                <a:tc>
+                  <a:txBody>
+                    <a:bodyPr/>
+                    <a:lstStyle/>
+                    <a:p>
+                      <a:pPr algn="ctr" fontAlgn="b"/>
+                      <a:r>
+                        <a:rPr lang="en-US" sz="1100" b="1" i="0" u="none" strike="noStrike">
+                          <a:solidFill>
+                            <a:srgbClr val="000000"/>
+                          </a:solidFill>
+                          <a:effectLst/>
+                          <a:latin typeface="等线" panose="02010600030101010101" pitchFamily="2" charset="-122"/>
+                          <a:ea typeface="等线" panose="02010600030101010101" pitchFamily="2" charset="-122"/>
+                        </a:rPr>
+                        <a:t>(V11+V21)/2</a:t>
+                      </a:r>
+                    </a:p>
+                  </a:txBody>
+                  <a:tcPr marL="9525" marR="9525" marT="9525" marB="0" anchor="b"/>
+                </a:tc>
+                <a:tc>
+                  <a:txBody>
+                    <a:bodyPr/>
+                    <a:lstStyle/>
+                    <a:p>
+                      <a:pPr algn="ctr" fontAlgn="b"/>
+                      <a:r>
+                        <a:rPr lang="en-US" sz="1100" b="1" i="0" u="none" strike="noStrike" dirty="0">
+                          <a:solidFill>
+                            <a:srgbClr val="000000"/>
+                          </a:solidFill>
+                          <a:effectLst/>
+                          <a:latin typeface="等线" panose="02010600030101010101" pitchFamily="2" charset="-122"/>
+                          <a:ea typeface="等线" panose="02010600030101010101" pitchFamily="2" charset="-122"/>
+                        </a:rPr>
+                        <a:t>(V12+V22)/2</a:t>
+                      </a:r>
+                    </a:p>
+                  </a:txBody>
+                  <a:tcPr marL="9525" marR="9525" marT="9525" marB="0" anchor="b"/>
+                </a:tc>
+                <a:tc>
+                  <a:txBody>
+                    <a:bodyPr/>
+                    <a:lstStyle/>
+                    <a:p>
+                      <a:pPr algn="ctr" fontAlgn="b"/>
+                      <a:endParaRPr lang="zh-CN" altLang="en-US" sz="1100" b="1" i="0" u="none" strike="noStrike" dirty="0">
+                        <a:solidFill>
+                          <a:srgbClr val="000000"/>
+                        </a:solidFill>
+                        <a:effectLst/>
+                        <a:latin typeface="等线" panose="02010600030101010101" pitchFamily="2" charset="-122"/>
+                        <a:ea typeface="等线" panose="02010600030101010101" pitchFamily="2" charset="-122"/>
+                      </a:endParaRPr>
+                    </a:p>
+                  </a:txBody>
+                  <a:tcPr marL="9525" marR="9525" marT="9525" marB="0" anchor="b"/>
+                </a:tc>
+                <a:tc>
+                  <a:txBody>
+                    <a:bodyPr/>
+                    <a:lstStyle/>
+                    <a:p>
+                      <a:pPr algn="ctr" fontAlgn="b"/>
+                      <a:r>
+                        <a:rPr lang="en-US" sz="1100" b="1" i="0" u="none" strike="noStrike" dirty="0">
+                          <a:solidFill>
+                            <a:srgbClr val="000000"/>
+                          </a:solidFill>
+                          <a:effectLst/>
+                          <a:latin typeface="等线" panose="02010600030101010101" pitchFamily="2" charset="-122"/>
+                          <a:ea typeface="等线" panose="02010600030101010101" pitchFamily="2" charset="-122"/>
+                        </a:rPr>
+                        <a:t>(V1(X-1)+V2(X-1))/2</a:t>
+                      </a:r>
+                    </a:p>
+                  </a:txBody>
+                  <a:tcPr marL="9525" marR="9525" marT="9525" marB="0" anchor="b"/>
+                </a:tc>
+                <a:tc>
+                  <a:txBody>
+                    <a:bodyPr/>
+                    <a:lstStyle/>
+                    <a:p>
+                      <a:pPr algn="ctr" fontAlgn="b"/>
+                      <a:r>
+                        <a:rPr lang="en-US" sz="1100" b="1" i="0" u="none" strike="noStrike" dirty="0">
+                          <a:solidFill>
+                            <a:srgbClr val="000000"/>
+                          </a:solidFill>
+                          <a:effectLst/>
+                          <a:latin typeface="等线" panose="02010600030101010101" pitchFamily="2" charset="-122"/>
+                          <a:ea typeface="等线" panose="02010600030101010101" pitchFamily="2" charset="-122"/>
+                        </a:rPr>
+                        <a:t>(V1X+V2X)/2</a:t>
+                      </a:r>
+                    </a:p>
+                  </a:txBody>
+                  <a:tcPr marL="9525" marR="9525" marT="9525" marB="0" anchor="b"/>
+                </a:tc>
+                <a:extLst>
+                  <a:ext uri="{0D108BD9-81ED-4DB2-BD59-A6C34878D82A}">
+                    <a16:rowId xmlns:a16="http://schemas.microsoft.com/office/drawing/2014/main" val="3317174497"/>
+                  </a:ext>
+                </a:extLst>
+              </a:tr>
+              <a:tr h="131686">
+                <a:tc>
+                  <a:txBody>
+                    <a:bodyPr/>
+                    <a:lstStyle/>
+                    <a:p>
+                      <a:pPr algn="ctr" fontAlgn="b"/>
+                      <a:r>
+                        <a:rPr lang="en-US" sz="1100" b="1" i="0" u="none" strike="noStrike">
+                          <a:solidFill>
+                            <a:srgbClr val="000000"/>
+                          </a:solidFill>
+                          <a:effectLst/>
+                          <a:latin typeface="等线" panose="02010600030101010101" pitchFamily="2" charset="-122"/>
+                          <a:ea typeface="等线" panose="02010600030101010101" pitchFamily="2" charset="-122"/>
+                        </a:rPr>
+                        <a:t>(Y’10+Y’20)/2</a:t>
+                      </a:r>
+                    </a:p>
+                  </a:txBody>
+                  <a:tcPr marL="9525" marR="9525" marT="9525" marB="0" anchor="b"/>
+                </a:tc>
+                <a:tc>
+                  <a:txBody>
+                    <a:bodyPr/>
+                    <a:lstStyle/>
+                    <a:p>
+                      <a:pPr algn="ctr" fontAlgn="b"/>
+                      <a:r>
+                        <a:rPr lang="en-US" sz="1100" b="1" i="0" u="none" strike="noStrike">
+                          <a:solidFill>
+                            <a:srgbClr val="000000"/>
+                          </a:solidFill>
+                          <a:effectLst/>
+                          <a:latin typeface="等线" panose="02010600030101010101" pitchFamily="2" charset="-122"/>
+                          <a:ea typeface="等线" panose="02010600030101010101" pitchFamily="2" charset="-122"/>
+                        </a:rPr>
+                        <a:t>(Y’11+Y’21)/2</a:t>
+                      </a:r>
+                    </a:p>
+                  </a:txBody>
+                  <a:tcPr marL="9525" marR="9525" marT="9525" marB="0" anchor="b"/>
+                </a:tc>
+                <a:tc>
+                  <a:txBody>
+                    <a:bodyPr/>
+                    <a:lstStyle/>
+                    <a:p>
+                      <a:pPr algn="ctr" fontAlgn="b"/>
+                      <a:r>
+                        <a:rPr lang="en-US" sz="1100" b="1" i="0" u="none" strike="noStrike">
+                          <a:solidFill>
+                            <a:srgbClr val="000000"/>
+                          </a:solidFill>
+                          <a:effectLst/>
+                          <a:latin typeface="等线" panose="02010600030101010101" pitchFamily="2" charset="-122"/>
+                          <a:ea typeface="等线" panose="02010600030101010101" pitchFamily="2" charset="-122"/>
+                        </a:rPr>
+                        <a:t>(Y’12+Y’22)/2</a:t>
+                      </a:r>
+                    </a:p>
+                  </a:txBody>
+                  <a:tcPr marL="9525" marR="9525" marT="9525" marB="0" anchor="b"/>
+                </a:tc>
+                <a:tc>
+                  <a:txBody>
+                    <a:bodyPr/>
+                    <a:lstStyle/>
+                    <a:p>
+                      <a:pPr algn="ctr" fontAlgn="b"/>
+                      <a:r>
+                        <a:rPr lang="en-US" altLang="zh-CN" sz="1100" b="1" i="0" u="none" strike="noStrike" dirty="0">
+                          <a:solidFill>
+                            <a:srgbClr val="000000"/>
+                          </a:solidFill>
+                          <a:effectLst/>
+                          <a:latin typeface="等线" panose="02010600030101010101" pitchFamily="2" charset="-122"/>
+                          <a:ea typeface="等线" panose="02010600030101010101" pitchFamily="2" charset="-122"/>
+                        </a:rPr>
+                        <a:t>…</a:t>
+                      </a:r>
+                    </a:p>
+                  </a:txBody>
+                  <a:tcPr marL="9525" marR="9525" marT="9525" marB="0" anchor="b"/>
+                </a:tc>
+                <a:tc>
+                  <a:txBody>
+                    <a:bodyPr/>
+                    <a:lstStyle/>
+                    <a:p>
+                      <a:pPr algn="ctr" fontAlgn="b"/>
+                      <a:r>
+                        <a:rPr lang="es-ES" sz="1100" b="1" i="0" u="none" strike="noStrike">
+                          <a:solidFill>
+                            <a:srgbClr val="000000"/>
+                          </a:solidFill>
+                          <a:effectLst/>
+                          <a:latin typeface="等线" panose="02010600030101010101" pitchFamily="2" charset="-122"/>
+                          <a:ea typeface="等线" panose="02010600030101010101" pitchFamily="2" charset="-122"/>
+                        </a:rPr>
+                        <a:t>(Y’1(X-1)+Y’2(X-1))/2</a:t>
+                      </a:r>
+                    </a:p>
+                  </a:txBody>
+                  <a:tcPr marL="9525" marR="9525" marT="9525" marB="0" anchor="b"/>
+                </a:tc>
+                <a:tc>
+                  <a:txBody>
+                    <a:bodyPr/>
+                    <a:lstStyle/>
+                    <a:p>
+                      <a:pPr algn="ctr" fontAlgn="b"/>
+                      <a:r>
+                        <a:rPr lang="en-US" sz="1100" b="1" i="0" u="none" strike="noStrike">
+                          <a:solidFill>
+                            <a:srgbClr val="000000"/>
+                          </a:solidFill>
+                          <a:effectLst/>
+                          <a:latin typeface="等线" panose="02010600030101010101" pitchFamily="2" charset="-122"/>
+                          <a:ea typeface="等线" panose="02010600030101010101" pitchFamily="2" charset="-122"/>
+                        </a:rPr>
+                        <a:t>(Y’1X+Y’2X)/2</a:t>
+                      </a:r>
+                    </a:p>
+                  </a:txBody>
+                  <a:tcPr marL="9525" marR="9525" marT="9525" marB="0" anchor="b"/>
+                </a:tc>
+                <a:extLst>
+                  <a:ext uri="{0D108BD9-81ED-4DB2-BD59-A6C34878D82A}">
+                    <a16:rowId xmlns:a16="http://schemas.microsoft.com/office/drawing/2014/main" val="3162783263"/>
+                  </a:ext>
+                </a:extLst>
+              </a:tr>
+              <a:tr h="131686">
+                <a:tc>
+                  <a:txBody>
+                    <a:bodyPr/>
+                    <a:lstStyle/>
+                    <a:p>
+                      <a:pPr algn="ctr" fontAlgn="b"/>
+                      <a:r>
+                        <a:rPr lang="en-US" sz="1100" b="1" i="0" u="none" strike="noStrike">
+                          <a:solidFill>
+                            <a:srgbClr val="000000"/>
+                          </a:solidFill>
+                          <a:effectLst/>
+                          <a:latin typeface="等线" panose="02010600030101010101" pitchFamily="2" charset="-122"/>
+                          <a:ea typeface="等线" panose="02010600030101010101" pitchFamily="2" charset="-122"/>
+                        </a:rPr>
+                        <a:t>(U10+U20)/2</a:t>
+                      </a:r>
+                    </a:p>
+                  </a:txBody>
+                  <a:tcPr marL="9525" marR="9525" marT="9525" marB="0" anchor="b"/>
+                </a:tc>
+                <a:tc>
+                  <a:txBody>
+                    <a:bodyPr/>
+                    <a:lstStyle/>
+                    <a:p>
+                      <a:pPr algn="ctr" fontAlgn="b"/>
+                      <a:r>
+                        <a:rPr lang="en-US" sz="1100" b="1" i="0" u="none" strike="noStrike">
+                          <a:solidFill>
+                            <a:srgbClr val="000000"/>
+                          </a:solidFill>
+                          <a:effectLst/>
+                          <a:latin typeface="等线" panose="02010600030101010101" pitchFamily="2" charset="-122"/>
+                          <a:ea typeface="等线" panose="02010600030101010101" pitchFamily="2" charset="-122"/>
+                        </a:rPr>
+                        <a:t>(U11+U21)/2</a:t>
+                      </a:r>
+                    </a:p>
+                  </a:txBody>
+                  <a:tcPr marL="9525" marR="9525" marT="9525" marB="0" anchor="b"/>
+                </a:tc>
+                <a:tc>
+                  <a:txBody>
+                    <a:bodyPr/>
+                    <a:lstStyle/>
+                    <a:p>
+                      <a:pPr algn="ctr" fontAlgn="b"/>
+                      <a:r>
+                        <a:rPr lang="en-US" sz="1100" b="1" i="0" u="none" strike="noStrike">
+                          <a:solidFill>
+                            <a:srgbClr val="000000"/>
+                          </a:solidFill>
+                          <a:effectLst/>
+                          <a:latin typeface="等线" panose="02010600030101010101" pitchFamily="2" charset="-122"/>
+                          <a:ea typeface="等线" panose="02010600030101010101" pitchFamily="2" charset="-122"/>
+                        </a:rPr>
+                        <a:t>(U12+U22)/2</a:t>
+                      </a:r>
+                    </a:p>
+                  </a:txBody>
+                  <a:tcPr marL="9525" marR="9525" marT="9525" marB="0" anchor="b"/>
+                </a:tc>
+                <a:tc>
+                  <a:txBody>
+                    <a:bodyPr/>
+                    <a:lstStyle/>
+                    <a:p>
+                      <a:pPr algn="ctr" fontAlgn="b"/>
+                      <a:endParaRPr lang="zh-CN" altLang="en-US" sz="1100" b="1" i="0" u="none" strike="noStrike">
+                        <a:solidFill>
+                          <a:srgbClr val="000000"/>
+                        </a:solidFill>
+                        <a:effectLst/>
+                        <a:latin typeface="等线" panose="02010600030101010101" pitchFamily="2" charset="-122"/>
+                        <a:ea typeface="等线" panose="02010600030101010101" pitchFamily="2" charset="-122"/>
+                      </a:endParaRPr>
+                    </a:p>
+                  </a:txBody>
+                  <a:tcPr marL="9525" marR="9525" marT="9525" marB="0" anchor="b"/>
+                </a:tc>
+                <a:tc>
+                  <a:txBody>
+                    <a:bodyPr/>
+                    <a:lstStyle/>
+                    <a:p>
+                      <a:pPr algn="ctr" fontAlgn="b"/>
+                      <a:r>
+                        <a:rPr lang="pl-PL" sz="1100" b="1" i="0" u="none" strike="noStrike">
+                          <a:solidFill>
+                            <a:srgbClr val="000000"/>
+                          </a:solidFill>
+                          <a:effectLst/>
+                          <a:latin typeface="等线" panose="02010600030101010101" pitchFamily="2" charset="-122"/>
+                          <a:ea typeface="等线" panose="02010600030101010101" pitchFamily="2" charset="-122"/>
+                        </a:rPr>
+                        <a:t>(U1(X-1)+U2(X-1))/2</a:t>
+                      </a:r>
+                    </a:p>
+                  </a:txBody>
+                  <a:tcPr marL="9525" marR="9525" marT="9525" marB="0" anchor="b"/>
+                </a:tc>
+                <a:tc>
+                  <a:txBody>
+                    <a:bodyPr/>
+                    <a:lstStyle/>
+                    <a:p>
+                      <a:pPr algn="ctr" fontAlgn="b"/>
+                      <a:r>
+                        <a:rPr lang="en-US" sz="1100" b="1" i="0" u="none" strike="noStrike">
+                          <a:solidFill>
+                            <a:srgbClr val="000000"/>
+                          </a:solidFill>
+                          <a:effectLst/>
+                          <a:latin typeface="等线" panose="02010600030101010101" pitchFamily="2" charset="-122"/>
+                          <a:ea typeface="等线" panose="02010600030101010101" pitchFamily="2" charset="-122"/>
+                        </a:rPr>
+                        <a:t>(U1X+U2X)/2</a:t>
+                      </a:r>
+                    </a:p>
+                  </a:txBody>
+                  <a:tcPr marL="9525" marR="9525" marT="9525" marB="0" anchor="b"/>
+                </a:tc>
+                <a:extLst>
+                  <a:ext uri="{0D108BD9-81ED-4DB2-BD59-A6C34878D82A}">
+                    <a16:rowId xmlns:a16="http://schemas.microsoft.com/office/drawing/2014/main" val="279383237"/>
+                  </a:ext>
+                </a:extLst>
+              </a:tr>
+              <a:tr h="131686">
+                <a:tc>
+                  <a:txBody>
+                    <a:bodyPr/>
+                    <a:lstStyle/>
+                    <a:p>
+                      <a:pPr algn="ctr" fontAlgn="b"/>
+                      <a:r>
+                        <a:rPr lang="en-US" sz="1100" b="1" i="0" u="none" strike="noStrike" dirty="0">
+                          <a:solidFill>
+                            <a:srgbClr val="000000"/>
+                          </a:solidFill>
+                          <a:effectLst/>
+                          <a:latin typeface="等线" panose="02010600030101010101" pitchFamily="2" charset="-122"/>
+                          <a:ea typeface="等线" panose="02010600030101010101" pitchFamily="2" charset="-122"/>
+                        </a:rPr>
+                        <a:t>(Y10+Y20)/2</a:t>
+                      </a:r>
+                    </a:p>
+                  </a:txBody>
+                  <a:tcPr marL="9525" marR="9525" marT="9525" marB="0" anchor="b"/>
+                </a:tc>
+                <a:tc>
+                  <a:txBody>
+                    <a:bodyPr/>
+                    <a:lstStyle/>
+                    <a:p>
+                      <a:pPr algn="ctr" fontAlgn="b"/>
+                      <a:r>
+                        <a:rPr lang="en-US" sz="1100" b="1" i="0" u="none" strike="noStrike">
+                          <a:solidFill>
+                            <a:srgbClr val="000000"/>
+                          </a:solidFill>
+                          <a:effectLst/>
+                          <a:latin typeface="等线" panose="02010600030101010101" pitchFamily="2" charset="-122"/>
+                          <a:ea typeface="等线" panose="02010600030101010101" pitchFamily="2" charset="-122"/>
+                        </a:rPr>
+                        <a:t>(Y11+Y21)/2</a:t>
+                      </a:r>
+                    </a:p>
+                  </a:txBody>
+                  <a:tcPr marL="9525" marR="9525" marT="9525" marB="0" anchor="b"/>
+                </a:tc>
+                <a:tc>
+                  <a:txBody>
+                    <a:bodyPr/>
+                    <a:lstStyle/>
+                    <a:p>
+                      <a:pPr algn="ctr" fontAlgn="b"/>
+                      <a:r>
+                        <a:rPr lang="en-US" sz="1100" b="1" i="0" u="none" strike="noStrike">
+                          <a:solidFill>
+                            <a:srgbClr val="000000"/>
+                          </a:solidFill>
+                          <a:effectLst/>
+                          <a:latin typeface="等线" panose="02010600030101010101" pitchFamily="2" charset="-122"/>
+                          <a:ea typeface="等线" panose="02010600030101010101" pitchFamily="2" charset="-122"/>
+                        </a:rPr>
+                        <a:t>(Y12+Y22)/2</a:t>
+                      </a:r>
+                    </a:p>
+                  </a:txBody>
+                  <a:tcPr marL="9525" marR="9525" marT="9525" marB="0" anchor="b"/>
+                </a:tc>
+                <a:tc>
+                  <a:txBody>
+                    <a:bodyPr/>
+                    <a:lstStyle/>
+                    <a:p>
+                      <a:pPr algn="ctr" fontAlgn="b"/>
+                      <a:endParaRPr lang="zh-CN" altLang="en-US" sz="1100" b="1" i="0" u="none" strike="noStrike">
+                        <a:solidFill>
+                          <a:srgbClr val="000000"/>
+                        </a:solidFill>
+                        <a:effectLst/>
+                        <a:latin typeface="等线" panose="02010600030101010101" pitchFamily="2" charset="-122"/>
+                        <a:ea typeface="等线" panose="02010600030101010101" pitchFamily="2" charset="-122"/>
+                      </a:endParaRPr>
+                    </a:p>
+                  </a:txBody>
+                  <a:tcPr marL="9525" marR="9525" marT="9525" marB="0" anchor="b"/>
+                </a:tc>
+                <a:tc>
+                  <a:txBody>
+                    <a:bodyPr/>
+                    <a:lstStyle/>
+                    <a:p>
+                      <a:pPr algn="ctr" fontAlgn="b"/>
+                      <a:r>
+                        <a:rPr lang="es-ES" sz="1100" b="1" i="0" u="none" strike="noStrike">
+                          <a:solidFill>
+                            <a:srgbClr val="000000"/>
+                          </a:solidFill>
+                          <a:effectLst/>
+                          <a:latin typeface="等线" panose="02010600030101010101" pitchFamily="2" charset="-122"/>
+                          <a:ea typeface="等线" panose="02010600030101010101" pitchFamily="2" charset="-122"/>
+                        </a:rPr>
+                        <a:t>(Y1(X-1)+Y2(X-1))/2</a:t>
+                      </a:r>
+                    </a:p>
+                  </a:txBody>
+                  <a:tcPr marL="9525" marR="9525" marT="9525" marB="0" anchor="b"/>
+                </a:tc>
+                <a:tc>
+                  <a:txBody>
+                    <a:bodyPr/>
+                    <a:lstStyle/>
+                    <a:p>
+                      <a:pPr algn="ctr" fontAlgn="b"/>
+                      <a:r>
+                        <a:rPr lang="en-US" sz="1100" b="1" i="0" u="none" strike="noStrike" dirty="0">
+                          <a:solidFill>
+                            <a:srgbClr val="000000"/>
+                          </a:solidFill>
+                          <a:effectLst/>
+                          <a:latin typeface="等线" panose="02010600030101010101" pitchFamily="2" charset="-122"/>
+                          <a:ea typeface="等线" panose="02010600030101010101" pitchFamily="2" charset="-122"/>
+                        </a:rPr>
+                        <a:t>(Y1X+Y2X)/2</a:t>
+                      </a:r>
+                    </a:p>
+                  </a:txBody>
+                  <a:tcPr marL="9525" marR="9525" marT="9525" marB="0" anchor="b"/>
+                </a:tc>
+                <a:extLst>
+                  <a:ext uri="{0D108BD9-81ED-4DB2-BD59-A6C34878D82A}">
+                    <a16:rowId xmlns:a16="http://schemas.microsoft.com/office/drawing/2014/main" val="1777997786"/>
+                  </a:ext>
+                </a:extLst>
+              </a:tr>
+              <a:tr h="131686">
+                <a:tc>
+                  <a:txBody>
+                    <a:bodyPr/>
+                    <a:lstStyle/>
+                    <a:p>
+                      <a:pPr algn="ctr" fontAlgn="b"/>
+                      <a:r>
+                        <a:rPr lang="en-US" sz="1100" b="1" i="0" u="none" strike="noStrike" dirty="0">
+                          <a:solidFill>
+                            <a:srgbClr val="000000"/>
+                          </a:solidFill>
+                          <a:effectLst/>
+                          <a:latin typeface="等线" panose="02010600030101010101" pitchFamily="2" charset="-122"/>
+                          <a:ea typeface="等线" panose="02010600030101010101" pitchFamily="2" charset="-122"/>
+                        </a:rPr>
+                        <a:t>V20</a:t>
+                      </a:r>
+                    </a:p>
+                  </a:txBody>
+                  <a:tcPr marL="9525" marR="9525" marT="9525" marB="0" anchor="b">
+                    <a:solidFill>
+                      <a:schemeClr val="accent4">
+                        <a:lumMod val="20000"/>
+                        <a:lumOff val="80000"/>
+                      </a:schemeClr>
+                    </a:solidFill>
+                  </a:tcPr>
+                </a:tc>
+                <a:tc>
+                  <a:txBody>
+                    <a:bodyPr/>
+                    <a:lstStyle/>
+                    <a:p>
+                      <a:pPr algn="ctr" fontAlgn="b"/>
+                      <a:r>
+                        <a:rPr lang="en-US" sz="1100" b="1" i="0" u="none" strike="noStrike">
+                          <a:solidFill>
+                            <a:srgbClr val="000000"/>
+                          </a:solidFill>
+                          <a:effectLst/>
+                          <a:latin typeface="等线" panose="02010600030101010101" pitchFamily="2" charset="-122"/>
+                          <a:ea typeface="等线" panose="02010600030101010101" pitchFamily="2" charset="-122"/>
+                        </a:rPr>
+                        <a:t>V21</a:t>
+                      </a:r>
+                    </a:p>
+                  </a:txBody>
+                  <a:tcPr marL="9525" marR="9525" marT="9525" marB="0" anchor="b">
+                    <a:solidFill>
+                      <a:schemeClr val="accent4">
+                        <a:lumMod val="20000"/>
+                        <a:lumOff val="80000"/>
+                      </a:schemeClr>
+                    </a:solidFill>
+                  </a:tcPr>
+                </a:tc>
+                <a:tc>
+                  <a:txBody>
+                    <a:bodyPr/>
+                    <a:lstStyle/>
+                    <a:p>
+                      <a:pPr algn="ctr" fontAlgn="b"/>
+                      <a:r>
+                        <a:rPr lang="en-US" sz="1100" b="1" i="0" u="none" strike="noStrike">
+                          <a:solidFill>
+                            <a:srgbClr val="000000"/>
+                          </a:solidFill>
+                          <a:effectLst/>
+                          <a:latin typeface="等线" panose="02010600030101010101" pitchFamily="2" charset="-122"/>
+                          <a:ea typeface="等线" panose="02010600030101010101" pitchFamily="2" charset="-122"/>
+                        </a:rPr>
+                        <a:t>V22</a:t>
+                      </a:r>
+                    </a:p>
+                  </a:txBody>
+                  <a:tcPr marL="9525" marR="9525" marT="9525" marB="0" anchor="b">
+                    <a:solidFill>
+                      <a:schemeClr val="accent4">
+                        <a:lumMod val="20000"/>
+                        <a:lumOff val="80000"/>
+                      </a:schemeClr>
+                    </a:solidFill>
+                  </a:tcPr>
+                </a:tc>
+                <a:tc>
+                  <a:txBody>
+                    <a:bodyPr/>
+                    <a:lstStyle/>
+                    <a:p>
+                      <a:pPr algn="ctr" fontAlgn="b"/>
+                      <a:endParaRPr lang="zh-CN" altLang="en-US" sz="1100" b="1" i="0" u="none" strike="noStrike">
+                        <a:solidFill>
+                          <a:srgbClr val="000000"/>
+                        </a:solidFill>
+                        <a:effectLst/>
+                        <a:latin typeface="等线" panose="02010600030101010101" pitchFamily="2" charset="-122"/>
+                        <a:ea typeface="等线" panose="02010600030101010101" pitchFamily="2" charset="-122"/>
+                      </a:endParaRPr>
+                    </a:p>
+                  </a:txBody>
+                  <a:tcPr marL="9525" marR="9525" marT="9525" marB="0" anchor="b">
+                    <a:solidFill>
+                      <a:schemeClr val="accent4">
+                        <a:lumMod val="20000"/>
+                        <a:lumOff val="80000"/>
+                      </a:schemeClr>
+                    </a:solidFill>
+                  </a:tcPr>
+                </a:tc>
+                <a:tc>
+                  <a:txBody>
+                    <a:bodyPr/>
+                    <a:lstStyle/>
+                    <a:p>
+                      <a:pPr algn="ctr" fontAlgn="b"/>
+                      <a:r>
+                        <a:rPr lang="en-US" sz="1100" b="1" i="0" u="none" strike="noStrike" dirty="0">
+                          <a:solidFill>
+                            <a:srgbClr val="000000"/>
+                          </a:solidFill>
+                          <a:effectLst/>
+                          <a:latin typeface="等线" panose="02010600030101010101" pitchFamily="2" charset="-122"/>
+                          <a:ea typeface="等线" panose="02010600030101010101" pitchFamily="2" charset="-122"/>
+                        </a:rPr>
+                        <a:t>V2(X-1)</a:t>
+                      </a:r>
+                    </a:p>
+                  </a:txBody>
+                  <a:tcPr marL="9525" marR="9525" marT="9525" marB="0" anchor="b">
+                    <a:solidFill>
+                      <a:schemeClr val="accent4">
+                        <a:lumMod val="20000"/>
+                        <a:lumOff val="80000"/>
+                      </a:schemeClr>
+                    </a:solidFill>
+                  </a:tcPr>
+                </a:tc>
+                <a:tc>
+                  <a:txBody>
+                    <a:bodyPr/>
+                    <a:lstStyle/>
+                    <a:p>
+                      <a:pPr algn="ctr" fontAlgn="b"/>
+                      <a:r>
+                        <a:rPr lang="en-US" sz="1100" b="1" i="0" u="none" strike="noStrike">
+                          <a:solidFill>
+                            <a:srgbClr val="000000"/>
+                          </a:solidFill>
+                          <a:effectLst/>
+                          <a:latin typeface="等线" panose="02010600030101010101" pitchFamily="2" charset="-122"/>
+                          <a:ea typeface="等线" panose="02010600030101010101" pitchFamily="2" charset="-122"/>
+                        </a:rPr>
+                        <a:t>V2X</a:t>
+                      </a:r>
+                    </a:p>
+                  </a:txBody>
+                  <a:tcPr marL="9525" marR="9525" marT="9525" marB="0" anchor="b">
+                    <a:solidFill>
+                      <a:schemeClr val="accent4">
+                        <a:lumMod val="20000"/>
+                        <a:lumOff val="80000"/>
+                      </a:schemeClr>
+                    </a:solidFill>
+                  </a:tcPr>
+                </a:tc>
+                <a:extLst>
+                  <a:ext uri="{0D108BD9-81ED-4DB2-BD59-A6C34878D82A}">
+                    <a16:rowId xmlns:a16="http://schemas.microsoft.com/office/drawing/2014/main" val="2718173181"/>
+                  </a:ext>
+                </a:extLst>
+              </a:tr>
+              <a:tr h="131686">
+                <a:tc>
+                  <a:txBody>
+                    <a:bodyPr/>
+                    <a:lstStyle/>
+                    <a:p>
+                      <a:pPr algn="ctr" fontAlgn="b"/>
+                      <a:r>
+                        <a:rPr lang="en-US" sz="1100" b="1" i="0" u="none" strike="noStrike">
+                          <a:solidFill>
+                            <a:srgbClr val="000000"/>
+                          </a:solidFill>
+                          <a:effectLst/>
+                          <a:latin typeface="等线" panose="02010600030101010101" pitchFamily="2" charset="-122"/>
+                          <a:ea typeface="等线" panose="02010600030101010101" pitchFamily="2" charset="-122"/>
+                        </a:rPr>
+                        <a:t>Y’20</a:t>
+                      </a:r>
+                    </a:p>
+                  </a:txBody>
+                  <a:tcPr marL="9525" marR="9525" marT="9525" marB="0" anchor="b">
+                    <a:solidFill>
+                      <a:schemeClr val="accent4">
+                        <a:lumMod val="20000"/>
+                        <a:lumOff val="80000"/>
+                      </a:schemeClr>
+                    </a:solidFill>
+                  </a:tcPr>
+                </a:tc>
+                <a:tc>
+                  <a:txBody>
+                    <a:bodyPr/>
+                    <a:lstStyle/>
+                    <a:p>
+                      <a:pPr algn="ctr" fontAlgn="b"/>
+                      <a:r>
+                        <a:rPr lang="en-US" sz="1100" b="1" i="0" u="none" strike="noStrike" dirty="0">
+                          <a:solidFill>
+                            <a:srgbClr val="000000"/>
+                          </a:solidFill>
+                          <a:effectLst/>
+                          <a:latin typeface="等线" panose="02010600030101010101" pitchFamily="2" charset="-122"/>
+                          <a:ea typeface="等线" panose="02010600030101010101" pitchFamily="2" charset="-122"/>
+                        </a:rPr>
+                        <a:t>Y’21</a:t>
+                      </a:r>
+                    </a:p>
+                  </a:txBody>
+                  <a:tcPr marL="9525" marR="9525" marT="9525" marB="0" anchor="b">
+                    <a:solidFill>
+                      <a:schemeClr val="accent4">
+                        <a:lumMod val="20000"/>
+                        <a:lumOff val="80000"/>
+                      </a:schemeClr>
+                    </a:solidFill>
+                  </a:tcPr>
+                </a:tc>
+                <a:tc>
+                  <a:txBody>
+                    <a:bodyPr/>
+                    <a:lstStyle/>
+                    <a:p>
+                      <a:pPr algn="ctr" fontAlgn="b"/>
+                      <a:r>
+                        <a:rPr lang="en-US" sz="1100" b="1" i="0" u="none" strike="noStrike" dirty="0">
+                          <a:solidFill>
+                            <a:srgbClr val="000000"/>
+                          </a:solidFill>
+                          <a:effectLst/>
+                          <a:latin typeface="等线" panose="02010600030101010101" pitchFamily="2" charset="-122"/>
+                          <a:ea typeface="等线" panose="02010600030101010101" pitchFamily="2" charset="-122"/>
+                        </a:rPr>
+                        <a:t>Y’22</a:t>
+                      </a:r>
+                    </a:p>
+                  </a:txBody>
+                  <a:tcPr marL="9525" marR="9525" marT="9525" marB="0" anchor="b">
+                    <a:solidFill>
+                      <a:schemeClr val="accent4">
+                        <a:lumMod val="20000"/>
+                        <a:lumOff val="80000"/>
+                      </a:schemeClr>
+                    </a:solidFill>
+                  </a:tcPr>
+                </a:tc>
+                <a:tc>
+                  <a:txBody>
+                    <a:bodyPr/>
+                    <a:lstStyle/>
+                    <a:p>
+                      <a:pPr algn="ctr" fontAlgn="b"/>
+                      <a:r>
+                        <a:rPr lang="en-US" altLang="zh-CN" sz="1100" b="1" i="0" u="none" strike="noStrike">
+                          <a:solidFill>
+                            <a:srgbClr val="000000"/>
+                          </a:solidFill>
+                          <a:effectLst/>
+                          <a:latin typeface="等线" panose="02010600030101010101" pitchFamily="2" charset="-122"/>
+                          <a:ea typeface="等线" panose="02010600030101010101" pitchFamily="2" charset="-122"/>
+                        </a:rPr>
+                        <a:t>…</a:t>
+                      </a:r>
+                    </a:p>
+                  </a:txBody>
+                  <a:tcPr marL="9525" marR="9525" marT="9525" marB="0" anchor="b">
+                    <a:solidFill>
+                      <a:schemeClr val="accent4">
+                        <a:lumMod val="20000"/>
+                        <a:lumOff val="80000"/>
+                      </a:schemeClr>
+                    </a:solidFill>
+                  </a:tcPr>
+                </a:tc>
+                <a:tc>
+                  <a:txBody>
+                    <a:bodyPr/>
+                    <a:lstStyle/>
+                    <a:p>
+                      <a:pPr algn="ctr" fontAlgn="b"/>
+                      <a:r>
+                        <a:rPr lang="en-US" sz="1100" b="1" i="0" u="none" strike="noStrike">
+                          <a:solidFill>
+                            <a:srgbClr val="000000"/>
+                          </a:solidFill>
+                          <a:effectLst/>
+                          <a:latin typeface="等线" panose="02010600030101010101" pitchFamily="2" charset="-122"/>
+                          <a:ea typeface="等线" panose="02010600030101010101" pitchFamily="2" charset="-122"/>
+                        </a:rPr>
+                        <a:t>Y’2(X-1)</a:t>
+                      </a:r>
+                    </a:p>
+                  </a:txBody>
+                  <a:tcPr marL="9525" marR="9525" marT="9525" marB="0" anchor="b">
+                    <a:solidFill>
+                      <a:schemeClr val="accent4">
+                        <a:lumMod val="20000"/>
+                        <a:lumOff val="80000"/>
+                      </a:schemeClr>
+                    </a:solidFill>
+                  </a:tcPr>
+                </a:tc>
+                <a:tc>
+                  <a:txBody>
+                    <a:bodyPr/>
+                    <a:lstStyle/>
+                    <a:p>
+                      <a:pPr algn="ctr" fontAlgn="b"/>
+                      <a:r>
+                        <a:rPr lang="en-US" sz="1100" b="1" i="0" u="none" strike="noStrike">
+                          <a:solidFill>
+                            <a:srgbClr val="000000"/>
+                          </a:solidFill>
+                          <a:effectLst/>
+                          <a:latin typeface="等线" panose="02010600030101010101" pitchFamily="2" charset="-122"/>
+                          <a:ea typeface="等线" panose="02010600030101010101" pitchFamily="2" charset="-122"/>
+                        </a:rPr>
+                        <a:t>Y’2X</a:t>
+                      </a:r>
+                    </a:p>
+                  </a:txBody>
+                  <a:tcPr marL="9525" marR="9525" marT="9525" marB="0" anchor="b">
+                    <a:solidFill>
+                      <a:schemeClr val="accent4">
+                        <a:lumMod val="20000"/>
+                        <a:lumOff val="80000"/>
+                      </a:schemeClr>
+                    </a:solidFill>
+                  </a:tcPr>
+                </a:tc>
+                <a:extLst>
+                  <a:ext uri="{0D108BD9-81ED-4DB2-BD59-A6C34878D82A}">
+                    <a16:rowId xmlns:a16="http://schemas.microsoft.com/office/drawing/2014/main" val="2083152913"/>
+                  </a:ext>
+                </a:extLst>
+              </a:tr>
+              <a:tr h="131686">
+                <a:tc>
+                  <a:txBody>
+                    <a:bodyPr/>
+                    <a:lstStyle/>
+                    <a:p>
+                      <a:pPr algn="ctr" fontAlgn="b"/>
+                      <a:r>
+                        <a:rPr lang="en-US" sz="1100" b="1" i="0" u="none" strike="noStrike">
+                          <a:solidFill>
+                            <a:srgbClr val="000000"/>
+                          </a:solidFill>
+                          <a:effectLst/>
+                          <a:latin typeface="等线" panose="02010600030101010101" pitchFamily="2" charset="-122"/>
+                          <a:ea typeface="等线" panose="02010600030101010101" pitchFamily="2" charset="-122"/>
+                        </a:rPr>
+                        <a:t>U20</a:t>
+                      </a:r>
+                    </a:p>
+                  </a:txBody>
+                  <a:tcPr marL="9525" marR="9525" marT="9525" marB="0" anchor="b">
+                    <a:solidFill>
+                      <a:schemeClr val="accent4">
+                        <a:lumMod val="20000"/>
+                        <a:lumOff val="80000"/>
+                      </a:schemeClr>
+                    </a:solidFill>
+                  </a:tcPr>
+                </a:tc>
+                <a:tc>
+                  <a:txBody>
+                    <a:bodyPr/>
+                    <a:lstStyle/>
+                    <a:p>
+                      <a:pPr algn="ctr" fontAlgn="b"/>
+                      <a:r>
+                        <a:rPr lang="en-US" sz="1100" b="1" i="0" u="none" strike="noStrike">
+                          <a:solidFill>
+                            <a:srgbClr val="000000"/>
+                          </a:solidFill>
+                          <a:effectLst/>
+                          <a:latin typeface="等线" panose="02010600030101010101" pitchFamily="2" charset="-122"/>
+                          <a:ea typeface="等线" panose="02010600030101010101" pitchFamily="2" charset="-122"/>
+                        </a:rPr>
+                        <a:t>U21</a:t>
+                      </a:r>
+                    </a:p>
+                  </a:txBody>
+                  <a:tcPr marL="9525" marR="9525" marT="9525" marB="0" anchor="b">
+                    <a:solidFill>
+                      <a:schemeClr val="accent4">
+                        <a:lumMod val="20000"/>
+                        <a:lumOff val="80000"/>
+                      </a:schemeClr>
+                    </a:solidFill>
+                  </a:tcPr>
+                </a:tc>
+                <a:tc>
+                  <a:txBody>
+                    <a:bodyPr/>
+                    <a:lstStyle/>
+                    <a:p>
+                      <a:pPr algn="ctr" fontAlgn="b"/>
+                      <a:r>
+                        <a:rPr lang="en-US" sz="1100" b="1" i="0" u="none" strike="noStrike">
+                          <a:solidFill>
+                            <a:srgbClr val="000000"/>
+                          </a:solidFill>
+                          <a:effectLst/>
+                          <a:latin typeface="等线" panose="02010600030101010101" pitchFamily="2" charset="-122"/>
+                          <a:ea typeface="等线" panose="02010600030101010101" pitchFamily="2" charset="-122"/>
+                        </a:rPr>
+                        <a:t>U22</a:t>
+                      </a:r>
+                    </a:p>
+                  </a:txBody>
+                  <a:tcPr marL="9525" marR="9525" marT="9525" marB="0" anchor="b">
+                    <a:solidFill>
+                      <a:schemeClr val="accent4">
+                        <a:lumMod val="20000"/>
+                        <a:lumOff val="80000"/>
+                      </a:schemeClr>
+                    </a:solidFill>
+                  </a:tcPr>
+                </a:tc>
+                <a:tc>
+                  <a:txBody>
+                    <a:bodyPr/>
+                    <a:lstStyle/>
+                    <a:p>
+                      <a:pPr algn="ctr" fontAlgn="b"/>
+                      <a:endParaRPr lang="zh-CN" altLang="en-US" sz="1100" b="1" i="0" u="none" strike="noStrike" dirty="0">
+                        <a:solidFill>
+                          <a:srgbClr val="000000"/>
+                        </a:solidFill>
+                        <a:effectLst/>
+                        <a:latin typeface="等线" panose="02010600030101010101" pitchFamily="2" charset="-122"/>
+                        <a:ea typeface="等线" panose="02010600030101010101" pitchFamily="2" charset="-122"/>
+                      </a:endParaRPr>
+                    </a:p>
+                  </a:txBody>
+                  <a:tcPr marL="9525" marR="9525" marT="9525" marB="0" anchor="b">
+                    <a:solidFill>
+                      <a:schemeClr val="accent4">
+                        <a:lumMod val="20000"/>
+                        <a:lumOff val="80000"/>
+                      </a:schemeClr>
+                    </a:solidFill>
+                  </a:tcPr>
+                </a:tc>
+                <a:tc>
+                  <a:txBody>
+                    <a:bodyPr/>
+                    <a:lstStyle/>
+                    <a:p>
+                      <a:pPr algn="ctr" fontAlgn="b"/>
+                      <a:r>
+                        <a:rPr lang="en-US" sz="1100" b="1" i="0" u="none" strike="noStrike" dirty="0">
+                          <a:solidFill>
+                            <a:srgbClr val="000000"/>
+                          </a:solidFill>
+                          <a:effectLst/>
+                          <a:latin typeface="等线" panose="02010600030101010101" pitchFamily="2" charset="-122"/>
+                          <a:ea typeface="等线" panose="02010600030101010101" pitchFamily="2" charset="-122"/>
+                        </a:rPr>
+                        <a:t>U2(X-1)</a:t>
+                      </a:r>
+                    </a:p>
+                  </a:txBody>
+                  <a:tcPr marL="9525" marR="9525" marT="9525" marB="0" anchor="b">
+                    <a:solidFill>
+                      <a:schemeClr val="accent4">
+                        <a:lumMod val="20000"/>
+                        <a:lumOff val="80000"/>
+                      </a:schemeClr>
+                    </a:solidFill>
+                  </a:tcPr>
+                </a:tc>
+                <a:tc>
+                  <a:txBody>
+                    <a:bodyPr/>
+                    <a:lstStyle/>
+                    <a:p>
+                      <a:pPr algn="ctr" fontAlgn="b"/>
+                      <a:r>
+                        <a:rPr lang="en-US" sz="1100" b="1" i="0" u="none" strike="noStrike" dirty="0">
+                          <a:solidFill>
+                            <a:srgbClr val="000000"/>
+                          </a:solidFill>
+                          <a:effectLst/>
+                          <a:latin typeface="等线" panose="02010600030101010101" pitchFamily="2" charset="-122"/>
+                          <a:ea typeface="等线" panose="02010600030101010101" pitchFamily="2" charset="-122"/>
+                        </a:rPr>
+                        <a:t>U2X</a:t>
+                      </a:r>
+                    </a:p>
+                  </a:txBody>
+                  <a:tcPr marL="9525" marR="9525" marT="9525" marB="0" anchor="b">
+                    <a:solidFill>
+                      <a:schemeClr val="accent4">
+                        <a:lumMod val="20000"/>
+                        <a:lumOff val="80000"/>
+                      </a:schemeClr>
+                    </a:solidFill>
+                  </a:tcPr>
+                </a:tc>
+                <a:extLst>
+                  <a:ext uri="{0D108BD9-81ED-4DB2-BD59-A6C34878D82A}">
+                    <a16:rowId xmlns:a16="http://schemas.microsoft.com/office/drawing/2014/main" val="3890219954"/>
+                  </a:ext>
+                </a:extLst>
+              </a:tr>
+              <a:tr h="131686">
+                <a:tc>
+                  <a:txBody>
+                    <a:bodyPr/>
+                    <a:lstStyle/>
+                    <a:p>
+                      <a:pPr algn="ctr" fontAlgn="b"/>
+                      <a:r>
+                        <a:rPr lang="en-US" sz="1100" b="1" i="0" u="none" strike="noStrike" dirty="0">
+                          <a:solidFill>
+                            <a:srgbClr val="000000"/>
+                          </a:solidFill>
+                          <a:effectLst/>
+                          <a:latin typeface="等线" panose="02010600030101010101" pitchFamily="2" charset="-122"/>
+                          <a:ea typeface="等线" panose="02010600030101010101" pitchFamily="2" charset="-122"/>
+                        </a:rPr>
+                        <a:t>Y20</a:t>
+                      </a:r>
+                    </a:p>
+                  </a:txBody>
+                  <a:tcPr marL="9525" marR="9525" marT="9525" marB="0" anchor="b">
+                    <a:solidFill>
+                      <a:schemeClr val="accent4">
+                        <a:lumMod val="20000"/>
+                        <a:lumOff val="80000"/>
+                      </a:schemeClr>
+                    </a:solidFill>
+                  </a:tcPr>
+                </a:tc>
+                <a:tc>
+                  <a:txBody>
+                    <a:bodyPr/>
+                    <a:lstStyle/>
+                    <a:p>
+                      <a:pPr algn="ctr" fontAlgn="b"/>
+                      <a:r>
+                        <a:rPr lang="en-US" sz="1100" b="1" i="0" u="none" strike="noStrike">
+                          <a:solidFill>
+                            <a:srgbClr val="000000"/>
+                          </a:solidFill>
+                          <a:effectLst/>
+                          <a:latin typeface="等线" panose="02010600030101010101" pitchFamily="2" charset="-122"/>
+                          <a:ea typeface="等线" panose="02010600030101010101" pitchFamily="2" charset="-122"/>
+                        </a:rPr>
+                        <a:t>Y21</a:t>
+                      </a:r>
+                    </a:p>
+                  </a:txBody>
+                  <a:tcPr marL="9525" marR="9525" marT="9525" marB="0" anchor="b">
+                    <a:solidFill>
+                      <a:schemeClr val="accent4">
+                        <a:lumMod val="20000"/>
+                        <a:lumOff val="80000"/>
+                      </a:schemeClr>
+                    </a:solidFill>
+                  </a:tcPr>
+                </a:tc>
+                <a:tc>
+                  <a:txBody>
+                    <a:bodyPr/>
+                    <a:lstStyle/>
+                    <a:p>
+                      <a:pPr algn="ctr" fontAlgn="b"/>
+                      <a:r>
+                        <a:rPr lang="en-US" sz="1100" b="1" i="0" u="none" strike="noStrike">
+                          <a:solidFill>
+                            <a:srgbClr val="000000"/>
+                          </a:solidFill>
+                          <a:effectLst/>
+                          <a:latin typeface="等线" panose="02010600030101010101" pitchFamily="2" charset="-122"/>
+                          <a:ea typeface="等线" panose="02010600030101010101" pitchFamily="2" charset="-122"/>
+                        </a:rPr>
+                        <a:t>Y22</a:t>
+                      </a:r>
+                    </a:p>
+                  </a:txBody>
+                  <a:tcPr marL="9525" marR="9525" marT="9525" marB="0" anchor="b">
+                    <a:solidFill>
+                      <a:schemeClr val="accent4">
+                        <a:lumMod val="20000"/>
+                        <a:lumOff val="80000"/>
+                      </a:schemeClr>
+                    </a:solidFill>
+                  </a:tcPr>
+                </a:tc>
+                <a:tc>
+                  <a:txBody>
+                    <a:bodyPr/>
+                    <a:lstStyle/>
+                    <a:p>
+                      <a:pPr algn="ctr" fontAlgn="b"/>
+                      <a:endParaRPr lang="zh-CN" altLang="en-US" sz="1100" b="1" i="0" u="none" strike="noStrike">
+                        <a:solidFill>
+                          <a:srgbClr val="000000"/>
+                        </a:solidFill>
+                        <a:effectLst/>
+                        <a:latin typeface="等线" panose="02010600030101010101" pitchFamily="2" charset="-122"/>
+                        <a:ea typeface="等线" panose="02010600030101010101" pitchFamily="2" charset="-122"/>
+                      </a:endParaRPr>
+                    </a:p>
+                  </a:txBody>
+                  <a:tcPr marL="9525" marR="9525" marT="9525" marB="0" anchor="b">
+                    <a:solidFill>
+                      <a:schemeClr val="accent4">
+                        <a:lumMod val="20000"/>
+                        <a:lumOff val="80000"/>
+                      </a:schemeClr>
+                    </a:solidFill>
+                  </a:tcPr>
+                </a:tc>
+                <a:tc>
+                  <a:txBody>
+                    <a:bodyPr/>
+                    <a:lstStyle/>
+                    <a:p>
+                      <a:pPr algn="ctr" fontAlgn="b"/>
+                      <a:r>
+                        <a:rPr lang="en-US" sz="1100" b="1" i="0" u="none" strike="noStrike">
+                          <a:solidFill>
+                            <a:srgbClr val="000000"/>
+                          </a:solidFill>
+                          <a:effectLst/>
+                          <a:latin typeface="等线" panose="02010600030101010101" pitchFamily="2" charset="-122"/>
+                          <a:ea typeface="等线" panose="02010600030101010101" pitchFamily="2" charset="-122"/>
+                        </a:rPr>
+                        <a:t>Y2(X-1)</a:t>
+                      </a:r>
+                    </a:p>
+                  </a:txBody>
+                  <a:tcPr marL="9525" marR="9525" marT="9525" marB="0" anchor="b">
+                    <a:solidFill>
+                      <a:schemeClr val="accent4">
+                        <a:lumMod val="20000"/>
+                        <a:lumOff val="80000"/>
+                      </a:schemeClr>
+                    </a:solidFill>
+                  </a:tcPr>
+                </a:tc>
+                <a:tc>
+                  <a:txBody>
+                    <a:bodyPr/>
+                    <a:lstStyle/>
+                    <a:p>
+                      <a:pPr algn="ctr" fontAlgn="b"/>
+                      <a:r>
+                        <a:rPr lang="en-US" sz="1100" b="1" i="0" u="none" strike="noStrike" dirty="0">
+                          <a:solidFill>
+                            <a:srgbClr val="000000"/>
+                          </a:solidFill>
+                          <a:effectLst/>
+                          <a:latin typeface="等线" panose="02010600030101010101" pitchFamily="2" charset="-122"/>
+                          <a:ea typeface="等线" panose="02010600030101010101" pitchFamily="2" charset="-122"/>
+                        </a:rPr>
+                        <a:t>Y2X</a:t>
+                      </a:r>
+                    </a:p>
+                  </a:txBody>
+                  <a:tcPr marL="9525" marR="9525" marT="9525" marB="0" anchor="b">
+                    <a:solidFill>
+                      <a:schemeClr val="accent4">
+                        <a:lumMod val="20000"/>
+                        <a:lumOff val="80000"/>
+                      </a:schemeClr>
+                    </a:solidFill>
+                  </a:tcPr>
+                </a:tc>
+                <a:extLst>
+                  <a:ext uri="{0D108BD9-81ED-4DB2-BD59-A6C34878D82A}">
+                    <a16:rowId xmlns:a16="http://schemas.microsoft.com/office/drawing/2014/main" val="3939830335"/>
+                  </a:ext>
+                </a:extLst>
+              </a:tr>
+              <a:tr h="131686">
+                <a:tc>
+                  <a:txBody>
+                    <a:bodyPr/>
+                    <a:lstStyle/>
+                    <a:p>
+                      <a:pPr algn="ctr" fontAlgn="b"/>
+                      <a:r>
+                        <a:rPr lang="en-US" sz="1100" b="1" i="0" u="none" strike="noStrike" dirty="0">
+                          <a:solidFill>
+                            <a:srgbClr val="000000"/>
+                          </a:solidFill>
+                          <a:effectLst/>
+                          <a:latin typeface="等线" panose="02010600030101010101" pitchFamily="2" charset="-122"/>
+                          <a:ea typeface="等线" panose="02010600030101010101" pitchFamily="2" charset="-122"/>
+                        </a:rPr>
+                        <a:t>V20</a:t>
+                      </a:r>
+                    </a:p>
+                  </a:txBody>
+                  <a:tcPr marL="9525" marR="9525" marT="9525" marB="0" anchor="b"/>
+                </a:tc>
+                <a:tc>
+                  <a:txBody>
+                    <a:bodyPr/>
+                    <a:lstStyle/>
+                    <a:p>
+                      <a:pPr algn="ctr" fontAlgn="b"/>
+                      <a:r>
+                        <a:rPr lang="en-US" sz="1100" b="1" i="0" u="none" strike="noStrike">
+                          <a:solidFill>
+                            <a:srgbClr val="000000"/>
+                          </a:solidFill>
+                          <a:effectLst/>
+                          <a:latin typeface="等线" panose="02010600030101010101" pitchFamily="2" charset="-122"/>
+                          <a:ea typeface="等线" panose="02010600030101010101" pitchFamily="2" charset="-122"/>
+                        </a:rPr>
+                        <a:t>V21</a:t>
+                      </a:r>
+                    </a:p>
+                  </a:txBody>
+                  <a:tcPr marL="9525" marR="9525" marT="9525" marB="0" anchor="b"/>
+                </a:tc>
+                <a:tc>
+                  <a:txBody>
+                    <a:bodyPr/>
+                    <a:lstStyle/>
+                    <a:p>
+                      <a:pPr algn="ctr" fontAlgn="b"/>
+                      <a:r>
+                        <a:rPr lang="en-US" sz="1100" b="1" i="0" u="none" strike="noStrike">
+                          <a:solidFill>
+                            <a:srgbClr val="000000"/>
+                          </a:solidFill>
+                          <a:effectLst/>
+                          <a:latin typeface="等线" panose="02010600030101010101" pitchFamily="2" charset="-122"/>
+                          <a:ea typeface="等线" panose="02010600030101010101" pitchFamily="2" charset="-122"/>
+                        </a:rPr>
+                        <a:t>V22</a:t>
+                      </a:r>
+                    </a:p>
+                  </a:txBody>
+                  <a:tcPr marL="9525" marR="9525" marT="9525" marB="0" anchor="b"/>
+                </a:tc>
+                <a:tc>
+                  <a:txBody>
+                    <a:bodyPr/>
+                    <a:lstStyle/>
+                    <a:p>
+                      <a:pPr algn="ctr" fontAlgn="b"/>
+                      <a:endParaRPr lang="zh-CN" altLang="en-US" sz="1100" b="1" i="0" u="none" strike="noStrike">
+                        <a:solidFill>
+                          <a:srgbClr val="000000"/>
+                        </a:solidFill>
+                        <a:effectLst/>
+                        <a:latin typeface="等线" panose="02010600030101010101" pitchFamily="2" charset="-122"/>
+                        <a:ea typeface="等线" panose="02010600030101010101" pitchFamily="2" charset="-122"/>
+                      </a:endParaRPr>
+                    </a:p>
+                  </a:txBody>
+                  <a:tcPr marL="9525" marR="9525" marT="9525" marB="0" anchor="b"/>
+                </a:tc>
+                <a:tc>
+                  <a:txBody>
+                    <a:bodyPr/>
+                    <a:lstStyle/>
+                    <a:p>
+                      <a:pPr algn="ctr" fontAlgn="b"/>
+                      <a:r>
+                        <a:rPr lang="en-US" sz="1100" b="1" i="0" u="none" strike="noStrike">
+                          <a:solidFill>
+                            <a:srgbClr val="000000"/>
+                          </a:solidFill>
+                          <a:effectLst/>
+                          <a:latin typeface="等线" panose="02010600030101010101" pitchFamily="2" charset="-122"/>
+                          <a:ea typeface="等线" panose="02010600030101010101" pitchFamily="2" charset="-122"/>
+                        </a:rPr>
+                        <a:t>V2(X-1)</a:t>
+                      </a:r>
+                    </a:p>
+                  </a:txBody>
+                  <a:tcPr marL="9525" marR="9525" marT="9525" marB="0" anchor="b"/>
+                </a:tc>
+                <a:tc>
+                  <a:txBody>
+                    <a:bodyPr/>
+                    <a:lstStyle/>
+                    <a:p>
+                      <a:pPr algn="ctr" fontAlgn="b"/>
+                      <a:r>
+                        <a:rPr lang="en-US" sz="1100" b="1" i="0" u="none" strike="noStrike" dirty="0">
+                          <a:solidFill>
+                            <a:srgbClr val="000000"/>
+                          </a:solidFill>
+                          <a:effectLst/>
+                          <a:latin typeface="等线" panose="02010600030101010101" pitchFamily="2" charset="-122"/>
+                          <a:ea typeface="等线" panose="02010600030101010101" pitchFamily="2" charset="-122"/>
+                        </a:rPr>
+                        <a:t>V2X</a:t>
+                      </a:r>
+                    </a:p>
+                  </a:txBody>
+                  <a:tcPr marL="9525" marR="9525" marT="9525" marB="0" anchor="b"/>
+                </a:tc>
+                <a:extLst>
+                  <a:ext uri="{0D108BD9-81ED-4DB2-BD59-A6C34878D82A}">
+                    <a16:rowId xmlns:a16="http://schemas.microsoft.com/office/drawing/2014/main" val="4275698166"/>
+                  </a:ext>
+                </a:extLst>
+              </a:tr>
+              <a:tr h="131686">
+                <a:tc>
+                  <a:txBody>
+                    <a:bodyPr/>
+                    <a:lstStyle/>
+                    <a:p>
+                      <a:pPr algn="ctr" fontAlgn="b"/>
+                      <a:r>
+                        <a:rPr lang="en-US" sz="1100" b="1" i="0" u="none" strike="noStrike">
+                          <a:solidFill>
+                            <a:srgbClr val="000000"/>
+                          </a:solidFill>
+                          <a:effectLst/>
+                          <a:latin typeface="等线" panose="02010600030101010101" pitchFamily="2" charset="-122"/>
+                          <a:ea typeface="等线" panose="02010600030101010101" pitchFamily="2" charset="-122"/>
+                        </a:rPr>
+                        <a:t>Y’20</a:t>
+                      </a:r>
+                    </a:p>
+                  </a:txBody>
+                  <a:tcPr marL="9525" marR="9525" marT="9525" marB="0" anchor="b"/>
+                </a:tc>
+                <a:tc>
+                  <a:txBody>
+                    <a:bodyPr/>
+                    <a:lstStyle/>
+                    <a:p>
+                      <a:pPr algn="ctr" fontAlgn="b"/>
+                      <a:r>
+                        <a:rPr lang="en-US" sz="1100" b="1" i="0" u="none" strike="noStrike">
+                          <a:solidFill>
+                            <a:srgbClr val="000000"/>
+                          </a:solidFill>
+                          <a:effectLst/>
+                          <a:latin typeface="等线" panose="02010600030101010101" pitchFamily="2" charset="-122"/>
+                          <a:ea typeface="等线" panose="02010600030101010101" pitchFamily="2" charset="-122"/>
+                        </a:rPr>
+                        <a:t>Y’21</a:t>
+                      </a:r>
+                    </a:p>
+                  </a:txBody>
+                  <a:tcPr marL="9525" marR="9525" marT="9525" marB="0" anchor="b"/>
+                </a:tc>
+                <a:tc>
+                  <a:txBody>
+                    <a:bodyPr/>
+                    <a:lstStyle/>
+                    <a:p>
+                      <a:pPr algn="ctr" fontAlgn="b"/>
+                      <a:r>
+                        <a:rPr lang="en-US" sz="1100" b="1" i="0" u="none" strike="noStrike">
+                          <a:solidFill>
+                            <a:srgbClr val="000000"/>
+                          </a:solidFill>
+                          <a:effectLst/>
+                          <a:latin typeface="等线" panose="02010600030101010101" pitchFamily="2" charset="-122"/>
+                          <a:ea typeface="等线" panose="02010600030101010101" pitchFamily="2" charset="-122"/>
+                        </a:rPr>
+                        <a:t>Y’22</a:t>
+                      </a:r>
+                    </a:p>
+                  </a:txBody>
+                  <a:tcPr marL="9525" marR="9525" marT="9525" marB="0" anchor="b"/>
+                </a:tc>
+                <a:tc>
+                  <a:txBody>
+                    <a:bodyPr/>
+                    <a:lstStyle/>
+                    <a:p>
+                      <a:pPr algn="ctr" fontAlgn="b"/>
+                      <a:r>
+                        <a:rPr lang="en-US" altLang="zh-CN" sz="1100" b="1" i="0" u="none" strike="noStrike">
+                          <a:solidFill>
+                            <a:srgbClr val="000000"/>
+                          </a:solidFill>
+                          <a:effectLst/>
+                          <a:latin typeface="等线" panose="02010600030101010101" pitchFamily="2" charset="-122"/>
+                          <a:ea typeface="等线" panose="02010600030101010101" pitchFamily="2" charset="-122"/>
+                        </a:rPr>
+                        <a:t>…</a:t>
+                      </a:r>
+                    </a:p>
+                  </a:txBody>
+                  <a:tcPr marL="9525" marR="9525" marT="9525" marB="0" anchor="b"/>
+                </a:tc>
+                <a:tc>
+                  <a:txBody>
+                    <a:bodyPr/>
+                    <a:lstStyle/>
+                    <a:p>
+                      <a:pPr algn="ctr" fontAlgn="b"/>
+                      <a:r>
+                        <a:rPr lang="en-US" sz="1100" b="1" i="0" u="none" strike="noStrike">
+                          <a:solidFill>
+                            <a:srgbClr val="000000"/>
+                          </a:solidFill>
+                          <a:effectLst/>
+                          <a:latin typeface="等线" panose="02010600030101010101" pitchFamily="2" charset="-122"/>
+                          <a:ea typeface="等线" panose="02010600030101010101" pitchFamily="2" charset="-122"/>
+                        </a:rPr>
+                        <a:t>Y’2(X-1)</a:t>
+                      </a:r>
+                    </a:p>
+                  </a:txBody>
+                  <a:tcPr marL="9525" marR="9525" marT="9525" marB="0" anchor="b"/>
+                </a:tc>
+                <a:tc>
+                  <a:txBody>
+                    <a:bodyPr/>
+                    <a:lstStyle/>
+                    <a:p>
+                      <a:pPr algn="ctr" fontAlgn="b"/>
+                      <a:r>
+                        <a:rPr lang="en-US" sz="1100" b="1" i="0" u="none" strike="noStrike" dirty="0">
+                          <a:solidFill>
+                            <a:srgbClr val="000000"/>
+                          </a:solidFill>
+                          <a:effectLst/>
+                          <a:latin typeface="等线" panose="02010600030101010101" pitchFamily="2" charset="-122"/>
+                          <a:ea typeface="等线" panose="02010600030101010101" pitchFamily="2" charset="-122"/>
+                        </a:rPr>
+                        <a:t>Y’2X</a:t>
+                      </a:r>
+                    </a:p>
+                  </a:txBody>
+                  <a:tcPr marL="9525" marR="9525" marT="9525" marB="0" anchor="b"/>
+                </a:tc>
+                <a:extLst>
+                  <a:ext uri="{0D108BD9-81ED-4DB2-BD59-A6C34878D82A}">
+                    <a16:rowId xmlns:a16="http://schemas.microsoft.com/office/drawing/2014/main" val="1505068252"/>
+                  </a:ext>
+                </a:extLst>
+              </a:tr>
+              <a:tr h="131686">
+                <a:tc>
+                  <a:txBody>
+                    <a:bodyPr/>
+                    <a:lstStyle/>
+                    <a:p>
+                      <a:pPr algn="ctr" fontAlgn="b"/>
+                      <a:r>
+                        <a:rPr lang="en-US" sz="1100" b="1" i="0" u="none" strike="noStrike">
+                          <a:solidFill>
+                            <a:srgbClr val="000000"/>
+                          </a:solidFill>
+                          <a:effectLst/>
+                          <a:latin typeface="等线" panose="02010600030101010101" pitchFamily="2" charset="-122"/>
+                          <a:ea typeface="等线" panose="02010600030101010101" pitchFamily="2" charset="-122"/>
+                        </a:rPr>
+                        <a:t>U20</a:t>
+                      </a:r>
+                    </a:p>
+                  </a:txBody>
+                  <a:tcPr marL="9525" marR="9525" marT="9525" marB="0" anchor="b"/>
+                </a:tc>
+                <a:tc>
+                  <a:txBody>
+                    <a:bodyPr/>
+                    <a:lstStyle/>
+                    <a:p>
+                      <a:pPr algn="ctr" fontAlgn="b"/>
+                      <a:r>
+                        <a:rPr lang="en-US" sz="1100" b="1" i="0" u="none" strike="noStrike">
+                          <a:solidFill>
+                            <a:srgbClr val="000000"/>
+                          </a:solidFill>
+                          <a:effectLst/>
+                          <a:latin typeface="等线" panose="02010600030101010101" pitchFamily="2" charset="-122"/>
+                          <a:ea typeface="等线" panose="02010600030101010101" pitchFamily="2" charset="-122"/>
+                        </a:rPr>
+                        <a:t>U21</a:t>
+                      </a:r>
+                    </a:p>
+                  </a:txBody>
+                  <a:tcPr marL="9525" marR="9525" marT="9525" marB="0" anchor="b"/>
+                </a:tc>
+                <a:tc>
+                  <a:txBody>
+                    <a:bodyPr/>
+                    <a:lstStyle/>
+                    <a:p>
+                      <a:pPr algn="ctr" fontAlgn="b"/>
+                      <a:r>
+                        <a:rPr lang="en-US" sz="1100" b="1" i="0" u="none" strike="noStrike">
+                          <a:solidFill>
+                            <a:srgbClr val="000000"/>
+                          </a:solidFill>
+                          <a:effectLst/>
+                          <a:latin typeface="等线" panose="02010600030101010101" pitchFamily="2" charset="-122"/>
+                          <a:ea typeface="等线" panose="02010600030101010101" pitchFamily="2" charset="-122"/>
+                        </a:rPr>
+                        <a:t>U22</a:t>
+                      </a:r>
+                    </a:p>
+                  </a:txBody>
+                  <a:tcPr marL="9525" marR="9525" marT="9525" marB="0" anchor="b"/>
+                </a:tc>
+                <a:tc>
+                  <a:txBody>
+                    <a:bodyPr/>
+                    <a:lstStyle/>
+                    <a:p>
+                      <a:pPr algn="ctr" fontAlgn="b"/>
+                      <a:endParaRPr lang="zh-CN" altLang="en-US" sz="1100" b="1" i="0" u="none" strike="noStrike">
+                        <a:solidFill>
+                          <a:srgbClr val="000000"/>
+                        </a:solidFill>
+                        <a:effectLst/>
+                        <a:latin typeface="等线" panose="02010600030101010101" pitchFamily="2" charset="-122"/>
+                        <a:ea typeface="等线" panose="02010600030101010101" pitchFamily="2" charset="-122"/>
+                      </a:endParaRPr>
+                    </a:p>
+                  </a:txBody>
+                  <a:tcPr marL="9525" marR="9525" marT="9525" marB="0" anchor="b"/>
+                </a:tc>
+                <a:tc>
+                  <a:txBody>
+                    <a:bodyPr/>
+                    <a:lstStyle/>
+                    <a:p>
+                      <a:pPr algn="ctr" fontAlgn="b"/>
+                      <a:r>
+                        <a:rPr lang="en-US" sz="1100" b="1" i="0" u="none" strike="noStrike">
+                          <a:solidFill>
+                            <a:srgbClr val="000000"/>
+                          </a:solidFill>
+                          <a:effectLst/>
+                          <a:latin typeface="等线" panose="02010600030101010101" pitchFamily="2" charset="-122"/>
+                          <a:ea typeface="等线" panose="02010600030101010101" pitchFamily="2" charset="-122"/>
+                        </a:rPr>
+                        <a:t>U2(X-1)</a:t>
+                      </a:r>
+                    </a:p>
+                  </a:txBody>
+                  <a:tcPr marL="9525" marR="9525" marT="9525" marB="0" anchor="b"/>
+                </a:tc>
+                <a:tc>
+                  <a:txBody>
+                    <a:bodyPr/>
+                    <a:lstStyle/>
+                    <a:p>
+                      <a:pPr algn="ctr" fontAlgn="b"/>
+                      <a:r>
+                        <a:rPr lang="en-US" sz="1100" b="1" i="0" u="none" strike="noStrike">
+                          <a:solidFill>
+                            <a:srgbClr val="000000"/>
+                          </a:solidFill>
+                          <a:effectLst/>
+                          <a:latin typeface="等线" panose="02010600030101010101" pitchFamily="2" charset="-122"/>
+                          <a:ea typeface="等线" panose="02010600030101010101" pitchFamily="2" charset="-122"/>
+                        </a:rPr>
+                        <a:t>U2X</a:t>
+                      </a:r>
+                    </a:p>
+                  </a:txBody>
+                  <a:tcPr marL="9525" marR="9525" marT="9525" marB="0" anchor="b"/>
+                </a:tc>
+                <a:extLst>
+                  <a:ext uri="{0D108BD9-81ED-4DB2-BD59-A6C34878D82A}">
+                    <a16:rowId xmlns:a16="http://schemas.microsoft.com/office/drawing/2014/main" val="803219477"/>
+                  </a:ext>
+                </a:extLst>
+              </a:tr>
+              <a:tr h="131686">
+                <a:tc>
+                  <a:txBody>
+                    <a:bodyPr/>
+                    <a:lstStyle/>
+                    <a:p>
+                      <a:pPr algn="ctr" fontAlgn="b"/>
+                      <a:r>
+                        <a:rPr lang="en-US" sz="1100" b="1" i="0" u="none" strike="noStrike">
+                          <a:solidFill>
+                            <a:srgbClr val="000000"/>
+                          </a:solidFill>
+                          <a:effectLst/>
+                          <a:latin typeface="等线" panose="02010600030101010101" pitchFamily="2" charset="-122"/>
+                          <a:ea typeface="等线" panose="02010600030101010101" pitchFamily="2" charset="-122"/>
+                        </a:rPr>
+                        <a:t>Y20</a:t>
+                      </a:r>
+                    </a:p>
+                  </a:txBody>
+                  <a:tcPr marL="9525" marR="9525" marT="9525" marB="0" anchor="b"/>
+                </a:tc>
+                <a:tc>
+                  <a:txBody>
+                    <a:bodyPr/>
+                    <a:lstStyle/>
+                    <a:p>
+                      <a:pPr algn="ctr" fontAlgn="b"/>
+                      <a:r>
+                        <a:rPr lang="en-US" sz="1100" b="1" i="0" u="none" strike="noStrike">
+                          <a:solidFill>
+                            <a:srgbClr val="000000"/>
+                          </a:solidFill>
+                          <a:effectLst/>
+                          <a:latin typeface="等线" panose="02010600030101010101" pitchFamily="2" charset="-122"/>
+                          <a:ea typeface="等线" panose="02010600030101010101" pitchFamily="2" charset="-122"/>
+                        </a:rPr>
+                        <a:t>Y21</a:t>
+                      </a:r>
+                    </a:p>
+                  </a:txBody>
+                  <a:tcPr marL="9525" marR="9525" marT="9525" marB="0" anchor="b"/>
+                </a:tc>
+                <a:tc>
+                  <a:txBody>
+                    <a:bodyPr/>
+                    <a:lstStyle/>
+                    <a:p>
+                      <a:pPr algn="ctr" fontAlgn="b"/>
+                      <a:r>
+                        <a:rPr lang="en-US" sz="1100" b="1" i="0" u="none" strike="noStrike">
+                          <a:solidFill>
+                            <a:srgbClr val="000000"/>
+                          </a:solidFill>
+                          <a:effectLst/>
+                          <a:latin typeface="等线" panose="02010600030101010101" pitchFamily="2" charset="-122"/>
+                          <a:ea typeface="等线" panose="02010600030101010101" pitchFamily="2" charset="-122"/>
+                        </a:rPr>
+                        <a:t>Y22</a:t>
+                      </a:r>
+                    </a:p>
+                  </a:txBody>
+                  <a:tcPr marL="9525" marR="9525" marT="9525" marB="0" anchor="b"/>
+                </a:tc>
+                <a:tc>
+                  <a:txBody>
+                    <a:bodyPr/>
+                    <a:lstStyle/>
+                    <a:p>
+                      <a:pPr algn="ctr" fontAlgn="b"/>
+                      <a:endParaRPr lang="zh-CN" altLang="en-US" sz="1100" b="1" i="0" u="none" strike="noStrike">
+                        <a:solidFill>
+                          <a:srgbClr val="000000"/>
+                        </a:solidFill>
+                        <a:effectLst/>
+                        <a:latin typeface="等线" panose="02010600030101010101" pitchFamily="2" charset="-122"/>
+                        <a:ea typeface="等线" panose="02010600030101010101" pitchFamily="2" charset="-122"/>
+                      </a:endParaRPr>
+                    </a:p>
+                  </a:txBody>
+                  <a:tcPr marL="9525" marR="9525" marT="9525" marB="0" anchor="b"/>
+                </a:tc>
+                <a:tc>
+                  <a:txBody>
+                    <a:bodyPr/>
+                    <a:lstStyle/>
+                    <a:p>
+                      <a:pPr algn="ctr" fontAlgn="b"/>
+                      <a:r>
+                        <a:rPr lang="en-US" sz="1100" b="1" i="0" u="none" strike="noStrike">
+                          <a:solidFill>
+                            <a:srgbClr val="000000"/>
+                          </a:solidFill>
+                          <a:effectLst/>
+                          <a:latin typeface="等线" panose="02010600030101010101" pitchFamily="2" charset="-122"/>
+                          <a:ea typeface="等线" panose="02010600030101010101" pitchFamily="2" charset="-122"/>
+                        </a:rPr>
+                        <a:t>Y2(X-1)</a:t>
+                      </a:r>
+                    </a:p>
+                  </a:txBody>
+                  <a:tcPr marL="9525" marR="9525" marT="9525" marB="0" anchor="b"/>
+                </a:tc>
+                <a:tc>
+                  <a:txBody>
+                    <a:bodyPr/>
+                    <a:lstStyle/>
+                    <a:p>
+                      <a:pPr algn="ctr" fontAlgn="b"/>
+                      <a:r>
+                        <a:rPr lang="en-US" sz="1100" b="1" i="0" u="none" strike="noStrike" dirty="0">
+                          <a:solidFill>
+                            <a:srgbClr val="000000"/>
+                          </a:solidFill>
+                          <a:effectLst/>
+                          <a:latin typeface="等线" panose="02010600030101010101" pitchFamily="2" charset="-122"/>
+                          <a:ea typeface="等线" panose="02010600030101010101" pitchFamily="2" charset="-122"/>
+                        </a:rPr>
+                        <a:t>Y2X</a:t>
+                      </a:r>
+                    </a:p>
+                  </a:txBody>
+                  <a:tcPr marL="9525" marR="9525" marT="9525" marB="0" anchor="b"/>
+                </a:tc>
+                <a:extLst>
+                  <a:ext uri="{0D108BD9-81ED-4DB2-BD59-A6C34878D82A}">
+                    <a16:rowId xmlns:a16="http://schemas.microsoft.com/office/drawing/2014/main" val="3798999742"/>
+                  </a:ext>
+                </a:extLst>
+              </a:tr>
+            </a:tbl>
+          </a:graphicData>
+        </a:graphic>
+      </p:graphicFrame>
+      <p:sp>
+        <p:nvSpPr>
+          <p:cNvPr id="7" name="文本框 6">
+            <a:extLst>
+              <a:ext uri="{FF2B5EF4-FFF2-40B4-BE49-F238E27FC236}">
+                <a16:creationId xmlns:a16="http://schemas.microsoft.com/office/drawing/2014/main" id="{B4E0EBB2-6508-F6F3-C640-F83949C6FDA1}"/>
+              </a:ext>
+            </a:extLst>
+          </p:cNvPr>
+          <p:cNvSpPr txBox="1"/>
+          <p:nvPr/>
+        </p:nvSpPr>
+        <p:spPr>
+          <a:xfrm>
+            <a:off x="2402725" y="1638984"/>
+            <a:ext cx="1442896" cy="369332"/>
+          </a:xfrm>
+          <a:prstGeom prst="rect">
+            <a:avLst/>
+          </a:prstGeom>
+          <a:noFill/>
+        </p:spPr>
+        <p:txBody>
+          <a:bodyPr wrap="none" rtlCol="0">
+            <a:spAutoFit/>
+          </a:bodyPr>
+          <a:lstStyle/>
+          <a:p>
+            <a:r>
+              <a:rPr lang="en-US" altLang="zh-CN" dirty="0" err="1"/>
+              <a:t>Data_in_map</a:t>
+            </a:r>
+            <a:endParaRPr lang="zh-CN" altLang="en-US" dirty="0"/>
+          </a:p>
+        </p:txBody>
+      </p:sp>
+      <p:sp>
+        <p:nvSpPr>
+          <p:cNvPr id="9" name="文本框 8">
+            <a:extLst>
+              <a:ext uri="{FF2B5EF4-FFF2-40B4-BE49-F238E27FC236}">
+                <a16:creationId xmlns:a16="http://schemas.microsoft.com/office/drawing/2014/main" id="{C2881B22-FC9E-0237-C394-4E7854BEE67D}"/>
+              </a:ext>
+            </a:extLst>
+          </p:cNvPr>
+          <p:cNvSpPr txBox="1"/>
+          <p:nvPr/>
+        </p:nvSpPr>
+        <p:spPr>
+          <a:xfrm>
+            <a:off x="2402725" y="3850918"/>
+            <a:ext cx="1764201" cy="369332"/>
+          </a:xfrm>
+          <a:prstGeom prst="rect">
+            <a:avLst/>
+          </a:prstGeom>
+          <a:noFill/>
+        </p:spPr>
+        <p:txBody>
+          <a:bodyPr wrap="none" rtlCol="0">
+            <a:spAutoFit/>
+          </a:bodyPr>
+          <a:lstStyle/>
+          <a:p>
+            <a:r>
+              <a:rPr lang="en-US" altLang="zh-CN" dirty="0" err="1"/>
+              <a:t>Data_temp_map</a:t>
+            </a:r>
+            <a:endParaRPr lang="zh-CN" altLang="en-US" dirty="0"/>
+          </a:p>
+        </p:txBody>
+      </p:sp>
+      <p:sp>
+        <p:nvSpPr>
+          <p:cNvPr id="10" name="文本框 9">
+            <a:extLst>
+              <a:ext uri="{FF2B5EF4-FFF2-40B4-BE49-F238E27FC236}">
+                <a16:creationId xmlns:a16="http://schemas.microsoft.com/office/drawing/2014/main" id="{3C3C44F6-8FB0-9C37-0CB0-804CA321C66A}"/>
+              </a:ext>
+            </a:extLst>
+          </p:cNvPr>
+          <p:cNvSpPr txBox="1"/>
+          <p:nvPr/>
+        </p:nvSpPr>
+        <p:spPr>
+          <a:xfrm>
+            <a:off x="2402725" y="7341195"/>
+            <a:ext cx="1909369" cy="369332"/>
+          </a:xfrm>
+          <a:prstGeom prst="rect">
+            <a:avLst/>
+          </a:prstGeom>
+          <a:noFill/>
+        </p:spPr>
+        <p:txBody>
+          <a:bodyPr wrap="none" rtlCol="0">
+            <a:spAutoFit/>
+          </a:bodyPr>
+          <a:lstStyle/>
+          <a:p>
+            <a:r>
+              <a:rPr lang="en-US" altLang="zh-CN" dirty="0" err="1"/>
+              <a:t>Data_output_map</a:t>
+            </a:r>
+            <a:endParaRPr lang="zh-CN" altLang="en-US" dirty="0"/>
+          </a:p>
+        </p:txBody>
+      </p:sp>
     </p:spTree>
     <p:extLst>
       <p:ext uri="{BB962C8B-B14F-4D97-AF65-F5344CB8AC3E}">
